--- a/docs/figures.pptx
+++ b/docs/figures.pptx
@@ -4,9 +4,13 @@
   <p:sldMasterIdLst>
     <p:sldMasterId id="2147483648" r:id="rId1"/>
   </p:sldMasterIdLst>
+  <p:notesMasterIdLst>
+    <p:notesMasterId r:id="rId5"/>
+  </p:notesMasterIdLst>
   <p:sldIdLst>
     <p:sldId id="256" r:id="rId2"/>
     <p:sldId id="257" r:id="rId3"/>
+    <p:sldId id="259" r:id="rId4"/>
   </p:sldIdLst>
   <p:sldSz cx="12192000" cy="6858000"/>
   <p:notesSz cx="6858000" cy="9144000"/>
@@ -106,6 +110,439 @@
     </a:lvl9pPr>
   </p:defaultTextStyle>
 </p:presentation>
+</file>
+
+<file path=ppt/notesMasters/notesMaster1.xml><?xml version="1.0" encoding="utf-8"?>
+<p:notesMaster xmlns:a="http://schemas.openxmlformats.org/drawingml/2006/main" xmlns:r="http://schemas.openxmlformats.org/officeDocument/2006/relationships" xmlns:p="http://schemas.openxmlformats.org/presentationml/2006/main">
+  <p:cSld>
+    <p:bg>
+      <p:bgRef idx="1001">
+        <a:schemeClr val="bg1"/>
+      </p:bgRef>
+    </p:bg>
+    <p:spTree>
+      <p:nvGrpSpPr>
+        <p:cNvPr id="1" name=""/>
+        <p:cNvGrpSpPr/>
+        <p:nvPr/>
+      </p:nvGrpSpPr>
+      <p:grpSpPr>
+        <a:xfrm>
+          <a:off x="0" y="0"/>
+          <a:ext cx="0" cy="0"/>
+          <a:chOff x="0" y="0"/>
+          <a:chExt cx="0" cy="0"/>
+        </a:xfrm>
+      </p:grpSpPr>
+      <p:sp>
+        <p:nvSpPr>
+          <p:cNvPr id="2" name="Header Placeholder 1"/>
+          <p:cNvSpPr>
+            <a:spLocks noGrp="1"/>
+          </p:cNvSpPr>
+          <p:nvPr>
+            <p:ph type="hdr" sz="quarter"/>
+          </p:nvPr>
+        </p:nvSpPr>
+        <p:spPr>
+          <a:xfrm>
+            <a:off x="0" y="0"/>
+            <a:ext cx="2971800" cy="458788"/>
+          </a:xfrm>
+          <a:prstGeom prst="rect">
+            <a:avLst/>
+          </a:prstGeom>
+        </p:spPr>
+        <p:txBody>
+          <a:bodyPr vert="horz" lIns="91440" tIns="45720" rIns="91440" bIns="45720" rtlCol="0"/>
+          <a:lstStyle>
+            <a:lvl1pPr algn="l">
+              <a:defRPr sz="1200"/>
+            </a:lvl1pPr>
+          </a:lstStyle>
+          <a:p>
+            <a:endParaRPr lang="en-US"/>
+          </a:p>
+        </p:txBody>
+      </p:sp>
+      <p:sp>
+        <p:nvSpPr>
+          <p:cNvPr id="3" name="Date Placeholder 2"/>
+          <p:cNvSpPr>
+            <a:spLocks noGrp="1"/>
+          </p:cNvSpPr>
+          <p:nvPr>
+            <p:ph type="dt" idx="1"/>
+          </p:nvPr>
+        </p:nvSpPr>
+        <p:spPr>
+          <a:xfrm>
+            <a:off x="3884613" y="0"/>
+            <a:ext cx="2971800" cy="458788"/>
+          </a:xfrm>
+          <a:prstGeom prst="rect">
+            <a:avLst/>
+          </a:prstGeom>
+        </p:spPr>
+        <p:txBody>
+          <a:bodyPr vert="horz" lIns="91440" tIns="45720" rIns="91440" bIns="45720" rtlCol="0"/>
+          <a:lstStyle>
+            <a:lvl1pPr algn="r">
+              <a:defRPr sz="1200"/>
+            </a:lvl1pPr>
+          </a:lstStyle>
+          <a:p>
+            <a:fld id="{1E4181FA-15DD-4E46-AB27-FFAC9E7A59E5}" type="datetimeFigureOut">
+              <a:rPr lang="en-US" smtClean="0"/>
+              <a:t>4/14/24</a:t>
+            </a:fld>
+            <a:endParaRPr lang="en-US"/>
+          </a:p>
+        </p:txBody>
+      </p:sp>
+      <p:sp>
+        <p:nvSpPr>
+          <p:cNvPr id="4" name="Slide Image Placeholder 3"/>
+          <p:cNvSpPr>
+            <a:spLocks noGrp="1" noRot="1" noChangeAspect="1"/>
+          </p:cNvSpPr>
+          <p:nvPr>
+            <p:ph type="sldImg" idx="2"/>
+          </p:nvPr>
+        </p:nvSpPr>
+        <p:spPr>
+          <a:xfrm>
+            <a:off x="685800" y="1143000"/>
+            <a:ext cx="5486400" cy="3086100"/>
+          </a:xfrm>
+          <a:prstGeom prst="rect">
+            <a:avLst/>
+          </a:prstGeom>
+          <a:noFill/>
+          <a:ln w="12700">
+            <a:solidFill>
+              <a:prstClr val="black"/>
+            </a:solidFill>
+          </a:ln>
+        </p:spPr>
+        <p:txBody>
+          <a:bodyPr vert="horz" lIns="91440" tIns="45720" rIns="91440" bIns="45720" rtlCol="0" anchor="ctr"/>
+          <a:lstStyle/>
+          <a:p>
+            <a:endParaRPr lang="en-US"/>
+          </a:p>
+        </p:txBody>
+      </p:sp>
+      <p:sp>
+        <p:nvSpPr>
+          <p:cNvPr id="5" name="Notes Placeholder 4"/>
+          <p:cNvSpPr>
+            <a:spLocks noGrp="1"/>
+          </p:cNvSpPr>
+          <p:nvPr>
+            <p:ph type="body" sz="quarter" idx="3"/>
+          </p:nvPr>
+        </p:nvSpPr>
+        <p:spPr>
+          <a:xfrm>
+            <a:off x="685800" y="4400550"/>
+            <a:ext cx="5486400" cy="3600450"/>
+          </a:xfrm>
+          <a:prstGeom prst="rect">
+            <a:avLst/>
+          </a:prstGeom>
+        </p:spPr>
+        <p:txBody>
+          <a:bodyPr vert="horz" lIns="91440" tIns="45720" rIns="91440" bIns="45720" rtlCol="0"/>
+          <a:lstStyle/>
+          <a:p>
+            <a:pPr lvl="0"/>
+            <a:r>
+              <a:rPr lang="en-US"/>
+              <a:t>Click to edit Master text styles</a:t>
+            </a:r>
+          </a:p>
+          <a:p>
+            <a:pPr lvl="1"/>
+            <a:r>
+              <a:rPr lang="en-US"/>
+              <a:t>Second level</a:t>
+            </a:r>
+          </a:p>
+          <a:p>
+            <a:pPr lvl="2"/>
+            <a:r>
+              <a:rPr lang="en-US"/>
+              <a:t>Third level</a:t>
+            </a:r>
+          </a:p>
+          <a:p>
+            <a:pPr lvl="3"/>
+            <a:r>
+              <a:rPr lang="en-US"/>
+              <a:t>Fourth level</a:t>
+            </a:r>
+          </a:p>
+          <a:p>
+            <a:pPr lvl="4"/>
+            <a:r>
+              <a:rPr lang="en-US"/>
+              <a:t>Fifth level</a:t>
+            </a:r>
+          </a:p>
+        </p:txBody>
+      </p:sp>
+      <p:sp>
+        <p:nvSpPr>
+          <p:cNvPr id="6" name="Footer Placeholder 5"/>
+          <p:cNvSpPr>
+            <a:spLocks noGrp="1"/>
+          </p:cNvSpPr>
+          <p:nvPr>
+            <p:ph type="ftr" sz="quarter" idx="4"/>
+          </p:nvPr>
+        </p:nvSpPr>
+        <p:spPr>
+          <a:xfrm>
+            <a:off x="0" y="8685213"/>
+            <a:ext cx="2971800" cy="458787"/>
+          </a:xfrm>
+          <a:prstGeom prst="rect">
+            <a:avLst/>
+          </a:prstGeom>
+        </p:spPr>
+        <p:txBody>
+          <a:bodyPr vert="horz" lIns="91440" tIns="45720" rIns="91440" bIns="45720" rtlCol="0" anchor="b"/>
+          <a:lstStyle>
+            <a:lvl1pPr algn="l">
+              <a:defRPr sz="1200"/>
+            </a:lvl1pPr>
+          </a:lstStyle>
+          <a:p>
+            <a:endParaRPr lang="en-US"/>
+          </a:p>
+        </p:txBody>
+      </p:sp>
+      <p:sp>
+        <p:nvSpPr>
+          <p:cNvPr id="7" name="Slide Number Placeholder 6"/>
+          <p:cNvSpPr>
+            <a:spLocks noGrp="1"/>
+          </p:cNvSpPr>
+          <p:nvPr>
+            <p:ph type="sldNum" sz="quarter" idx="5"/>
+          </p:nvPr>
+        </p:nvSpPr>
+        <p:spPr>
+          <a:xfrm>
+            <a:off x="3884613" y="8685213"/>
+            <a:ext cx="2971800" cy="458787"/>
+          </a:xfrm>
+          <a:prstGeom prst="rect">
+            <a:avLst/>
+          </a:prstGeom>
+        </p:spPr>
+        <p:txBody>
+          <a:bodyPr vert="horz" lIns="91440" tIns="45720" rIns="91440" bIns="45720" rtlCol="0" anchor="b"/>
+          <a:lstStyle>
+            <a:lvl1pPr algn="r">
+              <a:defRPr sz="1200"/>
+            </a:lvl1pPr>
+          </a:lstStyle>
+          <a:p>
+            <a:fld id="{0E11ACED-4516-C144-AB20-61C8D5EDCC2D}" type="slidenum">
+              <a:rPr lang="en-US" smtClean="0"/>
+              <a:t>‹#›</a:t>
+            </a:fld>
+            <a:endParaRPr lang="en-US"/>
+          </a:p>
+        </p:txBody>
+      </p:sp>
+    </p:spTree>
+    <p:extLst>
+      <p:ext uri="{BB962C8B-B14F-4D97-AF65-F5344CB8AC3E}">
+        <p14:creationId xmlns:p14="http://schemas.microsoft.com/office/powerpoint/2010/main" val="1230978970"/>
+      </p:ext>
+    </p:extLst>
+  </p:cSld>
+  <p:clrMap bg1="lt1" tx1="dk1" bg2="lt2" tx2="dk2" accent1="accent1" accent2="accent2" accent3="accent3" accent4="accent4" accent5="accent5" accent6="accent6" hlink="hlink" folHlink="folHlink"/>
+  <p:notesStyle>
+    <a:lvl1pPr marL="0" algn="l" defTabSz="914400" rtl="0" eaLnBrk="1" latinLnBrk="0" hangingPunct="1">
+      <a:defRPr sz="1200" kern="1200">
+        <a:solidFill>
+          <a:schemeClr val="tx1"/>
+        </a:solidFill>
+        <a:latin typeface="+mn-lt"/>
+        <a:ea typeface="+mn-ea"/>
+        <a:cs typeface="+mn-cs"/>
+      </a:defRPr>
+    </a:lvl1pPr>
+    <a:lvl2pPr marL="457200" algn="l" defTabSz="914400" rtl="0" eaLnBrk="1" latinLnBrk="0" hangingPunct="1">
+      <a:defRPr sz="1200" kern="1200">
+        <a:solidFill>
+          <a:schemeClr val="tx1"/>
+        </a:solidFill>
+        <a:latin typeface="+mn-lt"/>
+        <a:ea typeface="+mn-ea"/>
+        <a:cs typeface="+mn-cs"/>
+      </a:defRPr>
+    </a:lvl2pPr>
+    <a:lvl3pPr marL="914400" algn="l" defTabSz="914400" rtl="0" eaLnBrk="1" latinLnBrk="0" hangingPunct="1">
+      <a:defRPr sz="1200" kern="1200">
+        <a:solidFill>
+          <a:schemeClr val="tx1"/>
+        </a:solidFill>
+        <a:latin typeface="+mn-lt"/>
+        <a:ea typeface="+mn-ea"/>
+        <a:cs typeface="+mn-cs"/>
+      </a:defRPr>
+    </a:lvl3pPr>
+    <a:lvl4pPr marL="1371600" algn="l" defTabSz="914400" rtl="0" eaLnBrk="1" latinLnBrk="0" hangingPunct="1">
+      <a:defRPr sz="1200" kern="1200">
+        <a:solidFill>
+          <a:schemeClr val="tx1"/>
+        </a:solidFill>
+        <a:latin typeface="+mn-lt"/>
+        <a:ea typeface="+mn-ea"/>
+        <a:cs typeface="+mn-cs"/>
+      </a:defRPr>
+    </a:lvl4pPr>
+    <a:lvl5pPr marL="1828800" algn="l" defTabSz="914400" rtl="0" eaLnBrk="1" latinLnBrk="0" hangingPunct="1">
+      <a:defRPr sz="1200" kern="1200">
+        <a:solidFill>
+          <a:schemeClr val="tx1"/>
+        </a:solidFill>
+        <a:latin typeface="+mn-lt"/>
+        <a:ea typeface="+mn-ea"/>
+        <a:cs typeface="+mn-cs"/>
+      </a:defRPr>
+    </a:lvl5pPr>
+    <a:lvl6pPr marL="2286000" algn="l" defTabSz="914400" rtl="0" eaLnBrk="1" latinLnBrk="0" hangingPunct="1">
+      <a:defRPr sz="1200" kern="1200">
+        <a:solidFill>
+          <a:schemeClr val="tx1"/>
+        </a:solidFill>
+        <a:latin typeface="+mn-lt"/>
+        <a:ea typeface="+mn-ea"/>
+        <a:cs typeface="+mn-cs"/>
+      </a:defRPr>
+    </a:lvl6pPr>
+    <a:lvl7pPr marL="2743200" algn="l" defTabSz="914400" rtl="0" eaLnBrk="1" latinLnBrk="0" hangingPunct="1">
+      <a:defRPr sz="1200" kern="1200">
+        <a:solidFill>
+          <a:schemeClr val="tx1"/>
+        </a:solidFill>
+        <a:latin typeface="+mn-lt"/>
+        <a:ea typeface="+mn-ea"/>
+        <a:cs typeface="+mn-cs"/>
+      </a:defRPr>
+    </a:lvl7pPr>
+    <a:lvl8pPr marL="3200400" algn="l" defTabSz="914400" rtl="0" eaLnBrk="1" latinLnBrk="0" hangingPunct="1">
+      <a:defRPr sz="1200" kern="1200">
+        <a:solidFill>
+          <a:schemeClr val="tx1"/>
+        </a:solidFill>
+        <a:latin typeface="+mn-lt"/>
+        <a:ea typeface="+mn-ea"/>
+        <a:cs typeface="+mn-cs"/>
+      </a:defRPr>
+    </a:lvl8pPr>
+    <a:lvl9pPr marL="3657600" algn="l" defTabSz="914400" rtl="0" eaLnBrk="1" latinLnBrk="0" hangingPunct="1">
+      <a:defRPr sz="1200" kern="1200">
+        <a:solidFill>
+          <a:schemeClr val="tx1"/>
+        </a:solidFill>
+        <a:latin typeface="+mn-lt"/>
+        <a:ea typeface="+mn-ea"/>
+        <a:cs typeface="+mn-cs"/>
+      </a:defRPr>
+    </a:lvl9pPr>
+  </p:notesStyle>
+</p:notesMaster>
+</file>
+
+<file path=ppt/notesSlides/notesSlide1.xml><?xml version="1.0" encoding="utf-8"?>
+<p:notes xmlns:a="http://schemas.openxmlformats.org/drawingml/2006/main" xmlns:r="http://schemas.openxmlformats.org/officeDocument/2006/relationships" xmlns:p="http://schemas.openxmlformats.org/presentationml/2006/main">
+  <p:cSld>
+    <p:spTree>
+      <p:nvGrpSpPr>
+        <p:cNvPr id="1" name=""/>
+        <p:cNvGrpSpPr/>
+        <p:nvPr/>
+      </p:nvGrpSpPr>
+      <p:grpSpPr>
+        <a:xfrm>
+          <a:off x="0" y="0"/>
+          <a:ext cx="0" cy="0"/>
+          <a:chOff x="0" y="0"/>
+          <a:chExt cx="0" cy="0"/>
+        </a:xfrm>
+      </p:grpSpPr>
+      <p:sp>
+        <p:nvSpPr>
+          <p:cNvPr id="2" name="Slide Image Placeholder 1"/>
+          <p:cNvSpPr>
+            <a:spLocks noGrp="1" noRot="1" noChangeAspect="1"/>
+          </p:cNvSpPr>
+          <p:nvPr>
+            <p:ph type="sldImg"/>
+          </p:nvPr>
+        </p:nvSpPr>
+        <p:spPr/>
+      </p:sp>
+      <p:sp>
+        <p:nvSpPr>
+          <p:cNvPr id="3" name="Notes Placeholder 2"/>
+          <p:cNvSpPr>
+            <a:spLocks noGrp="1"/>
+          </p:cNvSpPr>
+          <p:nvPr>
+            <p:ph type="body" idx="1"/>
+          </p:nvPr>
+        </p:nvSpPr>
+        <p:spPr/>
+        <p:txBody>
+          <a:bodyPr/>
+          <a:lstStyle/>
+          <a:p>
+            <a:endParaRPr lang="en-US" dirty="0"/>
+          </a:p>
+        </p:txBody>
+      </p:sp>
+      <p:sp>
+        <p:nvSpPr>
+          <p:cNvPr id="4" name="Slide Number Placeholder 3"/>
+          <p:cNvSpPr>
+            <a:spLocks noGrp="1"/>
+          </p:cNvSpPr>
+          <p:nvPr>
+            <p:ph type="sldNum" sz="quarter" idx="5"/>
+          </p:nvPr>
+        </p:nvSpPr>
+        <p:spPr/>
+        <p:txBody>
+          <a:bodyPr/>
+          <a:lstStyle/>
+          <a:p>
+            <a:fld id="{0E11ACED-4516-C144-AB20-61C8D5EDCC2D}" type="slidenum">
+              <a:rPr lang="en-US" smtClean="0"/>
+              <a:t>3</a:t>
+            </a:fld>
+            <a:endParaRPr lang="en-US"/>
+          </a:p>
+        </p:txBody>
+      </p:sp>
+    </p:spTree>
+    <p:extLst>
+      <p:ext uri="{BB962C8B-B14F-4D97-AF65-F5344CB8AC3E}">
+        <p14:creationId xmlns:p14="http://schemas.microsoft.com/office/powerpoint/2010/main" val="2326949306"/>
+      </p:ext>
+    </p:extLst>
+  </p:cSld>
+  <p:clrMapOvr>
+    <a:masterClrMapping/>
+  </p:clrMapOvr>
+</p:notes>
 </file>
 
 <file path=ppt/slideLayouts/slideLayout1.xml><?xml version="1.0" encoding="utf-8"?>
@@ -4909,6 +5346,200 @@
 </p:sld>
 </file>
 
+<file path=ppt/slides/slide3.xml><?xml version="1.0" encoding="utf-8"?>
+<p:sld xmlns:a="http://schemas.openxmlformats.org/drawingml/2006/main" xmlns:r="http://schemas.openxmlformats.org/officeDocument/2006/relationships" xmlns:p="http://schemas.openxmlformats.org/presentationml/2006/main">
+  <p:cSld>
+    <p:spTree>
+      <p:nvGrpSpPr>
+        <p:cNvPr id="1" name=""/>
+        <p:cNvGrpSpPr/>
+        <p:nvPr/>
+      </p:nvGrpSpPr>
+      <p:grpSpPr>
+        <a:xfrm>
+          <a:off x="0" y="0"/>
+          <a:ext cx="0" cy="0"/>
+          <a:chOff x="0" y="0"/>
+          <a:chExt cx="0" cy="0"/>
+        </a:xfrm>
+      </p:grpSpPr>
+      <p:pic>
+        <p:nvPicPr>
+          <p:cNvPr id="2056" name="Picture 8">
+            <a:extLst>
+              <a:ext uri="{FF2B5EF4-FFF2-40B4-BE49-F238E27FC236}">
+                <a16:creationId xmlns:a16="http://schemas.microsoft.com/office/drawing/2014/main" id="{F7DE1997-B587-490F-1B74-EBF4860C30FC}"/>
+              </a:ext>
+            </a:extLst>
+          </p:cNvPr>
+          <p:cNvPicPr>
+            <a:picLocks noChangeAspect="1" noChangeArrowheads="1"/>
+          </p:cNvPicPr>
+          <p:nvPr/>
+        </p:nvPicPr>
+        <p:blipFill>
+          <a:blip r:embed="rId3">
+            <a:extLst>
+              <a:ext uri="{28A0092B-C50C-407E-A947-70E740481C1C}">
+                <a14:useLocalDpi xmlns:a14="http://schemas.microsoft.com/office/drawing/2010/main" val="0"/>
+              </a:ext>
+            </a:extLst>
+          </a:blip>
+          <a:srcRect/>
+          <a:stretch>
+            <a:fillRect/>
+          </a:stretch>
+        </p:blipFill>
+        <p:spPr bwMode="auto">
+          <a:xfrm>
+            <a:off x="1576054" y="1885950"/>
+            <a:ext cx="4229420" cy="3200400"/>
+          </a:xfrm>
+          <a:prstGeom prst="rect">
+            <a:avLst/>
+          </a:prstGeom>
+          <a:noFill/>
+          <a:extLst>
+            <a:ext uri="{909E8E84-426E-40DD-AFC4-6F175D3DCCD1}">
+              <a14:hiddenFill xmlns:a14="http://schemas.microsoft.com/office/drawing/2010/main">
+                <a:solidFill>
+                  <a:srgbClr val="FFFFFF"/>
+                </a:solidFill>
+              </a14:hiddenFill>
+            </a:ext>
+          </a:extLst>
+        </p:spPr>
+      </p:pic>
+      <p:sp>
+        <p:nvSpPr>
+          <p:cNvPr id="2" name="TextBox 1">
+            <a:extLst>
+              <a:ext uri="{FF2B5EF4-FFF2-40B4-BE49-F238E27FC236}">
+                <a16:creationId xmlns:a16="http://schemas.microsoft.com/office/drawing/2014/main" id="{7D296FBD-0EA4-71FC-E266-FF16B6CF9B38}"/>
+              </a:ext>
+            </a:extLst>
+          </p:cNvPr>
+          <p:cNvSpPr txBox="1"/>
+          <p:nvPr/>
+        </p:nvSpPr>
+        <p:spPr>
+          <a:xfrm>
+            <a:off x="2442666" y="1280160"/>
+            <a:ext cx="2067617" cy="461665"/>
+          </a:xfrm>
+          <a:prstGeom prst="rect">
+            <a:avLst/>
+          </a:prstGeom>
+          <a:noFill/>
+        </p:spPr>
+        <p:txBody>
+          <a:bodyPr wrap="none" rtlCol="0">
+            <a:spAutoFit/>
+          </a:bodyPr>
+          <a:lstStyle/>
+          <a:p>
+            <a:r>
+              <a:rPr lang="en-US" sz="2400" b="1" dirty="0"/>
+              <a:t>Random Order</a:t>
+            </a:r>
+          </a:p>
+        </p:txBody>
+      </p:sp>
+      <p:sp>
+        <p:nvSpPr>
+          <p:cNvPr id="3" name="TextBox 2">
+            <a:extLst>
+              <a:ext uri="{FF2B5EF4-FFF2-40B4-BE49-F238E27FC236}">
+                <a16:creationId xmlns:a16="http://schemas.microsoft.com/office/drawing/2014/main" id="{B79C6E34-6373-F4E3-91C0-F3C02773D488}"/>
+              </a:ext>
+            </a:extLst>
+          </p:cNvPr>
+          <p:cNvSpPr txBox="1"/>
+          <p:nvPr/>
+        </p:nvSpPr>
+        <p:spPr>
+          <a:xfrm>
+            <a:off x="7726582" y="1297305"/>
+            <a:ext cx="2368084" cy="461665"/>
+          </a:xfrm>
+          <a:prstGeom prst="rect">
+            <a:avLst/>
+          </a:prstGeom>
+          <a:noFill/>
+        </p:spPr>
+        <p:txBody>
+          <a:bodyPr wrap="none" rtlCol="0">
+            <a:spAutoFit/>
+          </a:bodyPr>
+          <a:lstStyle/>
+          <a:p>
+            <a:r>
+              <a:rPr lang="en-US" sz="2400" b="1" dirty="0"/>
+              <a:t>Sorted by Cluster</a:t>
+            </a:r>
+          </a:p>
+        </p:txBody>
+      </p:sp>
+      <p:pic>
+        <p:nvPicPr>
+          <p:cNvPr id="2058" name="Picture 10">
+            <a:extLst>
+              <a:ext uri="{FF2B5EF4-FFF2-40B4-BE49-F238E27FC236}">
+                <a16:creationId xmlns:a16="http://schemas.microsoft.com/office/drawing/2014/main" id="{0F29DD22-6661-5191-2EAC-C819B8FFBED5}"/>
+              </a:ext>
+            </a:extLst>
+          </p:cNvPr>
+          <p:cNvPicPr>
+            <a:picLocks noChangeAspect="1" noChangeArrowheads="1"/>
+          </p:cNvPicPr>
+          <p:nvPr/>
+        </p:nvPicPr>
+        <p:blipFill>
+          <a:blip r:embed="rId4">
+            <a:extLst>
+              <a:ext uri="{28A0092B-C50C-407E-A947-70E740481C1C}">
+                <a14:useLocalDpi xmlns:a14="http://schemas.microsoft.com/office/drawing/2010/main" val="0"/>
+              </a:ext>
+            </a:extLst>
+          </a:blip>
+          <a:srcRect/>
+          <a:stretch>
+            <a:fillRect/>
+          </a:stretch>
+        </p:blipFill>
+        <p:spPr bwMode="auto">
+          <a:xfrm>
+            <a:off x="6917075" y="1885950"/>
+            <a:ext cx="4044203" cy="3200400"/>
+          </a:xfrm>
+          <a:prstGeom prst="rect">
+            <a:avLst/>
+          </a:prstGeom>
+          <a:noFill/>
+          <a:extLst>
+            <a:ext uri="{909E8E84-426E-40DD-AFC4-6F175D3DCCD1}">
+              <a14:hiddenFill xmlns:a14="http://schemas.microsoft.com/office/drawing/2010/main">
+                <a:solidFill>
+                  <a:srgbClr val="FFFFFF"/>
+                </a:solidFill>
+              </a14:hiddenFill>
+            </a:ext>
+          </a:extLst>
+        </p:spPr>
+      </p:pic>
+    </p:spTree>
+    <p:extLst>
+      <p:ext uri="{BB962C8B-B14F-4D97-AF65-F5344CB8AC3E}">
+        <p14:creationId xmlns:p14="http://schemas.microsoft.com/office/powerpoint/2010/main" val="1639941279"/>
+      </p:ext>
+    </p:extLst>
+  </p:cSld>
+  <p:clrMapOvr>
+    <a:masterClrMapping/>
+  </p:clrMapOvr>
+</p:sld>
+</file>
+
 <file path=ppt/theme/theme1.xml><?xml version="1.0" encoding="utf-8"?>
 <a:theme xmlns:a="http://schemas.openxmlformats.org/drawingml/2006/main" name="Office Theme">
   <a:themeElements>
@@ -5202,4 +5833,299 @@
     </a:ext>
   </a:extLst>
 </a:theme>
+</file>
+
+<file path=ppt/theme/theme2.xml><?xml version="1.0" encoding="utf-8"?>
+<a:theme xmlns:a="http://schemas.openxmlformats.org/drawingml/2006/main" name="Office Theme">
+  <a:themeElements>
+    <a:clrScheme name="Office">
+      <a:dk1>
+        <a:sysClr val="windowText" lastClr="000000"/>
+      </a:dk1>
+      <a:lt1>
+        <a:sysClr val="window" lastClr="FFFFFF"/>
+      </a:lt1>
+      <a:dk2>
+        <a:srgbClr val="44546A"/>
+      </a:dk2>
+      <a:lt2>
+        <a:srgbClr val="E7E6E6"/>
+      </a:lt2>
+      <a:accent1>
+        <a:srgbClr val="4472C4"/>
+      </a:accent1>
+      <a:accent2>
+        <a:srgbClr val="ED7D31"/>
+      </a:accent2>
+      <a:accent3>
+        <a:srgbClr val="A5A5A5"/>
+      </a:accent3>
+      <a:accent4>
+        <a:srgbClr val="FFC000"/>
+      </a:accent4>
+      <a:accent5>
+        <a:srgbClr val="5B9BD5"/>
+      </a:accent5>
+      <a:accent6>
+        <a:srgbClr val="70AD47"/>
+      </a:accent6>
+      <a:hlink>
+        <a:srgbClr val="0563C1"/>
+      </a:hlink>
+      <a:folHlink>
+        <a:srgbClr val="954F72"/>
+      </a:folHlink>
+    </a:clrScheme>
+    <a:fontScheme name="Office">
+      <a:majorFont>
+        <a:latin typeface="Calibri Light" panose="020F0302020204030204"/>
+        <a:ea typeface=""/>
+        <a:cs typeface=""/>
+        <a:font script="Jpan" typeface="游ゴシック Light"/>
+        <a:font script="Hang" typeface="맑은 고딕"/>
+        <a:font script="Hans" typeface="等线 Light"/>
+        <a:font script="Hant" typeface="新細明體"/>
+        <a:font script="Arab" typeface="Times New Roman"/>
+        <a:font script="Hebr" typeface="Times New Roman"/>
+        <a:font script="Thai" typeface="Angsana New"/>
+        <a:font script="Ethi" typeface="Nyala"/>
+        <a:font script="Beng" typeface="Vrinda"/>
+        <a:font script="Gujr" typeface="Shruti"/>
+        <a:font script="Khmr" typeface="MoolBoran"/>
+        <a:font script="Knda" typeface="Tunga"/>
+        <a:font script="Guru" typeface="Raavi"/>
+        <a:font script="Cans" typeface="Euphemia"/>
+        <a:font script="Cher" typeface="Plantagenet Cherokee"/>
+        <a:font script="Yiii" typeface="Microsoft Yi Baiti"/>
+        <a:font script="Tibt" typeface="Microsoft Himalaya"/>
+        <a:font script="Thaa" typeface="MV Boli"/>
+        <a:font script="Deva" typeface="Mangal"/>
+        <a:font script="Telu" typeface="Gautami"/>
+        <a:font script="Taml" typeface="Latha"/>
+        <a:font script="Syrc" typeface="Estrangelo Edessa"/>
+        <a:font script="Orya" typeface="Kalinga"/>
+        <a:font script="Mlym" typeface="Kartika"/>
+        <a:font script="Laoo" typeface="DokChampa"/>
+        <a:font script="Sinh" typeface="Iskoola Pota"/>
+        <a:font script="Mong" typeface="Mongolian Baiti"/>
+        <a:font script="Viet" typeface="Times New Roman"/>
+        <a:font script="Uigh" typeface="Microsoft Uighur"/>
+        <a:font script="Geor" typeface="Sylfaen"/>
+        <a:font script="Armn" typeface="Arial"/>
+        <a:font script="Bugi" typeface="Leelawadee UI"/>
+        <a:font script="Bopo" typeface="Microsoft JhengHei"/>
+        <a:font script="Java" typeface="Javanese Text"/>
+        <a:font script="Lisu" typeface="Segoe UI"/>
+        <a:font script="Mymr" typeface="Myanmar Text"/>
+        <a:font script="Nkoo" typeface="Ebrima"/>
+        <a:font script="Olck" typeface="Nirmala UI"/>
+        <a:font script="Osma" typeface="Ebrima"/>
+        <a:font script="Phag" typeface="Phagspa"/>
+        <a:font script="Syrn" typeface="Estrangelo Edessa"/>
+        <a:font script="Syrj" typeface="Estrangelo Edessa"/>
+        <a:font script="Syre" typeface="Estrangelo Edessa"/>
+        <a:font script="Sora" typeface="Nirmala UI"/>
+        <a:font script="Tale" typeface="Microsoft Tai Le"/>
+        <a:font script="Talu" typeface="Microsoft New Tai Lue"/>
+        <a:font script="Tfng" typeface="Ebrima"/>
+      </a:majorFont>
+      <a:minorFont>
+        <a:latin typeface="Calibri" panose="020F0502020204030204"/>
+        <a:ea typeface=""/>
+        <a:cs typeface=""/>
+        <a:font script="Jpan" typeface="游ゴシック"/>
+        <a:font script="Hang" typeface="맑은 고딕"/>
+        <a:font script="Hans" typeface="等线"/>
+        <a:font script="Hant" typeface="新細明體"/>
+        <a:font script="Arab" typeface="Arial"/>
+        <a:font script="Hebr" typeface="Arial"/>
+        <a:font script="Thai" typeface="Cordia New"/>
+        <a:font script="Ethi" typeface="Nyala"/>
+        <a:font script="Beng" typeface="Vrinda"/>
+        <a:font script="Gujr" typeface="Shruti"/>
+        <a:font script="Khmr" typeface="DaunPenh"/>
+        <a:font script="Knda" typeface="Tunga"/>
+        <a:font script="Guru" typeface="Raavi"/>
+        <a:font script="Cans" typeface="Euphemia"/>
+        <a:font script="Cher" typeface="Plantagenet Cherokee"/>
+        <a:font script="Yiii" typeface="Microsoft Yi Baiti"/>
+        <a:font script="Tibt" typeface="Microsoft Himalaya"/>
+        <a:font script="Thaa" typeface="MV Boli"/>
+        <a:font script="Deva" typeface="Mangal"/>
+        <a:font script="Telu" typeface="Gautami"/>
+        <a:font script="Taml" typeface="Latha"/>
+        <a:font script="Syrc" typeface="Estrangelo Edessa"/>
+        <a:font script="Orya" typeface="Kalinga"/>
+        <a:font script="Mlym" typeface="Kartika"/>
+        <a:font script="Laoo" typeface="DokChampa"/>
+        <a:font script="Sinh" typeface="Iskoola Pota"/>
+        <a:font script="Mong" typeface="Mongolian Baiti"/>
+        <a:font script="Viet" typeface="Arial"/>
+        <a:font script="Uigh" typeface="Microsoft Uighur"/>
+        <a:font script="Geor" typeface="Sylfaen"/>
+        <a:font script="Armn" typeface="Arial"/>
+        <a:font script="Bugi" typeface="Leelawadee UI"/>
+        <a:font script="Bopo" typeface="Microsoft JhengHei"/>
+        <a:font script="Java" typeface="Javanese Text"/>
+        <a:font script="Lisu" typeface="Segoe UI"/>
+        <a:font script="Mymr" typeface="Myanmar Text"/>
+        <a:font script="Nkoo" typeface="Ebrima"/>
+        <a:font script="Olck" typeface="Nirmala UI"/>
+        <a:font script="Osma" typeface="Ebrima"/>
+        <a:font script="Phag" typeface="Phagspa"/>
+        <a:font script="Syrn" typeface="Estrangelo Edessa"/>
+        <a:font script="Syrj" typeface="Estrangelo Edessa"/>
+        <a:font script="Syre" typeface="Estrangelo Edessa"/>
+        <a:font script="Sora" typeface="Nirmala UI"/>
+        <a:font script="Tale" typeface="Microsoft Tai Le"/>
+        <a:font script="Talu" typeface="Microsoft New Tai Lue"/>
+        <a:font script="Tfng" typeface="Ebrima"/>
+      </a:minorFont>
+    </a:fontScheme>
+    <a:fmtScheme name="Office">
+      <a:fillStyleLst>
+        <a:solidFill>
+          <a:schemeClr val="phClr"/>
+        </a:solidFill>
+        <a:gradFill rotWithShape="1">
+          <a:gsLst>
+            <a:gs pos="0">
+              <a:schemeClr val="phClr">
+                <a:lumMod val="110000"/>
+                <a:satMod val="105000"/>
+                <a:tint val="67000"/>
+              </a:schemeClr>
+            </a:gs>
+            <a:gs pos="50000">
+              <a:schemeClr val="phClr">
+                <a:lumMod val="105000"/>
+                <a:satMod val="103000"/>
+                <a:tint val="73000"/>
+              </a:schemeClr>
+            </a:gs>
+            <a:gs pos="100000">
+              <a:schemeClr val="phClr">
+                <a:lumMod val="105000"/>
+                <a:satMod val="109000"/>
+                <a:tint val="81000"/>
+              </a:schemeClr>
+            </a:gs>
+          </a:gsLst>
+          <a:lin ang="5400000" scaled="0"/>
+        </a:gradFill>
+        <a:gradFill rotWithShape="1">
+          <a:gsLst>
+            <a:gs pos="0">
+              <a:schemeClr val="phClr">
+                <a:satMod val="103000"/>
+                <a:lumMod val="102000"/>
+                <a:tint val="94000"/>
+              </a:schemeClr>
+            </a:gs>
+            <a:gs pos="50000">
+              <a:schemeClr val="phClr">
+                <a:satMod val="110000"/>
+                <a:lumMod val="100000"/>
+                <a:shade val="100000"/>
+              </a:schemeClr>
+            </a:gs>
+            <a:gs pos="100000">
+              <a:schemeClr val="phClr">
+                <a:lumMod val="99000"/>
+                <a:satMod val="120000"/>
+                <a:shade val="78000"/>
+              </a:schemeClr>
+            </a:gs>
+          </a:gsLst>
+          <a:lin ang="5400000" scaled="0"/>
+        </a:gradFill>
+      </a:fillStyleLst>
+      <a:lnStyleLst>
+        <a:ln w="6350" cap="flat" cmpd="sng" algn="ctr">
+          <a:solidFill>
+            <a:schemeClr val="phClr"/>
+          </a:solidFill>
+          <a:prstDash val="solid"/>
+          <a:miter lim="800000"/>
+        </a:ln>
+        <a:ln w="12700" cap="flat" cmpd="sng" algn="ctr">
+          <a:solidFill>
+            <a:schemeClr val="phClr"/>
+          </a:solidFill>
+          <a:prstDash val="solid"/>
+          <a:miter lim="800000"/>
+        </a:ln>
+        <a:ln w="19050" cap="flat" cmpd="sng" algn="ctr">
+          <a:solidFill>
+            <a:schemeClr val="phClr"/>
+          </a:solidFill>
+          <a:prstDash val="solid"/>
+          <a:miter lim="800000"/>
+        </a:ln>
+      </a:lnStyleLst>
+      <a:effectStyleLst>
+        <a:effectStyle>
+          <a:effectLst/>
+        </a:effectStyle>
+        <a:effectStyle>
+          <a:effectLst/>
+        </a:effectStyle>
+        <a:effectStyle>
+          <a:effectLst>
+            <a:outerShdw blurRad="57150" dist="19050" dir="5400000" algn="ctr" rotWithShape="0">
+              <a:srgbClr val="000000">
+                <a:alpha val="63000"/>
+              </a:srgbClr>
+            </a:outerShdw>
+          </a:effectLst>
+        </a:effectStyle>
+      </a:effectStyleLst>
+      <a:bgFillStyleLst>
+        <a:solidFill>
+          <a:schemeClr val="phClr"/>
+        </a:solidFill>
+        <a:solidFill>
+          <a:schemeClr val="phClr">
+            <a:tint val="95000"/>
+            <a:satMod val="170000"/>
+          </a:schemeClr>
+        </a:solidFill>
+        <a:gradFill rotWithShape="1">
+          <a:gsLst>
+            <a:gs pos="0">
+              <a:schemeClr val="phClr">
+                <a:tint val="93000"/>
+                <a:satMod val="150000"/>
+                <a:shade val="98000"/>
+                <a:lumMod val="102000"/>
+              </a:schemeClr>
+            </a:gs>
+            <a:gs pos="50000">
+              <a:schemeClr val="phClr">
+                <a:tint val="98000"/>
+                <a:satMod val="130000"/>
+                <a:shade val="90000"/>
+                <a:lumMod val="103000"/>
+              </a:schemeClr>
+            </a:gs>
+            <a:gs pos="100000">
+              <a:schemeClr val="phClr">
+                <a:shade val="63000"/>
+                <a:satMod val="120000"/>
+              </a:schemeClr>
+            </a:gs>
+          </a:gsLst>
+          <a:lin ang="5400000" scaled="0"/>
+        </a:gradFill>
+      </a:bgFillStyleLst>
+    </a:fmtScheme>
+  </a:themeElements>
+  <a:objectDefaults/>
+  <a:extraClrSchemeLst/>
+  <a:extLst>
+    <a:ext uri="{05A4C25C-085E-4340-85A3-A5531E510DB2}">
+      <thm15:themeFamily xmlns:thm15="http://schemas.microsoft.com/office/thememl/2012/main" name="Office Theme" id="{62F939B6-93AF-4DB8-9C6B-D6C7DFDC589F}" vid="{4A3C46E8-61CC-4603-A589-7422A47A8E4A}"/>
+    </a:ext>
+  </a:extLst>
+</a:theme>
 </file>
--- a/docs/figures.pptx
+++ b/docs/figures.pptx
@@ -5516,6 +5516,11 @@
             <a:avLst/>
           </a:prstGeom>
           <a:noFill/>
+          <a:ln w="76200">
+            <a:solidFill>
+              <a:schemeClr val="tx1"/>
+            </a:solidFill>
+          </a:ln>
           <a:extLst>
             <a:ext uri="{909E8E84-426E-40DD-AFC4-6F175D3DCCD1}">
               <a14:hiddenFill xmlns:a14="http://schemas.microsoft.com/office/drawing/2010/main">
@@ -5527,6 +5532,226 @@
           </a:extLst>
         </p:spPr>
       </p:pic>
+      <p:sp>
+        <p:nvSpPr>
+          <p:cNvPr id="4" name="Oval 3">
+            <a:extLst>
+              <a:ext uri="{FF2B5EF4-FFF2-40B4-BE49-F238E27FC236}">
+                <a16:creationId xmlns:a16="http://schemas.microsoft.com/office/drawing/2014/main" id="{EC7FA620-363D-AA10-BEF8-0C287A90D9A1}"/>
+              </a:ext>
+            </a:extLst>
+          </p:cNvPr>
+          <p:cNvSpPr/>
+          <p:nvPr/>
+        </p:nvSpPr>
+        <p:spPr>
+          <a:xfrm>
+            <a:off x="6697980" y="1885950"/>
+            <a:ext cx="1028602" cy="880110"/>
+          </a:xfrm>
+          <a:prstGeom prst="ellipse">
+            <a:avLst/>
+          </a:prstGeom>
+          <a:noFill/>
+          <a:ln w="38100">
+            <a:solidFill>
+              <a:srgbClr val="FF0000"/>
+            </a:solidFill>
+          </a:ln>
+        </p:spPr>
+        <p:style>
+          <a:lnRef idx="2">
+            <a:schemeClr val="accent1">
+              <a:shade val="15000"/>
+            </a:schemeClr>
+          </a:lnRef>
+          <a:fillRef idx="1">
+            <a:schemeClr val="accent1"/>
+          </a:fillRef>
+          <a:effectRef idx="0">
+            <a:schemeClr val="accent1"/>
+          </a:effectRef>
+          <a:fontRef idx="minor">
+            <a:schemeClr val="lt1"/>
+          </a:fontRef>
+        </p:style>
+        <p:txBody>
+          <a:bodyPr rtlCol="0" anchor="ctr"/>
+          <a:lstStyle/>
+          <a:p>
+            <a:pPr algn="ctr"/>
+            <a:endParaRPr lang="en-US"/>
+          </a:p>
+        </p:txBody>
+      </p:sp>
+      <p:sp>
+        <p:nvSpPr>
+          <p:cNvPr id="5" name="Oval 4">
+            <a:extLst>
+              <a:ext uri="{FF2B5EF4-FFF2-40B4-BE49-F238E27FC236}">
+                <a16:creationId xmlns:a16="http://schemas.microsoft.com/office/drawing/2014/main" id="{F0463473-91AE-925F-DE8D-5BA619CA3112}"/>
+              </a:ext>
+            </a:extLst>
+          </p:cNvPr>
+          <p:cNvSpPr/>
+          <p:nvPr/>
+        </p:nvSpPr>
+        <p:spPr>
+          <a:xfrm>
+            <a:off x="7692194" y="1758970"/>
+            <a:ext cx="2503366" cy="1007090"/>
+          </a:xfrm>
+          <a:prstGeom prst="ellipse">
+            <a:avLst/>
+          </a:prstGeom>
+          <a:noFill/>
+          <a:ln w="76200">
+            <a:solidFill>
+              <a:srgbClr val="002060"/>
+            </a:solidFill>
+          </a:ln>
+        </p:spPr>
+        <p:style>
+          <a:lnRef idx="2">
+            <a:schemeClr val="accent1">
+              <a:shade val="15000"/>
+            </a:schemeClr>
+          </a:lnRef>
+          <a:fillRef idx="1">
+            <a:schemeClr val="accent1"/>
+          </a:fillRef>
+          <a:effectRef idx="0">
+            <a:schemeClr val="accent1"/>
+          </a:effectRef>
+          <a:fontRef idx="minor">
+            <a:schemeClr val="lt1"/>
+          </a:fontRef>
+        </p:style>
+        <p:txBody>
+          <a:bodyPr rtlCol="0" anchor="ctr"/>
+          <a:lstStyle/>
+          <a:p>
+            <a:pPr algn="ctr"/>
+            <a:endParaRPr lang="en-US">
+              <a:solidFill>
+                <a:srgbClr val="002060"/>
+              </a:solidFill>
+            </a:endParaRPr>
+          </a:p>
+        </p:txBody>
+      </p:sp>
+      <p:sp>
+        <p:nvSpPr>
+          <p:cNvPr id="6" name="Oval 5">
+            <a:extLst>
+              <a:ext uri="{FF2B5EF4-FFF2-40B4-BE49-F238E27FC236}">
+                <a16:creationId xmlns:a16="http://schemas.microsoft.com/office/drawing/2014/main" id="{75FEEFF1-A9F4-E97F-C868-9D54825B074B}"/>
+              </a:ext>
+            </a:extLst>
+          </p:cNvPr>
+          <p:cNvSpPr/>
+          <p:nvPr/>
+        </p:nvSpPr>
+        <p:spPr>
+          <a:xfrm>
+            <a:off x="6720840" y="2766060"/>
+            <a:ext cx="4789170" cy="1565910"/>
+          </a:xfrm>
+          <a:prstGeom prst="ellipse">
+            <a:avLst/>
+          </a:prstGeom>
+          <a:noFill/>
+          <a:ln w="76200">
+            <a:solidFill>
+              <a:srgbClr val="FFC000"/>
+            </a:solidFill>
+          </a:ln>
+        </p:spPr>
+        <p:style>
+          <a:lnRef idx="2">
+            <a:schemeClr val="accent1">
+              <a:shade val="15000"/>
+            </a:schemeClr>
+          </a:lnRef>
+          <a:fillRef idx="1">
+            <a:schemeClr val="accent1"/>
+          </a:fillRef>
+          <a:effectRef idx="0">
+            <a:schemeClr val="accent1"/>
+          </a:effectRef>
+          <a:fontRef idx="minor">
+            <a:schemeClr val="lt1"/>
+          </a:fontRef>
+        </p:style>
+        <p:txBody>
+          <a:bodyPr rtlCol="0" anchor="ctr"/>
+          <a:lstStyle/>
+          <a:p>
+            <a:pPr algn="ctr"/>
+            <a:endParaRPr lang="en-US">
+              <a:solidFill>
+                <a:srgbClr val="002060"/>
+              </a:solidFill>
+            </a:endParaRPr>
+          </a:p>
+        </p:txBody>
+      </p:sp>
+      <p:sp>
+        <p:nvSpPr>
+          <p:cNvPr id="7" name="Oval 6">
+            <a:extLst>
+              <a:ext uri="{FF2B5EF4-FFF2-40B4-BE49-F238E27FC236}">
+                <a16:creationId xmlns:a16="http://schemas.microsoft.com/office/drawing/2014/main" id="{15FC399E-71BB-A09E-8246-82B0EE800795}"/>
+              </a:ext>
+            </a:extLst>
+          </p:cNvPr>
+          <p:cNvSpPr/>
+          <p:nvPr/>
+        </p:nvSpPr>
+        <p:spPr>
+          <a:xfrm>
+            <a:off x="6386528" y="4246245"/>
+            <a:ext cx="4789170" cy="965835"/>
+          </a:xfrm>
+          <a:prstGeom prst="ellipse">
+            <a:avLst/>
+          </a:prstGeom>
+          <a:noFill/>
+          <a:ln w="76200">
+            <a:solidFill>
+              <a:srgbClr val="00B050"/>
+            </a:solidFill>
+          </a:ln>
+        </p:spPr>
+        <p:style>
+          <a:lnRef idx="2">
+            <a:schemeClr val="accent1">
+              <a:shade val="15000"/>
+            </a:schemeClr>
+          </a:lnRef>
+          <a:fillRef idx="1">
+            <a:schemeClr val="accent1"/>
+          </a:fillRef>
+          <a:effectRef idx="0">
+            <a:schemeClr val="accent1"/>
+          </a:effectRef>
+          <a:fontRef idx="minor">
+            <a:schemeClr val="lt1"/>
+          </a:fontRef>
+        </p:style>
+        <p:txBody>
+          <a:bodyPr rtlCol="0" anchor="ctr"/>
+          <a:lstStyle/>
+          <a:p>
+            <a:pPr algn="ctr"/>
+            <a:endParaRPr lang="en-US">
+              <a:solidFill>
+                <a:srgbClr val="002060"/>
+              </a:solidFill>
+            </a:endParaRPr>
+          </a:p>
+        </p:txBody>
+      </p:sp>
     </p:spTree>
     <p:extLst>
       <p:ext uri="{BB962C8B-B14F-4D97-AF65-F5344CB8AC3E}">

--- a/docs/figures.pptx
+++ b/docs/figures.pptx
@@ -5,12 +5,16 @@
     <p:sldMasterId id="2147483648" r:id="rId1"/>
   </p:sldMasterIdLst>
   <p:notesMasterIdLst>
-    <p:notesMasterId r:id="rId5"/>
+    <p:notesMasterId r:id="rId9"/>
   </p:notesMasterIdLst>
   <p:sldIdLst>
     <p:sldId id="256" r:id="rId2"/>
     <p:sldId id="257" r:id="rId3"/>
     <p:sldId id="259" r:id="rId4"/>
+    <p:sldId id="261" r:id="rId5"/>
+    <p:sldId id="262" r:id="rId6"/>
+    <p:sldId id="263" r:id="rId7"/>
+    <p:sldId id="264" r:id="rId8"/>
   </p:sldIdLst>
   <p:sldSz cx="12192000" cy="6858000"/>
   <p:notesSz cx="6858000" cy="9144000"/>
@@ -5756,6 +5760,3650 @@
     <p:extLst>
       <p:ext uri="{BB962C8B-B14F-4D97-AF65-F5344CB8AC3E}">
         <p14:creationId xmlns:p14="http://schemas.microsoft.com/office/powerpoint/2010/main" val="1639941279"/>
+      </p:ext>
+    </p:extLst>
+  </p:cSld>
+  <p:clrMapOvr>
+    <a:masterClrMapping/>
+  </p:clrMapOvr>
+</p:sld>
+</file>
+
+<file path=ppt/slides/slide4.xml><?xml version="1.0" encoding="utf-8"?>
+<p:sld xmlns:a="http://schemas.openxmlformats.org/drawingml/2006/main" xmlns:r="http://schemas.openxmlformats.org/officeDocument/2006/relationships" xmlns:p="http://schemas.openxmlformats.org/presentationml/2006/main">
+  <p:cSld>
+    <p:spTree>
+      <p:nvGrpSpPr>
+        <p:cNvPr id="1" name=""/>
+        <p:cNvGrpSpPr/>
+        <p:nvPr/>
+      </p:nvGrpSpPr>
+      <p:grpSpPr>
+        <a:xfrm>
+          <a:off x="0" y="0"/>
+          <a:ext cx="0" cy="0"/>
+          <a:chOff x="0" y="0"/>
+          <a:chExt cx="0" cy="0"/>
+        </a:xfrm>
+      </p:grpSpPr>
+      <p:pic>
+        <p:nvPicPr>
+          <p:cNvPr id="3" name="Picture 2">
+            <a:extLst>
+              <a:ext uri="{FF2B5EF4-FFF2-40B4-BE49-F238E27FC236}">
+                <a16:creationId xmlns:a16="http://schemas.microsoft.com/office/drawing/2014/main" id="{92E9AFA1-D234-D6E9-FE10-43DD3D424897}"/>
+              </a:ext>
+            </a:extLst>
+          </p:cNvPr>
+          <p:cNvPicPr>
+            <a:picLocks noChangeAspect="1"/>
+          </p:cNvPicPr>
+          <p:nvPr/>
+        </p:nvPicPr>
+        <p:blipFill>
+          <a:blip r:embed="rId2"/>
+          <a:stretch>
+            <a:fillRect/>
+          </a:stretch>
+        </p:blipFill>
+        <p:spPr>
+          <a:xfrm>
+            <a:off x="4609692" y="4163544"/>
+            <a:ext cx="462677" cy="457200"/>
+          </a:xfrm>
+          <a:prstGeom prst="rect">
+            <a:avLst/>
+          </a:prstGeom>
+        </p:spPr>
+      </p:pic>
+      <p:pic>
+        <p:nvPicPr>
+          <p:cNvPr id="5" name="Picture 4">
+            <a:extLst>
+              <a:ext uri="{FF2B5EF4-FFF2-40B4-BE49-F238E27FC236}">
+                <a16:creationId xmlns:a16="http://schemas.microsoft.com/office/drawing/2014/main" id="{B9AD7B12-044D-7EEC-1AF3-1DA0A9ED7565}"/>
+              </a:ext>
+            </a:extLst>
+          </p:cNvPr>
+          <p:cNvPicPr>
+            <a:picLocks noChangeAspect="1"/>
+          </p:cNvPicPr>
+          <p:nvPr/>
+        </p:nvPicPr>
+        <p:blipFill>
+          <a:blip r:embed="rId3"/>
+          <a:stretch>
+            <a:fillRect/>
+          </a:stretch>
+        </p:blipFill>
+        <p:spPr>
+          <a:xfrm>
+            <a:off x="8790946" y="1835150"/>
+            <a:ext cx="477254" cy="457200"/>
+          </a:xfrm>
+          <a:prstGeom prst="rect">
+            <a:avLst/>
+          </a:prstGeom>
+        </p:spPr>
+      </p:pic>
+      <p:pic>
+        <p:nvPicPr>
+          <p:cNvPr id="7" name="Picture 6">
+            <a:extLst>
+              <a:ext uri="{FF2B5EF4-FFF2-40B4-BE49-F238E27FC236}">
+                <a16:creationId xmlns:a16="http://schemas.microsoft.com/office/drawing/2014/main" id="{D681EBA2-EBD7-9C39-A407-0954C0EAE015}"/>
+              </a:ext>
+            </a:extLst>
+          </p:cNvPr>
+          <p:cNvPicPr>
+            <a:picLocks noChangeAspect="1"/>
+          </p:cNvPicPr>
+          <p:nvPr/>
+        </p:nvPicPr>
+        <p:blipFill>
+          <a:blip r:embed="rId4"/>
+          <a:stretch>
+            <a:fillRect/>
+          </a:stretch>
+        </p:blipFill>
+        <p:spPr>
+          <a:xfrm>
+            <a:off x="2418089" y="4575810"/>
+            <a:ext cx="481478" cy="457200"/>
+          </a:xfrm>
+          <a:prstGeom prst="rect">
+            <a:avLst/>
+          </a:prstGeom>
+        </p:spPr>
+      </p:pic>
+      <p:pic>
+        <p:nvPicPr>
+          <p:cNvPr id="8" name="Picture 7">
+            <a:extLst>
+              <a:ext uri="{FF2B5EF4-FFF2-40B4-BE49-F238E27FC236}">
+                <a16:creationId xmlns:a16="http://schemas.microsoft.com/office/drawing/2014/main" id="{6213AF56-348E-5429-EDD6-DAF7E926E512}"/>
+              </a:ext>
+            </a:extLst>
+          </p:cNvPr>
+          <p:cNvPicPr>
+            <a:picLocks noChangeAspect="1"/>
+          </p:cNvPicPr>
+          <p:nvPr/>
+        </p:nvPicPr>
+        <p:blipFill>
+          <a:blip r:embed="rId2"/>
+          <a:stretch>
+            <a:fillRect/>
+          </a:stretch>
+        </p:blipFill>
+        <p:spPr>
+          <a:xfrm>
+            <a:off x="5136191" y="4404360"/>
+            <a:ext cx="462677" cy="457200"/>
+          </a:xfrm>
+          <a:prstGeom prst="rect">
+            <a:avLst/>
+          </a:prstGeom>
+        </p:spPr>
+      </p:pic>
+      <p:pic>
+        <p:nvPicPr>
+          <p:cNvPr id="9" name="Picture 8">
+            <a:extLst>
+              <a:ext uri="{FF2B5EF4-FFF2-40B4-BE49-F238E27FC236}">
+                <a16:creationId xmlns:a16="http://schemas.microsoft.com/office/drawing/2014/main" id="{77BF24C4-F408-D057-9C4F-6A24B794EBD4}"/>
+              </a:ext>
+            </a:extLst>
+          </p:cNvPr>
+          <p:cNvPicPr>
+            <a:picLocks noChangeAspect="1"/>
+          </p:cNvPicPr>
+          <p:nvPr/>
+        </p:nvPicPr>
+        <p:blipFill>
+          <a:blip r:embed="rId2"/>
+          <a:stretch>
+            <a:fillRect/>
+          </a:stretch>
+        </p:blipFill>
+        <p:spPr>
+          <a:xfrm>
+            <a:off x="5136191" y="1872615"/>
+            <a:ext cx="462677" cy="457200"/>
+          </a:xfrm>
+          <a:prstGeom prst="rect">
+            <a:avLst/>
+          </a:prstGeom>
+        </p:spPr>
+      </p:pic>
+      <p:pic>
+        <p:nvPicPr>
+          <p:cNvPr id="10" name="Picture 9">
+            <a:extLst>
+              <a:ext uri="{FF2B5EF4-FFF2-40B4-BE49-F238E27FC236}">
+                <a16:creationId xmlns:a16="http://schemas.microsoft.com/office/drawing/2014/main" id="{D960E09F-9991-DBEE-D012-E745897503FA}"/>
+              </a:ext>
+            </a:extLst>
+          </p:cNvPr>
+          <p:cNvPicPr>
+            <a:picLocks noChangeAspect="1"/>
+          </p:cNvPicPr>
+          <p:nvPr/>
+        </p:nvPicPr>
+        <p:blipFill>
+          <a:blip r:embed="rId2"/>
+          <a:stretch>
+            <a:fillRect/>
+          </a:stretch>
+        </p:blipFill>
+        <p:spPr>
+          <a:xfrm>
+            <a:off x="6827721" y="2505075"/>
+            <a:ext cx="462677" cy="457200"/>
+          </a:xfrm>
+          <a:prstGeom prst="rect">
+            <a:avLst/>
+          </a:prstGeom>
+        </p:spPr>
+      </p:pic>
+      <p:pic>
+        <p:nvPicPr>
+          <p:cNvPr id="11" name="Picture 10">
+            <a:extLst>
+              <a:ext uri="{FF2B5EF4-FFF2-40B4-BE49-F238E27FC236}">
+                <a16:creationId xmlns:a16="http://schemas.microsoft.com/office/drawing/2014/main" id="{C2741664-7A1D-B2EC-E447-0074BCC0B35D}"/>
+              </a:ext>
+            </a:extLst>
+          </p:cNvPr>
+          <p:cNvPicPr>
+            <a:picLocks noChangeAspect="1"/>
+          </p:cNvPicPr>
+          <p:nvPr/>
+        </p:nvPicPr>
+        <p:blipFill>
+          <a:blip r:embed="rId2"/>
+          <a:stretch>
+            <a:fillRect/>
+          </a:stretch>
+        </p:blipFill>
+        <p:spPr>
+          <a:xfrm>
+            <a:off x="5072369" y="3277870"/>
+            <a:ext cx="462677" cy="457200"/>
+          </a:xfrm>
+          <a:prstGeom prst="rect">
+            <a:avLst/>
+          </a:prstGeom>
+        </p:spPr>
+      </p:pic>
+      <p:pic>
+        <p:nvPicPr>
+          <p:cNvPr id="12" name="Picture 11">
+            <a:extLst>
+              <a:ext uri="{FF2B5EF4-FFF2-40B4-BE49-F238E27FC236}">
+                <a16:creationId xmlns:a16="http://schemas.microsoft.com/office/drawing/2014/main" id="{05A6BBF8-19E2-3329-4521-738FEE6765D0}"/>
+              </a:ext>
+            </a:extLst>
+          </p:cNvPr>
+          <p:cNvPicPr>
+            <a:picLocks noChangeAspect="1"/>
+          </p:cNvPicPr>
+          <p:nvPr/>
+        </p:nvPicPr>
+        <p:blipFill>
+          <a:blip r:embed="rId2"/>
+          <a:stretch>
+            <a:fillRect/>
+          </a:stretch>
+        </p:blipFill>
+        <p:spPr>
+          <a:xfrm>
+            <a:off x="6154931" y="3599180"/>
+            <a:ext cx="462677" cy="457200"/>
+          </a:xfrm>
+          <a:prstGeom prst="rect">
+            <a:avLst/>
+          </a:prstGeom>
+        </p:spPr>
+      </p:pic>
+      <p:pic>
+        <p:nvPicPr>
+          <p:cNvPr id="13" name="Picture 12">
+            <a:extLst>
+              <a:ext uri="{FF2B5EF4-FFF2-40B4-BE49-F238E27FC236}">
+                <a16:creationId xmlns:a16="http://schemas.microsoft.com/office/drawing/2014/main" id="{B89B6166-3ED6-393D-69FD-B4C7B3452402}"/>
+              </a:ext>
+            </a:extLst>
+          </p:cNvPr>
+          <p:cNvPicPr>
+            <a:picLocks noChangeAspect="1"/>
+          </p:cNvPicPr>
+          <p:nvPr/>
+        </p:nvPicPr>
+        <p:blipFill>
+          <a:blip r:embed="rId2"/>
+          <a:stretch>
+            <a:fillRect/>
+          </a:stretch>
+        </p:blipFill>
+        <p:spPr>
+          <a:xfrm>
+            <a:off x="7591631" y="1723632"/>
+            <a:ext cx="462677" cy="457200"/>
+          </a:xfrm>
+          <a:prstGeom prst="rect">
+            <a:avLst/>
+          </a:prstGeom>
+        </p:spPr>
+      </p:pic>
+      <p:pic>
+        <p:nvPicPr>
+          <p:cNvPr id="14" name="Picture 13">
+            <a:extLst>
+              <a:ext uri="{FF2B5EF4-FFF2-40B4-BE49-F238E27FC236}">
+                <a16:creationId xmlns:a16="http://schemas.microsoft.com/office/drawing/2014/main" id="{D6C508A8-9F18-8D9E-ECBC-41C67E27C585}"/>
+              </a:ext>
+            </a:extLst>
+          </p:cNvPr>
+          <p:cNvPicPr>
+            <a:picLocks noChangeAspect="1"/>
+          </p:cNvPicPr>
+          <p:nvPr/>
+        </p:nvPicPr>
+        <p:blipFill>
+          <a:blip r:embed="rId3"/>
+          <a:stretch>
+            <a:fillRect/>
+          </a:stretch>
+        </p:blipFill>
+        <p:spPr>
+          <a:xfrm>
+            <a:off x="6884677" y="4346575"/>
+            <a:ext cx="477254" cy="457200"/>
+          </a:xfrm>
+          <a:prstGeom prst="rect">
+            <a:avLst/>
+          </a:prstGeom>
+        </p:spPr>
+      </p:pic>
+      <p:pic>
+        <p:nvPicPr>
+          <p:cNvPr id="15" name="Picture 14">
+            <a:extLst>
+              <a:ext uri="{FF2B5EF4-FFF2-40B4-BE49-F238E27FC236}">
+                <a16:creationId xmlns:a16="http://schemas.microsoft.com/office/drawing/2014/main" id="{DFC1B797-327D-9AAC-B762-3AF910ABBAD5}"/>
+              </a:ext>
+            </a:extLst>
+          </p:cNvPr>
+          <p:cNvPicPr>
+            <a:picLocks noChangeAspect="1"/>
+          </p:cNvPicPr>
+          <p:nvPr/>
+        </p:nvPicPr>
+        <p:blipFill>
+          <a:blip r:embed="rId3"/>
+          <a:stretch>
+            <a:fillRect/>
+          </a:stretch>
+        </p:blipFill>
+        <p:spPr>
+          <a:xfrm>
+            <a:off x="8798439" y="2820670"/>
+            <a:ext cx="477254" cy="457200"/>
+          </a:xfrm>
+          <a:prstGeom prst="rect">
+            <a:avLst/>
+          </a:prstGeom>
+        </p:spPr>
+      </p:pic>
+      <p:pic>
+        <p:nvPicPr>
+          <p:cNvPr id="16" name="Picture 15">
+            <a:extLst>
+              <a:ext uri="{FF2B5EF4-FFF2-40B4-BE49-F238E27FC236}">
+                <a16:creationId xmlns:a16="http://schemas.microsoft.com/office/drawing/2014/main" id="{F97F0E5C-A2CA-189C-3A59-AA972E0BD161}"/>
+              </a:ext>
+            </a:extLst>
+          </p:cNvPr>
+          <p:cNvPicPr>
+            <a:picLocks noChangeAspect="1"/>
+          </p:cNvPicPr>
+          <p:nvPr/>
+        </p:nvPicPr>
+        <p:blipFill>
+          <a:blip r:embed="rId3"/>
+          <a:stretch>
+            <a:fillRect/>
+          </a:stretch>
+        </p:blipFill>
+        <p:spPr>
+          <a:xfrm>
+            <a:off x="8819871" y="4293870"/>
+            <a:ext cx="477254" cy="457200"/>
+          </a:xfrm>
+          <a:prstGeom prst="rect">
+            <a:avLst/>
+          </a:prstGeom>
+        </p:spPr>
+      </p:pic>
+      <p:pic>
+        <p:nvPicPr>
+          <p:cNvPr id="17" name="Picture 16">
+            <a:extLst>
+              <a:ext uri="{FF2B5EF4-FFF2-40B4-BE49-F238E27FC236}">
+                <a16:creationId xmlns:a16="http://schemas.microsoft.com/office/drawing/2014/main" id="{C0B9359E-D3B9-8A22-D6A2-86903A9D579A}"/>
+              </a:ext>
+            </a:extLst>
+          </p:cNvPr>
+          <p:cNvPicPr>
+            <a:picLocks noChangeAspect="1"/>
+          </p:cNvPicPr>
+          <p:nvPr/>
+        </p:nvPicPr>
+        <p:blipFill>
+          <a:blip r:embed="rId3"/>
+          <a:stretch>
+            <a:fillRect/>
+          </a:stretch>
+        </p:blipFill>
+        <p:spPr>
+          <a:xfrm>
+            <a:off x="7811182" y="3109595"/>
+            <a:ext cx="477254" cy="457200"/>
+          </a:xfrm>
+          <a:prstGeom prst="rect">
+            <a:avLst/>
+          </a:prstGeom>
+        </p:spPr>
+      </p:pic>
+      <p:pic>
+        <p:nvPicPr>
+          <p:cNvPr id="18" name="Picture 17">
+            <a:extLst>
+              <a:ext uri="{FF2B5EF4-FFF2-40B4-BE49-F238E27FC236}">
+                <a16:creationId xmlns:a16="http://schemas.microsoft.com/office/drawing/2014/main" id="{734F2A45-9F0B-5BC8-5EE2-8014095B1003}"/>
+              </a:ext>
+            </a:extLst>
+          </p:cNvPr>
+          <p:cNvPicPr>
+            <a:picLocks noChangeAspect="1"/>
+          </p:cNvPicPr>
+          <p:nvPr/>
+        </p:nvPicPr>
+        <p:blipFill>
+          <a:blip r:embed="rId3"/>
+          <a:stretch>
+            <a:fillRect/>
+          </a:stretch>
+        </p:blipFill>
+        <p:spPr>
+          <a:xfrm>
+            <a:off x="8569329" y="3609658"/>
+            <a:ext cx="477254" cy="457200"/>
+          </a:xfrm>
+          <a:prstGeom prst="rect">
+            <a:avLst/>
+          </a:prstGeom>
+        </p:spPr>
+      </p:pic>
+      <p:pic>
+        <p:nvPicPr>
+          <p:cNvPr id="19" name="Picture 18">
+            <a:extLst>
+              <a:ext uri="{FF2B5EF4-FFF2-40B4-BE49-F238E27FC236}">
+                <a16:creationId xmlns:a16="http://schemas.microsoft.com/office/drawing/2014/main" id="{A44FC92B-25CF-6844-E146-383F6D19D38E}"/>
+              </a:ext>
+            </a:extLst>
+          </p:cNvPr>
+          <p:cNvPicPr>
+            <a:picLocks noChangeAspect="1"/>
+          </p:cNvPicPr>
+          <p:nvPr/>
+        </p:nvPicPr>
+        <p:blipFill>
+          <a:blip r:embed="rId4"/>
+          <a:stretch>
+            <a:fillRect/>
+          </a:stretch>
+        </p:blipFill>
+        <p:spPr>
+          <a:xfrm>
+            <a:off x="1954828" y="2733675"/>
+            <a:ext cx="481478" cy="457200"/>
+          </a:xfrm>
+          <a:prstGeom prst="rect">
+            <a:avLst/>
+          </a:prstGeom>
+        </p:spPr>
+      </p:pic>
+      <p:pic>
+        <p:nvPicPr>
+          <p:cNvPr id="20" name="Picture 19">
+            <a:extLst>
+              <a:ext uri="{FF2B5EF4-FFF2-40B4-BE49-F238E27FC236}">
+                <a16:creationId xmlns:a16="http://schemas.microsoft.com/office/drawing/2014/main" id="{396306C9-CC21-5493-2D48-2C24B204BFD5}"/>
+              </a:ext>
+            </a:extLst>
+          </p:cNvPr>
+          <p:cNvPicPr>
+            <a:picLocks noChangeAspect="1"/>
+          </p:cNvPicPr>
+          <p:nvPr/>
+        </p:nvPicPr>
+        <p:blipFill>
+          <a:blip r:embed="rId4"/>
+          <a:stretch>
+            <a:fillRect/>
+          </a:stretch>
+        </p:blipFill>
+        <p:spPr>
+          <a:xfrm>
+            <a:off x="1788015" y="4132580"/>
+            <a:ext cx="481478" cy="457200"/>
+          </a:xfrm>
+          <a:prstGeom prst="rect">
+            <a:avLst/>
+          </a:prstGeom>
+        </p:spPr>
+      </p:pic>
+      <p:pic>
+        <p:nvPicPr>
+          <p:cNvPr id="21" name="Picture 20">
+            <a:extLst>
+              <a:ext uri="{FF2B5EF4-FFF2-40B4-BE49-F238E27FC236}">
+                <a16:creationId xmlns:a16="http://schemas.microsoft.com/office/drawing/2014/main" id="{B72674DB-3059-F693-A071-EF400398F266}"/>
+              </a:ext>
+            </a:extLst>
+          </p:cNvPr>
+          <p:cNvPicPr>
+            <a:picLocks noChangeAspect="1"/>
+          </p:cNvPicPr>
+          <p:nvPr/>
+        </p:nvPicPr>
+        <p:blipFill>
+          <a:blip r:embed="rId4"/>
+          <a:stretch>
+            <a:fillRect/>
+          </a:stretch>
+        </p:blipFill>
+        <p:spPr>
+          <a:xfrm>
+            <a:off x="3347629" y="4449445"/>
+            <a:ext cx="481478" cy="457200"/>
+          </a:xfrm>
+          <a:prstGeom prst="rect">
+            <a:avLst/>
+          </a:prstGeom>
+        </p:spPr>
+      </p:pic>
+      <p:pic>
+        <p:nvPicPr>
+          <p:cNvPr id="22" name="Picture 21">
+            <a:extLst>
+              <a:ext uri="{FF2B5EF4-FFF2-40B4-BE49-F238E27FC236}">
+                <a16:creationId xmlns:a16="http://schemas.microsoft.com/office/drawing/2014/main" id="{4618754C-8D03-72F4-A258-CC1597F3634A}"/>
+              </a:ext>
+            </a:extLst>
+          </p:cNvPr>
+          <p:cNvPicPr>
+            <a:picLocks noChangeAspect="1"/>
+          </p:cNvPicPr>
+          <p:nvPr/>
+        </p:nvPicPr>
+        <p:blipFill>
+          <a:blip r:embed="rId4"/>
+          <a:stretch>
+            <a:fillRect/>
+          </a:stretch>
+        </p:blipFill>
+        <p:spPr>
+          <a:xfrm>
+            <a:off x="2611131" y="3294380"/>
+            <a:ext cx="481478" cy="457200"/>
+          </a:xfrm>
+          <a:prstGeom prst="rect">
+            <a:avLst/>
+          </a:prstGeom>
+        </p:spPr>
+      </p:pic>
+      <p:pic>
+        <p:nvPicPr>
+          <p:cNvPr id="23" name="Picture 22">
+            <a:extLst>
+              <a:ext uri="{FF2B5EF4-FFF2-40B4-BE49-F238E27FC236}">
+                <a16:creationId xmlns:a16="http://schemas.microsoft.com/office/drawing/2014/main" id="{BB715230-4EAC-8A45-7D58-49A39CDA6037}"/>
+              </a:ext>
+            </a:extLst>
+          </p:cNvPr>
+          <p:cNvPicPr>
+            <a:picLocks noChangeAspect="1"/>
+          </p:cNvPicPr>
+          <p:nvPr/>
+        </p:nvPicPr>
+        <p:blipFill>
+          <a:blip r:embed="rId4"/>
+          <a:stretch>
+            <a:fillRect/>
+          </a:stretch>
+        </p:blipFill>
+        <p:spPr>
+          <a:xfrm>
+            <a:off x="3957447" y="1952232"/>
+            <a:ext cx="481478" cy="457200"/>
+          </a:xfrm>
+          <a:prstGeom prst="rect">
+            <a:avLst/>
+          </a:prstGeom>
+        </p:spPr>
+      </p:pic>
+      <p:cxnSp>
+        <p:nvCxnSpPr>
+          <p:cNvPr id="25" name="Straight Connector 24">
+            <a:extLst>
+              <a:ext uri="{FF2B5EF4-FFF2-40B4-BE49-F238E27FC236}">
+                <a16:creationId xmlns:a16="http://schemas.microsoft.com/office/drawing/2014/main" id="{178B9478-BFE8-4412-41DD-12AE4669FCC9}"/>
+              </a:ext>
+            </a:extLst>
+          </p:cNvPr>
+          <p:cNvCxnSpPr/>
+          <p:nvPr/>
+        </p:nvCxnSpPr>
+        <p:spPr>
+          <a:xfrm>
+            <a:off x="1543050" y="1863090"/>
+            <a:ext cx="0" cy="3407410"/>
+          </a:xfrm>
+          <a:prstGeom prst="line">
+            <a:avLst/>
+          </a:prstGeom>
+          <a:ln w="57150">
+            <a:solidFill>
+              <a:schemeClr val="tx1"/>
+            </a:solidFill>
+          </a:ln>
+        </p:spPr>
+        <p:style>
+          <a:lnRef idx="1">
+            <a:schemeClr val="accent1"/>
+          </a:lnRef>
+          <a:fillRef idx="0">
+            <a:schemeClr val="accent1"/>
+          </a:fillRef>
+          <a:effectRef idx="0">
+            <a:schemeClr val="accent1"/>
+          </a:effectRef>
+          <a:fontRef idx="minor">
+            <a:schemeClr val="tx1"/>
+          </a:fontRef>
+        </p:style>
+      </p:cxnSp>
+      <p:cxnSp>
+        <p:nvCxnSpPr>
+          <p:cNvPr id="26" name="Straight Connector 25">
+            <a:extLst>
+              <a:ext uri="{FF2B5EF4-FFF2-40B4-BE49-F238E27FC236}">
+                <a16:creationId xmlns:a16="http://schemas.microsoft.com/office/drawing/2014/main" id="{AB626844-8741-293D-0652-785C56110EE9}"/>
+              </a:ext>
+            </a:extLst>
+          </p:cNvPr>
+          <p:cNvCxnSpPr>
+            <a:cxnSpLocks/>
+          </p:cNvCxnSpPr>
+          <p:nvPr/>
+        </p:nvCxnSpPr>
+        <p:spPr>
+          <a:xfrm flipH="1">
+            <a:off x="1543050" y="5208270"/>
+            <a:ext cx="7639013" cy="62230"/>
+          </a:xfrm>
+          <a:prstGeom prst="line">
+            <a:avLst/>
+          </a:prstGeom>
+          <a:ln w="57150">
+            <a:solidFill>
+              <a:schemeClr val="tx1"/>
+            </a:solidFill>
+          </a:ln>
+        </p:spPr>
+        <p:style>
+          <a:lnRef idx="1">
+            <a:schemeClr val="accent1"/>
+          </a:lnRef>
+          <a:fillRef idx="0">
+            <a:schemeClr val="accent1"/>
+          </a:fillRef>
+          <a:effectRef idx="0">
+            <a:schemeClr val="accent1"/>
+          </a:effectRef>
+          <a:fontRef idx="minor">
+            <a:schemeClr val="tx1"/>
+          </a:fontRef>
+        </p:style>
+      </p:cxnSp>
+      <p:sp>
+        <p:nvSpPr>
+          <p:cNvPr id="31" name="TextBox 30">
+            <a:extLst>
+              <a:ext uri="{FF2B5EF4-FFF2-40B4-BE49-F238E27FC236}">
+                <a16:creationId xmlns:a16="http://schemas.microsoft.com/office/drawing/2014/main" id="{E245F89A-58D8-0AE2-B22A-0C71B218660E}"/>
+              </a:ext>
+            </a:extLst>
+          </p:cNvPr>
+          <p:cNvSpPr txBox="1"/>
+          <p:nvPr/>
+        </p:nvSpPr>
+        <p:spPr>
+          <a:xfrm>
+            <a:off x="4818979" y="5547129"/>
+            <a:ext cx="1072217" cy="369332"/>
+          </a:xfrm>
+          <a:prstGeom prst="rect">
+            <a:avLst/>
+          </a:prstGeom>
+          <a:noFill/>
+        </p:spPr>
+        <p:txBody>
+          <a:bodyPr wrap="none" rtlCol="0">
+            <a:spAutoFit/>
+          </a:bodyPr>
+          <a:lstStyle/>
+          <a:p>
+            <a:r>
+              <a:rPr lang="en-US" b="1" dirty="0"/>
+              <a:t>Feature 1</a:t>
+            </a:r>
+          </a:p>
+        </p:txBody>
+      </p:sp>
+      <p:sp>
+        <p:nvSpPr>
+          <p:cNvPr id="32" name="TextBox 31">
+            <a:extLst>
+              <a:ext uri="{FF2B5EF4-FFF2-40B4-BE49-F238E27FC236}">
+                <a16:creationId xmlns:a16="http://schemas.microsoft.com/office/drawing/2014/main" id="{D680E885-7D6A-94E3-6A6D-8E6870264FBE}"/>
+              </a:ext>
+            </a:extLst>
+          </p:cNvPr>
+          <p:cNvSpPr txBox="1"/>
+          <p:nvPr/>
+        </p:nvSpPr>
+        <p:spPr>
+          <a:xfrm rot="16200000">
+            <a:off x="594816" y="3343420"/>
+            <a:ext cx="1082284" cy="369332"/>
+          </a:xfrm>
+          <a:prstGeom prst="rect">
+            <a:avLst/>
+          </a:prstGeom>
+          <a:noFill/>
+        </p:spPr>
+        <p:txBody>
+          <a:bodyPr wrap="none" rtlCol="0">
+            <a:spAutoFit/>
+          </a:bodyPr>
+          <a:lstStyle/>
+          <a:p>
+            <a:r>
+              <a:rPr lang="en-US" b="1" dirty="0"/>
+              <a:t>Feature 2</a:t>
+            </a:r>
+          </a:p>
+        </p:txBody>
+      </p:sp>
+      <p:sp>
+        <p:nvSpPr>
+          <p:cNvPr id="28" name="TextBox 27">
+            <a:extLst>
+              <a:ext uri="{FF2B5EF4-FFF2-40B4-BE49-F238E27FC236}">
+                <a16:creationId xmlns:a16="http://schemas.microsoft.com/office/drawing/2014/main" id="{AC2A2905-EEB9-36FF-99B0-844E85B4BF6A}"/>
+              </a:ext>
+            </a:extLst>
+          </p:cNvPr>
+          <p:cNvSpPr txBox="1"/>
+          <p:nvPr/>
+        </p:nvSpPr>
+        <p:spPr>
+          <a:xfrm>
+            <a:off x="3856713" y="1217477"/>
+            <a:ext cx="3641190" cy="461665"/>
+          </a:xfrm>
+          <a:prstGeom prst="rect">
+            <a:avLst/>
+          </a:prstGeom>
+          <a:noFill/>
+        </p:spPr>
+        <p:txBody>
+          <a:bodyPr wrap="none" rtlCol="0">
+            <a:spAutoFit/>
+          </a:bodyPr>
+          <a:lstStyle/>
+          <a:p>
+            <a:r>
+              <a:rPr lang="en-US" sz="2400" b="1" dirty="0"/>
+              <a:t>Easy Classification Problem</a:t>
+            </a:r>
+          </a:p>
+        </p:txBody>
+      </p:sp>
+    </p:spTree>
+    <p:extLst>
+      <p:ext uri="{BB962C8B-B14F-4D97-AF65-F5344CB8AC3E}">
+        <p14:creationId xmlns:p14="http://schemas.microsoft.com/office/powerpoint/2010/main" val="275988775"/>
+      </p:ext>
+    </p:extLst>
+  </p:cSld>
+  <p:clrMapOvr>
+    <a:masterClrMapping/>
+  </p:clrMapOvr>
+</p:sld>
+</file>
+
+<file path=ppt/slides/slide5.xml><?xml version="1.0" encoding="utf-8"?>
+<p:sld xmlns:a="http://schemas.openxmlformats.org/drawingml/2006/main" xmlns:r="http://schemas.openxmlformats.org/officeDocument/2006/relationships" xmlns:p="http://schemas.openxmlformats.org/presentationml/2006/main">
+  <p:cSld>
+    <p:spTree>
+      <p:nvGrpSpPr>
+        <p:cNvPr id="1" name=""/>
+        <p:cNvGrpSpPr/>
+        <p:nvPr/>
+      </p:nvGrpSpPr>
+      <p:grpSpPr>
+        <a:xfrm>
+          <a:off x="0" y="0"/>
+          <a:ext cx="0" cy="0"/>
+          <a:chOff x="0" y="0"/>
+          <a:chExt cx="0" cy="0"/>
+        </a:xfrm>
+      </p:grpSpPr>
+      <p:pic>
+        <p:nvPicPr>
+          <p:cNvPr id="3" name="Picture 2">
+            <a:extLst>
+              <a:ext uri="{FF2B5EF4-FFF2-40B4-BE49-F238E27FC236}">
+                <a16:creationId xmlns:a16="http://schemas.microsoft.com/office/drawing/2014/main" id="{92E9AFA1-D234-D6E9-FE10-43DD3D424897}"/>
+              </a:ext>
+            </a:extLst>
+          </p:cNvPr>
+          <p:cNvPicPr>
+            <a:picLocks noChangeAspect="1"/>
+          </p:cNvPicPr>
+          <p:nvPr/>
+        </p:nvPicPr>
+        <p:blipFill>
+          <a:blip r:embed="rId2"/>
+          <a:stretch>
+            <a:fillRect/>
+          </a:stretch>
+        </p:blipFill>
+        <p:spPr>
+          <a:xfrm>
+            <a:off x="4609692" y="4357854"/>
+            <a:ext cx="462677" cy="457200"/>
+          </a:xfrm>
+          <a:prstGeom prst="rect">
+            <a:avLst/>
+          </a:prstGeom>
+        </p:spPr>
+      </p:pic>
+      <p:pic>
+        <p:nvPicPr>
+          <p:cNvPr id="5" name="Picture 4">
+            <a:extLst>
+              <a:ext uri="{FF2B5EF4-FFF2-40B4-BE49-F238E27FC236}">
+                <a16:creationId xmlns:a16="http://schemas.microsoft.com/office/drawing/2014/main" id="{B9AD7B12-044D-7EEC-1AF3-1DA0A9ED7565}"/>
+              </a:ext>
+            </a:extLst>
+          </p:cNvPr>
+          <p:cNvPicPr>
+            <a:picLocks noChangeAspect="1"/>
+          </p:cNvPicPr>
+          <p:nvPr/>
+        </p:nvPicPr>
+        <p:blipFill>
+          <a:blip r:embed="rId3"/>
+          <a:stretch>
+            <a:fillRect/>
+          </a:stretch>
+        </p:blipFill>
+        <p:spPr>
+          <a:xfrm>
+            <a:off x="8790946" y="2029460"/>
+            <a:ext cx="477254" cy="457200"/>
+          </a:xfrm>
+          <a:prstGeom prst="rect">
+            <a:avLst/>
+          </a:prstGeom>
+        </p:spPr>
+      </p:pic>
+      <p:pic>
+        <p:nvPicPr>
+          <p:cNvPr id="7" name="Picture 6">
+            <a:extLst>
+              <a:ext uri="{FF2B5EF4-FFF2-40B4-BE49-F238E27FC236}">
+                <a16:creationId xmlns:a16="http://schemas.microsoft.com/office/drawing/2014/main" id="{D681EBA2-EBD7-9C39-A407-0954C0EAE015}"/>
+              </a:ext>
+            </a:extLst>
+          </p:cNvPr>
+          <p:cNvPicPr>
+            <a:picLocks noChangeAspect="1"/>
+          </p:cNvPicPr>
+          <p:nvPr/>
+        </p:nvPicPr>
+        <p:blipFill>
+          <a:blip r:embed="rId4"/>
+          <a:stretch>
+            <a:fillRect/>
+          </a:stretch>
+        </p:blipFill>
+        <p:spPr>
+          <a:xfrm>
+            <a:off x="2418089" y="4770120"/>
+            <a:ext cx="481478" cy="457200"/>
+          </a:xfrm>
+          <a:prstGeom prst="rect">
+            <a:avLst/>
+          </a:prstGeom>
+        </p:spPr>
+      </p:pic>
+      <p:pic>
+        <p:nvPicPr>
+          <p:cNvPr id="8" name="Picture 7">
+            <a:extLst>
+              <a:ext uri="{FF2B5EF4-FFF2-40B4-BE49-F238E27FC236}">
+                <a16:creationId xmlns:a16="http://schemas.microsoft.com/office/drawing/2014/main" id="{6213AF56-348E-5429-EDD6-DAF7E926E512}"/>
+              </a:ext>
+            </a:extLst>
+          </p:cNvPr>
+          <p:cNvPicPr>
+            <a:picLocks noChangeAspect="1"/>
+          </p:cNvPicPr>
+          <p:nvPr/>
+        </p:nvPicPr>
+        <p:blipFill>
+          <a:blip r:embed="rId2"/>
+          <a:stretch>
+            <a:fillRect/>
+          </a:stretch>
+        </p:blipFill>
+        <p:spPr>
+          <a:xfrm>
+            <a:off x="5136191" y="4598670"/>
+            <a:ext cx="462677" cy="457200"/>
+          </a:xfrm>
+          <a:prstGeom prst="rect">
+            <a:avLst/>
+          </a:prstGeom>
+        </p:spPr>
+      </p:pic>
+      <p:pic>
+        <p:nvPicPr>
+          <p:cNvPr id="9" name="Picture 8">
+            <a:extLst>
+              <a:ext uri="{FF2B5EF4-FFF2-40B4-BE49-F238E27FC236}">
+                <a16:creationId xmlns:a16="http://schemas.microsoft.com/office/drawing/2014/main" id="{77BF24C4-F408-D057-9C4F-6A24B794EBD4}"/>
+              </a:ext>
+            </a:extLst>
+          </p:cNvPr>
+          <p:cNvPicPr>
+            <a:picLocks noChangeAspect="1"/>
+          </p:cNvPicPr>
+          <p:nvPr/>
+        </p:nvPicPr>
+        <p:blipFill>
+          <a:blip r:embed="rId2"/>
+          <a:stretch>
+            <a:fillRect/>
+          </a:stretch>
+        </p:blipFill>
+        <p:spPr>
+          <a:xfrm>
+            <a:off x="5136191" y="2066925"/>
+            <a:ext cx="462677" cy="457200"/>
+          </a:xfrm>
+          <a:prstGeom prst="rect">
+            <a:avLst/>
+          </a:prstGeom>
+        </p:spPr>
+      </p:pic>
+      <p:pic>
+        <p:nvPicPr>
+          <p:cNvPr id="10" name="Picture 9">
+            <a:extLst>
+              <a:ext uri="{FF2B5EF4-FFF2-40B4-BE49-F238E27FC236}">
+                <a16:creationId xmlns:a16="http://schemas.microsoft.com/office/drawing/2014/main" id="{D960E09F-9991-DBEE-D012-E745897503FA}"/>
+              </a:ext>
+            </a:extLst>
+          </p:cNvPr>
+          <p:cNvPicPr>
+            <a:picLocks noChangeAspect="1"/>
+          </p:cNvPicPr>
+          <p:nvPr/>
+        </p:nvPicPr>
+        <p:blipFill>
+          <a:blip r:embed="rId2"/>
+          <a:stretch>
+            <a:fillRect/>
+          </a:stretch>
+        </p:blipFill>
+        <p:spPr>
+          <a:xfrm>
+            <a:off x="6827721" y="2699385"/>
+            <a:ext cx="462677" cy="457200"/>
+          </a:xfrm>
+          <a:prstGeom prst="rect">
+            <a:avLst/>
+          </a:prstGeom>
+        </p:spPr>
+      </p:pic>
+      <p:pic>
+        <p:nvPicPr>
+          <p:cNvPr id="11" name="Picture 10">
+            <a:extLst>
+              <a:ext uri="{FF2B5EF4-FFF2-40B4-BE49-F238E27FC236}">
+                <a16:creationId xmlns:a16="http://schemas.microsoft.com/office/drawing/2014/main" id="{C2741664-7A1D-B2EC-E447-0074BCC0B35D}"/>
+              </a:ext>
+            </a:extLst>
+          </p:cNvPr>
+          <p:cNvPicPr>
+            <a:picLocks noChangeAspect="1"/>
+          </p:cNvPicPr>
+          <p:nvPr/>
+        </p:nvPicPr>
+        <p:blipFill>
+          <a:blip r:embed="rId2"/>
+          <a:stretch>
+            <a:fillRect/>
+          </a:stretch>
+        </p:blipFill>
+        <p:spPr>
+          <a:xfrm>
+            <a:off x="5072369" y="3472180"/>
+            <a:ext cx="462677" cy="457200"/>
+          </a:xfrm>
+          <a:prstGeom prst="rect">
+            <a:avLst/>
+          </a:prstGeom>
+        </p:spPr>
+      </p:pic>
+      <p:pic>
+        <p:nvPicPr>
+          <p:cNvPr id="12" name="Picture 11">
+            <a:extLst>
+              <a:ext uri="{FF2B5EF4-FFF2-40B4-BE49-F238E27FC236}">
+                <a16:creationId xmlns:a16="http://schemas.microsoft.com/office/drawing/2014/main" id="{05A6BBF8-19E2-3329-4521-738FEE6765D0}"/>
+              </a:ext>
+            </a:extLst>
+          </p:cNvPr>
+          <p:cNvPicPr>
+            <a:picLocks noChangeAspect="1"/>
+          </p:cNvPicPr>
+          <p:nvPr/>
+        </p:nvPicPr>
+        <p:blipFill>
+          <a:blip r:embed="rId2"/>
+          <a:stretch>
+            <a:fillRect/>
+          </a:stretch>
+        </p:blipFill>
+        <p:spPr>
+          <a:xfrm>
+            <a:off x="6154931" y="3793490"/>
+            <a:ext cx="462677" cy="457200"/>
+          </a:xfrm>
+          <a:prstGeom prst="rect">
+            <a:avLst/>
+          </a:prstGeom>
+        </p:spPr>
+      </p:pic>
+      <p:pic>
+        <p:nvPicPr>
+          <p:cNvPr id="13" name="Picture 12">
+            <a:extLst>
+              <a:ext uri="{FF2B5EF4-FFF2-40B4-BE49-F238E27FC236}">
+                <a16:creationId xmlns:a16="http://schemas.microsoft.com/office/drawing/2014/main" id="{B89B6166-3ED6-393D-69FD-B4C7B3452402}"/>
+              </a:ext>
+            </a:extLst>
+          </p:cNvPr>
+          <p:cNvPicPr>
+            <a:picLocks noChangeAspect="1"/>
+          </p:cNvPicPr>
+          <p:nvPr/>
+        </p:nvPicPr>
+        <p:blipFill>
+          <a:blip r:embed="rId2"/>
+          <a:stretch>
+            <a:fillRect/>
+          </a:stretch>
+        </p:blipFill>
+        <p:spPr>
+          <a:xfrm>
+            <a:off x="7591631" y="1917942"/>
+            <a:ext cx="462677" cy="457200"/>
+          </a:xfrm>
+          <a:prstGeom prst="rect">
+            <a:avLst/>
+          </a:prstGeom>
+        </p:spPr>
+      </p:pic>
+      <p:pic>
+        <p:nvPicPr>
+          <p:cNvPr id="14" name="Picture 13">
+            <a:extLst>
+              <a:ext uri="{FF2B5EF4-FFF2-40B4-BE49-F238E27FC236}">
+                <a16:creationId xmlns:a16="http://schemas.microsoft.com/office/drawing/2014/main" id="{D6C508A8-9F18-8D9E-ECBC-41C67E27C585}"/>
+              </a:ext>
+            </a:extLst>
+          </p:cNvPr>
+          <p:cNvPicPr>
+            <a:picLocks noChangeAspect="1"/>
+          </p:cNvPicPr>
+          <p:nvPr/>
+        </p:nvPicPr>
+        <p:blipFill>
+          <a:blip r:embed="rId3"/>
+          <a:stretch>
+            <a:fillRect/>
+          </a:stretch>
+        </p:blipFill>
+        <p:spPr>
+          <a:xfrm>
+            <a:off x="6884677" y="4540885"/>
+            <a:ext cx="477254" cy="457200"/>
+          </a:xfrm>
+          <a:prstGeom prst="rect">
+            <a:avLst/>
+          </a:prstGeom>
+        </p:spPr>
+      </p:pic>
+      <p:pic>
+        <p:nvPicPr>
+          <p:cNvPr id="15" name="Picture 14">
+            <a:extLst>
+              <a:ext uri="{FF2B5EF4-FFF2-40B4-BE49-F238E27FC236}">
+                <a16:creationId xmlns:a16="http://schemas.microsoft.com/office/drawing/2014/main" id="{DFC1B797-327D-9AAC-B762-3AF910ABBAD5}"/>
+              </a:ext>
+            </a:extLst>
+          </p:cNvPr>
+          <p:cNvPicPr>
+            <a:picLocks noChangeAspect="1"/>
+          </p:cNvPicPr>
+          <p:nvPr/>
+        </p:nvPicPr>
+        <p:blipFill>
+          <a:blip r:embed="rId3"/>
+          <a:stretch>
+            <a:fillRect/>
+          </a:stretch>
+        </p:blipFill>
+        <p:spPr>
+          <a:xfrm>
+            <a:off x="8798439" y="3014980"/>
+            <a:ext cx="477254" cy="457200"/>
+          </a:xfrm>
+          <a:prstGeom prst="rect">
+            <a:avLst/>
+          </a:prstGeom>
+        </p:spPr>
+      </p:pic>
+      <p:pic>
+        <p:nvPicPr>
+          <p:cNvPr id="16" name="Picture 15">
+            <a:extLst>
+              <a:ext uri="{FF2B5EF4-FFF2-40B4-BE49-F238E27FC236}">
+                <a16:creationId xmlns:a16="http://schemas.microsoft.com/office/drawing/2014/main" id="{F97F0E5C-A2CA-189C-3A59-AA972E0BD161}"/>
+              </a:ext>
+            </a:extLst>
+          </p:cNvPr>
+          <p:cNvPicPr>
+            <a:picLocks noChangeAspect="1"/>
+          </p:cNvPicPr>
+          <p:nvPr/>
+        </p:nvPicPr>
+        <p:blipFill>
+          <a:blip r:embed="rId3"/>
+          <a:stretch>
+            <a:fillRect/>
+          </a:stretch>
+        </p:blipFill>
+        <p:spPr>
+          <a:xfrm>
+            <a:off x="8819871" y="4488180"/>
+            <a:ext cx="477254" cy="457200"/>
+          </a:xfrm>
+          <a:prstGeom prst="rect">
+            <a:avLst/>
+          </a:prstGeom>
+        </p:spPr>
+      </p:pic>
+      <p:pic>
+        <p:nvPicPr>
+          <p:cNvPr id="17" name="Picture 16">
+            <a:extLst>
+              <a:ext uri="{FF2B5EF4-FFF2-40B4-BE49-F238E27FC236}">
+                <a16:creationId xmlns:a16="http://schemas.microsoft.com/office/drawing/2014/main" id="{C0B9359E-D3B9-8A22-D6A2-86903A9D579A}"/>
+              </a:ext>
+            </a:extLst>
+          </p:cNvPr>
+          <p:cNvPicPr>
+            <a:picLocks noChangeAspect="1"/>
+          </p:cNvPicPr>
+          <p:nvPr/>
+        </p:nvPicPr>
+        <p:blipFill>
+          <a:blip r:embed="rId3"/>
+          <a:stretch>
+            <a:fillRect/>
+          </a:stretch>
+        </p:blipFill>
+        <p:spPr>
+          <a:xfrm>
+            <a:off x="7811182" y="3303905"/>
+            <a:ext cx="477254" cy="457200"/>
+          </a:xfrm>
+          <a:prstGeom prst="rect">
+            <a:avLst/>
+          </a:prstGeom>
+        </p:spPr>
+      </p:pic>
+      <p:pic>
+        <p:nvPicPr>
+          <p:cNvPr id="18" name="Picture 17">
+            <a:extLst>
+              <a:ext uri="{FF2B5EF4-FFF2-40B4-BE49-F238E27FC236}">
+                <a16:creationId xmlns:a16="http://schemas.microsoft.com/office/drawing/2014/main" id="{734F2A45-9F0B-5BC8-5EE2-8014095B1003}"/>
+              </a:ext>
+            </a:extLst>
+          </p:cNvPr>
+          <p:cNvPicPr>
+            <a:picLocks noChangeAspect="1"/>
+          </p:cNvPicPr>
+          <p:nvPr/>
+        </p:nvPicPr>
+        <p:blipFill>
+          <a:blip r:embed="rId3"/>
+          <a:stretch>
+            <a:fillRect/>
+          </a:stretch>
+        </p:blipFill>
+        <p:spPr>
+          <a:xfrm>
+            <a:off x="8569329" y="3803968"/>
+            <a:ext cx="477254" cy="457200"/>
+          </a:xfrm>
+          <a:prstGeom prst="rect">
+            <a:avLst/>
+          </a:prstGeom>
+        </p:spPr>
+      </p:pic>
+      <p:pic>
+        <p:nvPicPr>
+          <p:cNvPr id="19" name="Picture 18">
+            <a:extLst>
+              <a:ext uri="{FF2B5EF4-FFF2-40B4-BE49-F238E27FC236}">
+                <a16:creationId xmlns:a16="http://schemas.microsoft.com/office/drawing/2014/main" id="{A44FC92B-25CF-6844-E146-383F6D19D38E}"/>
+              </a:ext>
+            </a:extLst>
+          </p:cNvPr>
+          <p:cNvPicPr>
+            <a:picLocks noChangeAspect="1"/>
+          </p:cNvPicPr>
+          <p:nvPr/>
+        </p:nvPicPr>
+        <p:blipFill>
+          <a:blip r:embed="rId4"/>
+          <a:stretch>
+            <a:fillRect/>
+          </a:stretch>
+        </p:blipFill>
+        <p:spPr>
+          <a:xfrm>
+            <a:off x="1954828" y="2927985"/>
+            <a:ext cx="481478" cy="457200"/>
+          </a:xfrm>
+          <a:prstGeom prst="rect">
+            <a:avLst/>
+          </a:prstGeom>
+        </p:spPr>
+      </p:pic>
+      <p:pic>
+        <p:nvPicPr>
+          <p:cNvPr id="20" name="Picture 19">
+            <a:extLst>
+              <a:ext uri="{FF2B5EF4-FFF2-40B4-BE49-F238E27FC236}">
+                <a16:creationId xmlns:a16="http://schemas.microsoft.com/office/drawing/2014/main" id="{396306C9-CC21-5493-2D48-2C24B204BFD5}"/>
+              </a:ext>
+            </a:extLst>
+          </p:cNvPr>
+          <p:cNvPicPr>
+            <a:picLocks noChangeAspect="1"/>
+          </p:cNvPicPr>
+          <p:nvPr/>
+        </p:nvPicPr>
+        <p:blipFill>
+          <a:blip r:embed="rId4"/>
+          <a:stretch>
+            <a:fillRect/>
+          </a:stretch>
+        </p:blipFill>
+        <p:spPr>
+          <a:xfrm>
+            <a:off x="1788015" y="4326890"/>
+            <a:ext cx="481478" cy="457200"/>
+          </a:xfrm>
+          <a:prstGeom prst="rect">
+            <a:avLst/>
+          </a:prstGeom>
+        </p:spPr>
+      </p:pic>
+      <p:pic>
+        <p:nvPicPr>
+          <p:cNvPr id="21" name="Picture 20">
+            <a:extLst>
+              <a:ext uri="{FF2B5EF4-FFF2-40B4-BE49-F238E27FC236}">
+                <a16:creationId xmlns:a16="http://schemas.microsoft.com/office/drawing/2014/main" id="{B72674DB-3059-F693-A071-EF400398F266}"/>
+              </a:ext>
+            </a:extLst>
+          </p:cNvPr>
+          <p:cNvPicPr>
+            <a:picLocks noChangeAspect="1"/>
+          </p:cNvPicPr>
+          <p:nvPr/>
+        </p:nvPicPr>
+        <p:blipFill>
+          <a:blip r:embed="rId4"/>
+          <a:stretch>
+            <a:fillRect/>
+          </a:stretch>
+        </p:blipFill>
+        <p:spPr>
+          <a:xfrm>
+            <a:off x="3347629" y="4643755"/>
+            <a:ext cx="481478" cy="457200"/>
+          </a:xfrm>
+          <a:prstGeom prst="rect">
+            <a:avLst/>
+          </a:prstGeom>
+        </p:spPr>
+      </p:pic>
+      <p:pic>
+        <p:nvPicPr>
+          <p:cNvPr id="22" name="Picture 21">
+            <a:extLst>
+              <a:ext uri="{FF2B5EF4-FFF2-40B4-BE49-F238E27FC236}">
+                <a16:creationId xmlns:a16="http://schemas.microsoft.com/office/drawing/2014/main" id="{4618754C-8D03-72F4-A258-CC1597F3634A}"/>
+              </a:ext>
+            </a:extLst>
+          </p:cNvPr>
+          <p:cNvPicPr>
+            <a:picLocks noChangeAspect="1"/>
+          </p:cNvPicPr>
+          <p:nvPr/>
+        </p:nvPicPr>
+        <p:blipFill>
+          <a:blip r:embed="rId4"/>
+          <a:stretch>
+            <a:fillRect/>
+          </a:stretch>
+        </p:blipFill>
+        <p:spPr>
+          <a:xfrm>
+            <a:off x="2611131" y="3488690"/>
+            <a:ext cx="481478" cy="457200"/>
+          </a:xfrm>
+          <a:prstGeom prst="rect">
+            <a:avLst/>
+          </a:prstGeom>
+        </p:spPr>
+      </p:pic>
+      <p:pic>
+        <p:nvPicPr>
+          <p:cNvPr id="23" name="Picture 22">
+            <a:extLst>
+              <a:ext uri="{FF2B5EF4-FFF2-40B4-BE49-F238E27FC236}">
+                <a16:creationId xmlns:a16="http://schemas.microsoft.com/office/drawing/2014/main" id="{BB715230-4EAC-8A45-7D58-49A39CDA6037}"/>
+              </a:ext>
+            </a:extLst>
+          </p:cNvPr>
+          <p:cNvPicPr>
+            <a:picLocks noChangeAspect="1"/>
+          </p:cNvPicPr>
+          <p:nvPr/>
+        </p:nvPicPr>
+        <p:blipFill>
+          <a:blip r:embed="rId4"/>
+          <a:stretch>
+            <a:fillRect/>
+          </a:stretch>
+        </p:blipFill>
+        <p:spPr>
+          <a:xfrm>
+            <a:off x="3957447" y="2146542"/>
+            <a:ext cx="481478" cy="457200"/>
+          </a:xfrm>
+          <a:prstGeom prst="rect">
+            <a:avLst/>
+          </a:prstGeom>
+        </p:spPr>
+      </p:pic>
+      <p:cxnSp>
+        <p:nvCxnSpPr>
+          <p:cNvPr id="25" name="Straight Connector 24">
+            <a:extLst>
+              <a:ext uri="{FF2B5EF4-FFF2-40B4-BE49-F238E27FC236}">
+                <a16:creationId xmlns:a16="http://schemas.microsoft.com/office/drawing/2014/main" id="{178B9478-BFE8-4412-41DD-12AE4669FCC9}"/>
+              </a:ext>
+            </a:extLst>
+          </p:cNvPr>
+          <p:cNvCxnSpPr/>
+          <p:nvPr/>
+        </p:nvCxnSpPr>
+        <p:spPr>
+          <a:xfrm>
+            <a:off x="1543050" y="2057400"/>
+            <a:ext cx="0" cy="3407410"/>
+          </a:xfrm>
+          <a:prstGeom prst="line">
+            <a:avLst/>
+          </a:prstGeom>
+          <a:ln w="57150">
+            <a:solidFill>
+              <a:schemeClr val="tx1"/>
+            </a:solidFill>
+          </a:ln>
+        </p:spPr>
+        <p:style>
+          <a:lnRef idx="1">
+            <a:schemeClr val="accent1"/>
+          </a:lnRef>
+          <a:fillRef idx="0">
+            <a:schemeClr val="accent1"/>
+          </a:fillRef>
+          <a:effectRef idx="0">
+            <a:schemeClr val="accent1"/>
+          </a:effectRef>
+          <a:fontRef idx="minor">
+            <a:schemeClr val="tx1"/>
+          </a:fontRef>
+        </p:style>
+      </p:cxnSp>
+      <p:cxnSp>
+        <p:nvCxnSpPr>
+          <p:cNvPr id="26" name="Straight Connector 25">
+            <a:extLst>
+              <a:ext uri="{FF2B5EF4-FFF2-40B4-BE49-F238E27FC236}">
+                <a16:creationId xmlns:a16="http://schemas.microsoft.com/office/drawing/2014/main" id="{AB626844-8741-293D-0652-785C56110EE9}"/>
+              </a:ext>
+            </a:extLst>
+          </p:cNvPr>
+          <p:cNvCxnSpPr>
+            <a:cxnSpLocks/>
+          </p:cNvCxnSpPr>
+          <p:nvPr/>
+        </p:nvCxnSpPr>
+        <p:spPr>
+          <a:xfrm flipH="1">
+            <a:off x="1543050" y="5402580"/>
+            <a:ext cx="7639013" cy="62230"/>
+          </a:xfrm>
+          <a:prstGeom prst="line">
+            <a:avLst/>
+          </a:prstGeom>
+          <a:ln w="57150">
+            <a:solidFill>
+              <a:schemeClr val="tx1"/>
+            </a:solidFill>
+          </a:ln>
+        </p:spPr>
+        <p:style>
+          <a:lnRef idx="1">
+            <a:schemeClr val="accent1"/>
+          </a:lnRef>
+          <a:fillRef idx="0">
+            <a:schemeClr val="accent1"/>
+          </a:fillRef>
+          <a:effectRef idx="0">
+            <a:schemeClr val="accent1"/>
+          </a:effectRef>
+          <a:fontRef idx="minor">
+            <a:schemeClr val="tx1"/>
+          </a:fontRef>
+        </p:style>
+      </p:cxnSp>
+      <p:sp>
+        <p:nvSpPr>
+          <p:cNvPr id="31" name="TextBox 30">
+            <a:extLst>
+              <a:ext uri="{FF2B5EF4-FFF2-40B4-BE49-F238E27FC236}">
+                <a16:creationId xmlns:a16="http://schemas.microsoft.com/office/drawing/2014/main" id="{E245F89A-58D8-0AE2-B22A-0C71B218660E}"/>
+              </a:ext>
+            </a:extLst>
+          </p:cNvPr>
+          <p:cNvSpPr txBox="1"/>
+          <p:nvPr/>
+        </p:nvSpPr>
+        <p:spPr>
+          <a:xfrm>
+            <a:off x="4818979" y="5741439"/>
+            <a:ext cx="1072217" cy="369332"/>
+          </a:xfrm>
+          <a:prstGeom prst="rect">
+            <a:avLst/>
+          </a:prstGeom>
+          <a:noFill/>
+        </p:spPr>
+        <p:txBody>
+          <a:bodyPr wrap="none" rtlCol="0">
+            <a:spAutoFit/>
+          </a:bodyPr>
+          <a:lstStyle/>
+          <a:p>
+            <a:r>
+              <a:rPr lang="en-US" b="1" dirty="0"/>
+              <a:t>Feature 1</a:t>
+            </a:r>
+          </a:p>
+        </p:txBody>
+      </p:sp>
+      <p:sp>
+        <p:nvSpPr>
+          <p:cNvPr id="32" name="TextBox 31">
+            <a:extLst>
+              <a:ext uri="{FF2B5EF4-FFF2-40B4-BE49-F238E27FC236}">
+                <a16:creationId xmlns:a16="http://schemas.microsoft.com/office/drawing/2014/main" id="{D680E885-7D6A-94E3-6A6D-8E6870264FBE}"/>
+              </a:ext>
+            </a:extLst>
+          </p:cNvPr>
+          <p:cNvSpPr txBox="1"/>
+          <p:nvPr/>
+        </p:nvSpPr>
+        <p:spPr>
+          <a:xfrm rot="16200000">
+            <a:off x="594816" y="3537730"/>
+            <a:ext cx="1082284" cy="369332"/>
+          </a:xfrm>
+          <a:prstGeom prst="rect">
+            <a:avLst/>
+          </a:prstGeom>
+          <a:noFill/>
+        </p:spPr>
+        <p:txBody>
+          <a:bodyPr wrap="none" rtlCol="0">
+            <a:spAutoFit/>
+          </a:bodyPr>
+          <a:lstStyle/>
+          <a:p>
+            <a:r>
+              <a:rPr lang="en-US" b="1" dirty="0"/>
+              <a:t>Feature 2</a:t>
+            </a:r>
+          </a:p>
+        </p:txBody>
+      </p:sp>
+      <p:cxnSp>
+        <p:nvCxnSpPr>
+          <p:cNvPr id="4" name="Straight Connector 3">
+            <a:extLst>
+              <a:ext uri="{FF2B5EF4-FFF2-40B4-BE49-F238E27FC236}">
+                <a16:creationId xmlns:a16="http://schemas.microsoft.com/office/drawing/2014/main" id="{FD04570B-FB7D-E6EB-DF92-65F2BA4DCC53}"/>
+              </a:ext>
+            </a:extLst>
+          </p:cNvPr>
+          <p:cNvCxnSpPr>
+            <a:cxnSpLocks/>
+          </p:cNvCxnSpPr>
+          <p:nvPr/>
+        </p:nvCxnSpPr>
+        <p:spPr>
+          <a:xfrm flipV="1">
+            <a:off x="6096000" y="1828800"/>
+            <a:ext cx="2388797" cy="3573780"/>
+          </a:xfrm>
+          <a:prstGeom prst="line">
+            <a:avLst/>
+          </a:prstGeom>
+          <a:ln w="38100">
+            <a:solidFill>
+              <a:schemeClr val="accent1"/>
+            </a:solidFill>
+            <a:prstDash val="dash"/>
+          </a:ln>
+        </p:spPr>
+        <p:style>
+          <a:lnRef idx="1">
+            <a:schemeClr val="accent1"/>
+          </a:lnRef>
+          <a:fillRef idx="0">
+            <a:schemeClr val="accent1"/>
+          </a:fillRef>
+          <a:effectRef idx="0">
+            <a:schemeClr val="accent1"/>
+          </a:effectRef>
+          <a:fontRef idx="minor">
+            <a:schemeClr val="tx1"/>
+          </a:fontRef>
+        </p:style>
+      </p:cxnSp>
+      <p:cxnSp>
+        <p:nvCxnSpPr>
+          <p:cNvPr id="6" name="Straight Connector 5">
+            <a:extLst>
+              <a:ext uri="{FF2B5EF4-FFF2-40B4-BE49-F238E27FC236}">
+                <a16:creationId xmlns:a16="http://schemas.microsoft.com/office/drawing/2014/main" id="{EFE0FE5F-C91D-669B-45FB-874130429B5F}"/>
+              </a:ext>
+            </a:extLst>
+          </p:cNvPr>
+          <p:cNvCxnSpPr>
+            <a:cxnSpLocks/>
+          </p:cNvCxnSpPr>
+          <p:nvPr/>
+        </p:nvCxnSpPr>
+        <p:spPr>
+          <a:xfrm flipV="1">
+            <a:off x="3905866" y="1611630"/>
+            <a:ext cx="854623" cy="3788728"/>
+          </a:xfrm>
+          <a:prstGeom prst="line">
+            <a:avLst/>
+          </a:prstGeom>
+          <a:ln w="38100">
+            <a:solidFill>
+              <a:schemeClr val="accent1"/>
+            </a:solidFill>
+            <a:prstDash val="dash"/>
+          </a:ln>
+        </p:spPr>
+        <p:style>
+          <a:lnRef idx="1">
+            <a:schemeClr val="accent1"/>
+          </a:lnRef>
+          <a:fillRef idx="0">
+            <a:schemeClr val="accent1"/>
+          </a:fillRef>
+          <a:effectRef idx="0">
+            <a:schemeClr val="accent1"/>
+          </a:effectRef>
+          <a:fontRef idx="minor">
+            <a:schemeClr val="tx1"/>
+          </a:fontRef>
+        </p:style>
+      </p:cxnSp>
+      <p:sp>
+        <p:nvSpPr>
+          <p:cNvPr id="2" name="TextBox 1">
+            <a:extLst>
+              <a:ext uri="{FF2B5EF4-FFF2-40B4-BE49-F238E27FC236}">
+                <a16:creationId xmlns:a16="http://schemas.microsoft.com/office/drawing/2014/main" id="{8FEB034B-6B36-7BF7-3FF2-EA3D17F09A97}"/>
+              </a:ext>
+            </a:extLst>
+          </p:cNvPr>
+          <p:cNvSpPr txBox="1"/>
+          <p:nvPr/>
+        </p:nvSpPr>
+        <p:spPr>
+          <a:xfrm>
+            <a:off x="3867207" y="1103600"/>
+            <a:ext cx="3641190" cy="461665"/>
+          </a:xfrm>
+          <a:prstGeom prst="rect">
+            <a:avLst/>
+          </a:prstGeom>
+          <a:noFill/>
+        </p:spPr>
+        <p:txBody>
+          <a:bodyPr wrap="none" rtlCol="0">
+            <a:spAutoFit/>
+          </a:bodyPr>
+          <a:lstStyle/>
+          <a:p>
+            <a:r>
+              <a:rPr lang="en-US" sz="2400" b="1" dirty="0"/>
+              <a:t>Easy Classification Problem</a:t>
+            </a:r>
+          </a:p>
+        </p:txBody>
+      </p:sp>
+    </p:spTree>
+    <p:extLst>
+      <p:ext uri="{BB962C8B-B14F-4D97-AF65-F5344CB8AC3E}">
+        <p14:creationId xmlns:p14="http://schemas.microsoft.com/office/powerpoint/2010/main" val="872279537"/>
+      </p:ext>
+    </p:extLst>
+  </p:cSld>
+  <p:clrMapOvr>
+    <a:masterClrMapping/>
+  </p:clrMapOvr>
+</p:sld>
+</file>
+
+<file path=ppt/slides/slide6.xml><?xml version="1.0" encoding="utf-8"?>
+<p:sld xmlns:a="http://schemas.openxmlformats.org/drawingml/2006/main" xmlns:r="http://schemas.openxmlformats.org/officeDocument/2006/relationships" xmlns:p="http://schemas.openxmlformats.org/presentationml/2006/main">
+  <p:cSld>
+    <p:spTree>
+      <p:nvGrpSpPr>
+        <p:cNvPr id="1" name=""/>
+        <p:cNvGrpSpPr/>
+        <p:nvPr/>
+      </p:nvGrpSpPr>
+      <p:grpSpPr>
+        <a:xfrm>
+          <a:off x="0" y="0"/>
+          <a:ext cx="0" cy="0"/>
+          <a:chOff x="0" y="0"/>
+          <a:chExt cx="0" cy="0"/>
+        </a:xfrm>
+      </p:grpSpPr>
+      <p:pic>
+        <p:nvPicPr>
+          <p:cNvPr id="3" name="Picture 2">
+            <a:extLst>
+              <a:ext uri="{FF2B5EF4-FFF2-40B4-BE49-F238E27FC236}">
+                <a16:creationId xmlns:a16="http://schemas.microsoft.com/office/drawing/2014/main" id="{92E9AFA1-D234-D6E9-FE10-43DD3D424897}"/>
+              </a:ext>
+            </a:extLst>
+          </p:cNvPr>
+          <p:cNvPicPr>
+            <a:picLocks noChangeAspect="1"/>
+          </p:cNvPicPr>
+          <p:nvPr/>
+        </p:nvPicPr>
+        <p:blipFill>
+          <a:blip r:embed="rId2"/>
+          <a:stretch>
+            <a:fillRect/>
+          </a:stretch>
+        </p:blipFill>
+        <p:spPr>
+          <a:xfrm>
+            <a:off x="4712562" y="3546324"/>
+            <a:ext cx="462677" cy="457200"/>
+          </a:xfrm>
+          <a:prstGeom prst="rect">
+            <a:avLst/>
+          </a:prstGeom>
+        </p:spPr>
+      </p:pic>
+      <p:pic>
+        <p:nvPicPr>
+          <p:cNvPr id="5" name="Picture 4">
+            <a:extLst>
+              <a:ext uri="{FF2B5EF4-FFF2-40B4-BE49-F238E27FC236}">
+                <a16:creationId xmlns:a16="http://schemas.microsoft.com/office/drawing/2014/main" id="{B9AD7B12-044D-7EEC-1AF3-1DA0A9ED7565}"/>
+              </a:ext>
+            </a:extLst>
+          </p:cNvPr>
+          <p:cNvPicPr>
+            <a:picLocks noChangeAspect="1"/>
+          </p:cNvPicPr>
+          <p:nvPr/>
+        </p:nvPicPr>
+        <p:blipFill>
+          <a:blip r:embed="rId3"/>
+          <a:stretch>
+            <a:fillRect/>
+          </a:stretch>
+        </p:blipFill>
+        <p:spPr>
+          <a:xfrm>
+            <a:off x="8162296" y="2132330"/>
+            <a:ext cx="477254" cy="457200"/>
+          </a:xfrm>
+          <a:prstGeom prst="rect">
+            <a:avLst/>
+          </a:prstGeom>
+        </p:spPr>
+      </p:pic>
+      <p:pic>
+        <p:nvPicPr>
+          <p:cNvPr id="7" name="Picture 6">
+            <a:extLst>
+              <a:ext uri="{FF2B5EF4-FFF2-40B4-BE49-F238E27FC236}">
+                <a16:creationId xmlns:a16="http://schemas.microsoft.com/office/drawing/2014/main" id="{D681EBA2-EBD7-9C39-A407-0954C0EAE015}"/>
+              </a:ext>
+            </a:extLst>
+          </p:cNvPr>
+          <p:cNvPicPr>
+            <a:picLocks noChangeAspect="1"/>
+          </p:cNvPicPr>
+          <p:nvPr/>
+        </p:nvPicPr>
+        <p:blipFill>
+          <a:blip r:embed="rId4"/>
+          <a:stretch>
+            <a:fillRect/>
+          </a:stretch>
+        </p:blipFill>
+        <p:spPr>
+          <a:xfrm>
+            <a:off x="7692739" y="4613910"/>
+            <a:ext cx="481478" cy="457200"/>
+          </a:xfrm>
+          <a:prstGeom prst="rect">
+            <a:avLst/>
+          </a:prstGeom>
+        </p:spPr>
+      </p:pic>
+      <p:pic>
+        <p:nvPicPr>
+          <p:cNvPr id="8" name="Picture 7">
+            <a:extLst>
+              <a:ext uri="{FF2B5EF4-FFF2-40B4-BE49-F238E27FC236}">
+                <a16:creationId xmlns:a16="http://schemas.microsoft.com/office/drawing/2014/main" id="{6213AF56-348E-5429-EDD6-DAF7E926E512}"/>
+              </a:ext>
+            </a:extLst>
+          </p:cNvPr>
+          <p:cNvPicPr>
+            <a:picLocks noChangeAspect="1"/>
+          </p:cNvPicPr>
+          <p:nvPr/>
+        </p:nvPicPr>
+        <p:blipFill>
+          <a:blip r:embed="rId2"/>
+          <a:stretch>
+            <a:fillRect/>
+          </a:stretch>
+        </p:blipFill>
+        <p:spPr>
+          <a:xfrm>
+            <a:off x="5239061" y="3787140"/>
+            <a:ext cx="462677" cy="457200"/>
+          </a:xfrm>
+          <a:prstGeom prst="rect">
+            <a:avLst/>
+          </a:prstGeom>
+        </p:spPr>
+      </p:pic>
+      <p:pic>
+        <p:nvPicPr>
+          <p:cNvPr id="9" name="Picture 8">
+            <a:extLst>
+              <a:ext uri="{FF2B5EF4-FFF2-40B4-BE49-F238E27FC236}">
+                <a16:creationId xmlns:a16="http://schemas.microsoft.com/office/drawing/2014/main" id="{77BF24C4-F408-D057-9C4F-6A24B794EBD4}"/>
+              </a:ext>
+            </a:extLst>
+          </p:cNvPr>
+          <p:cNvPicPr>
+            <a:picLocks noChangeAspect="1"/>
+          </p:cNvPicPr>
+          <p:nvPr/>
+        </p:nvPicPr>
+        <p:blipFill>
+          <a:blip r:embed="rId2"/>
+          <a:stretch>
+            <a:fillRect/>
+          </a:stretch>
+        </p:blipFill>
+        <p:spPr>
+          <a:xfrm>
+            <a:off x="4587641" y="2524760"/>
+            <a:ext cx="462677" cy="457200"/>
+          </a:xfrm>
+          <a:prstGeom prst="rect">
+            <a:avLst/>
+          </a:prstGeom>
+        </p:spPr>
+      </p:pic>
+      <p:pic>
+        <p:nvPicPr>
+          <p:cNvPr id="10" name="Picture 9">
+            <a:extLst>
+              <a:ext uri="{FF2B5EF4-FFF2-40B4-BE49-F238E27FC236}">
+                <a16:creationId xmlns:a16="http://schemas.microsoft.com/office/drawing/2014/main" id="{D960E09F-9991-DBEE-D012-E745897503FA}"/>
+              </a:ext>
+            </a:extLst>
+          </p:cNvPr>
+          <p:cNvPicPr>
+            <a:picLocks noChangeAspect="1"/>
+          </p:cNvPicPr>
+          <p:nvPr/>
+        </p:nvPicPr>
+        <p:blipFill>
+          <a:blip r:embed="rId2"/>
+          <a:stretch>
+            <a:fillRect/>
+          </a:stretch>
+        </p:blipFill>
+        <p:spPr>
+          <a:xfrm>
+            <a:off x="2781706" y="2011680"/>
+            <a:ext cx="462677" cy="457200"/>
+          </a:xfrm>
+          <a:prstGeom prst="rect">
+            <a:avLst/>
+          </a:prstGeom>
+        </p:spPr>
+      </p:pic>
+      <p:pic>
+        <p:nvPicPr>
+          <p:cNvPr id="11" name="Picture 10">
+            <a:extLst>
+              <a:ext uri="{FF2B5EF4-FFF2-40B4-BE49-F238E27FC236}">
+                <a16:creationId xmlns:a16="http://schemas.microsoft.com/office/drawing/2014/main" id="{C2741664-7A1D-B2EC-E447-0074BCC0B35D}"/>
+              </a:ext>
+            </a:extLst>
+          </p:cNvPr>
+          <p:cNvPicPr>
+            <a:picLocks noChangeAspect="1"/>
+          </p:cNvPicPr>
+          <p:nvPr/>
+        </p:nvPicPr>
+        <p:blipFill>
+          <a:blip r:embed="rId2"/>
+          <a:stretch>
+            <a:fillRect/>
+          </a:stretch>
+        </p:blipFill>
+        <p:spPr>
+          <a:xfrm>
+            <a:off x="5175239" y="2660650"/>
+            <a:ext cx="462677" cy="457200"/>
+          </a:xfrm>
+          <a:prstGeom prst="rect">
+            <a:avLst/>
+          </a:prstGeom>
+        </p:spPr>
+      </p:pic>
+      <p:pic>
+        <p:nvPicPr>
+          <p:cNvPr id="12" name="Picture 11">
+            <a:extLst>
+              <a:ext uri="{FF2B5EF4-FFF2-40B4-BE49-F238E27FC236}">
+                <a16:creationId xmlns:a16="http://schemas.microsoft.com/office/drawing/2014/main" id="{05A6BBF8-19E2-3329-4521-738FEE6765D0}"/>
+              </a:ext>
+            </a:extLst>
+          </p:cNvPr>
+          <p:cNvPicPr>
+            <a:picLocks noChangeAspect="1"/>
+          </p:cNvPicPr>
+          <p:nvPr/>
+        </p:nvPicPr>
+        <p:blipFill>
+          <a:blip r:embed="rId2"/>
+          <a:stretch>
+            <a:fillRect/>
+          </a:stretch>
+        </p:blipFill>
+        <p:spPr>
+          <a:xfrm>
+            <a:off x="6257801" y="2981960"/>
+            <a:ext cx="462677" cy="457200"/>
+          </a:xfrm>
+          <a:prstGeom prst="rect">
+            <a:avLst/>
+          </a:prstGeom>
+        </p:spPr>
+      </p:pic>
+      <p:pic>
+        <p:nvPicPr>
+          <p:cNvPr id="13" name="Picture 12">
+            <a:extLst>
+              <a:ext uri="{FF2B5EF4-FFF2-40B4-BE49-F238E27FC236}">
+                <a16:creationId xmlns:a16="http://schemas.microsoft.com/office/drawing/2014/main" id="{B89B6166-3ED6-393D-69FD-B4C7B3452402}"/>
+              </a:ext>
+            </a:extLst>
+          </p:cNvPr>
+          <p:cNvPicPr>
+            <a:picLocks noChangeAspect="1"/>
+          </p:cNvPicPr>
+          <p:nvPr/>
+        </p:nvPicPr>
+        <p:blipFill>
+          <a:blip r:embed="rId2"/>
+          <a:stretch>
+            <a:fillRect/>
+          </a:stretch>
+        </p:blipFill>
+        <p:spPr>
+          <a:xfrm>
+            <a:off x="6396149" y="2240280"/>
+            <a:ext cx="462677" cy="457200"/>
+          </a:xfrm>
+          <a:prstGeom prst="rect">
+            <a:avLst/>
+          </a:prstGeom>
+        </p:spPr>
+      </p:pic>
+      <p:pic>
+        <p:nvPicPr>
+          <p:cNvPr id="14" name="Picture 13">
+            <a:extLst>
+              <a:ext uri="{FF2B5EF4-FFF2-40B4-BE49-F238E27FC236}">
+                <a16:creationId xmlns:a16="http://schemas.microsoft.com/office/drawing/2014/main" id="{D6C508A8-9F18-8D9E-ECBC-41C67E27C585}"/>
+              </a:ext>
+            </a:extLst>
+          </p:cNvPr>
+          <p:cNvPicPr>
+            <a:picLocks noChangeAspect="1"/>
+          </p:cNvPicPr>
+          <p:nvPr/>
+        </p:nvPicPr>
+        <p:blipFill>
+          <a:blip r:embed="rId3"/>
+          <a:stretch>
+            <a:fillRect/>
+          </a:stretch>
+        </p:blipFill>
+        <p:spPr>
+          <a:xfrm>
+            <a:off x="6640943" y="4411980"/>
+            <a:ext cx="477254" cy="457200"/>
+          </a:xfrm>
+          <a:prstGeom prst="rect">
+            <a:avLst/>
+          </a:prstGeom>
+        </p:spPr>
+      </p:pic>
+      <p:pic>
+        <p:nvPicPr>
+          <p:cNvPr id="15" name="Picture 14">
+            <a:extLst>
+              <a:ext uri="{FF2B5EF4-FFF2-40B4-BE49-F238E27FC236}">
+                <a16:creationId xmlns:a16="http://schemas.microsoft.com/office/drawing/2014/main" id="{DFC1B797-327D-9AAC-B762-3AF910ABBAD5}"/>
+              </a:ext>
+            </a:extLst>
+          </p:cNvPr>
+          <p:cNvPicPr>
+            <a:picLocks noChangeAspect="1"/>
+          </p:cNvPicPr>
+          <p:nvPr/>
+        </p:nvPicPr>
+        <p:blipFill>
+          <a:blip r:embed="rId3"/>
+          <a:stretch>
+            <a:fillRect/>
+          </a:stretch>
+        </p:blipFill>
+        <p:spPr>
+          <a:xfrm>
+            <a:off x="8169789" y="3117850"/>
+            <a:ext cx="477254" cy="457200"/>
+          </a:xfrm>
+          <a:prstGeom prst="rect">
+            <a:avLst/>
+          </a:prstGeom>
+        </p:spPr>
+      </p:pic>
+      <p:pic>
+        <p:nvPicPr>
+          <p:cNvPr id="16" name="Picture 15">
+            <a:extLst>
+              <a:ext uri="{FF2B5EF4-FFF2-40B4-BE49-F238E27FC236}">
+                <a16:creationId xmlns:a16="http://schemas.microsoft.com/office/drawing/2014/main" id="{F97F0E5C-A2CA-189C-3A59-AA972E0BD161}"/>
+              </a:ext>
+            </a:extLst>
+          </p:cNvPr>
+          <p:cNvPicPr>
+            <a:picLocks noChangeAspect="1"/>
+          </p:cNvPicPr>
+          <p:nvPr/>
+        </p:nvPicPr>
+        <p:blipFill>
+          <a:blip r:embed="rId3"/>
+          <a:stretch>
+            <a:fillRect/>
+          </a:stretch>
+        </p:blipFill>
+        <p:spPr>
+          <a:xfrm>
+            <a:off x="7240084" y="2584450"/>
+            <a:ext cx="477254" cy="457200"/>
+          </a:xfrm>
+          <a:prstGeom prst="rect">
+            <a:avLst/>
+          </a:prstGeom>
+        </p:spPr>
+      </p:pic>
+      <p:pic>
+        <p:nvPicPr>
+          <p:cNvPr id="17" name="Picture 16">
+            <a:extLst>
+              <a:ext uri="{FF2B5EF4-FFF2-40B4-BE49-F238E27FC236}">
+                <a16:creationId xmlns:a16="http://schemas.microsoft.com/office/drawing/2014/main" id="{C0B9359E-D3B9-8A22-D6A2-86903A9D579A}"/>
+              </a:ext>
+            </a:extLst>
+          </p:cNvPr>
+          <p:cNvPicPr>
+            <a:picLocks noChangeAspect="1"/>
+          </p:cNvPicPr>
+          <p:nvPr/>
+        </p:nvPicPr>
+        <p:blipFill>
+          <a:blip r:embed="rId3"/>
+          <a:stretch>
+            <a:fillRect/>
+          </a:stretch>
+        </p:blipFill>
+        <p:spPr>
+          <a:xfrm>
+            <a:off x="7414590" y="3117850"/>
+            <a:ext cx="477254" cy="457200"/>
+          </a:xfrm>
+          <a:prstGeom prst="rect">
+            <a:avLst/>
+          </a:prstGeom>
+        </p:spPr>
+      </p:pic>
+      <p:pic>
+        <p:nvPicPr>
+          <p:cNvPr id="18" name="Picture 17">
+            <a:extLst>
+              <a:ext uri="{FF2B5EF4-FFF2-40B4-BE49-F238E27FC236}">
+                <a16:creationId xmlns:a16="http://schemas.microsoft.com/office/drawing/2014/main" id="{734F2A45-9F0B-5BC8-5EE2-8014095B1003}"/>
+              </a:ext>
+            </a:extLst>
+          </p:cNvPr>
+          <p:cNvPicPr>
+            <a:picLocks noChangeAspect="1"/>
+          </p:cNvPicPr>
+          <p:nvPr/>
+        </p:nvPicPr>
+        <p:blipFill>
+          <a:blip r:embed="rId3"/>
+          <a:stretch>
+            <a:fillRect/>
+          </a:stretch>
+        </p:blipFill>
+        <p:spPr>
+          <a:xfrm>
+            <a:off x="6305518" y="3848735"/>
+            <a:ext cx="477254" cy="457200"/>
+          </a:xfrm>
+          <a:prstGeom prst="rect">
+            <a:avLst/>
+          </a:prstGeom>
+        </p:spPr>
+      </p:pic>
+      <p:pic>
+        <p:nvPicPr>
+          <p:cNvPr id="19" name="Picture 18">
+            <a:extLst>
+              <a:ext uri="{FF2B5EF4-FFF2-40B4-BE49-F238E27FC236}">
+                <a16:creationId xmlns:a16="http://schemas.microsoft.com/office/drawing/2014/main" id="{A44FC92B-25CF-6844-E146-383F6D19D38E}"/>
+              </a:ext>
+            </a:extLst>
+          </p:cNvPr>
+          <p:cNvPicPr>
+            <a:picLocks noChangeAspect="1"/>
+          </p:cNvPicPr>
+          <p:nvPr/>
+        </p:nvPicPr>
+        <p:blipFill>
+          <a:blip r:embed="rId4"/>
+          <a:stretch>
+            <a:fillRect/>
+          </a:stretch>
+        </p:blipFill>
+        <p:spPr>
+          <a:xfrm>
+            <a:off x="8408416" y="4351020"/>
+            <a:ext cx="481478" cy="457200"/>
+          </a:xfrm>
+          <a:prstGeom prst="rect">
+            <a:avLst/>
+          </a:prstGeom>
+        </p:spPr>
+      </p:pic>
+      <p:pic>
+        <p:nvPicPr>
+          <p:cNvPr id="20" name="Picture 19">
+            <a:extLst>
+              <a:ext uri="{FF2B5EF4-FFF2-40B4-BE49-F238E27FC236}">
+                <a16:creationId xmlns:a16="http://schemas.microsoft.com/office/drawing/2014/main" id="{396306C9-CC21-5493-2D48-2C24B204BFD5}"/>
+              </a:ext>
+            </a:extLst>
+          </p:cNvPr>
+          <p:cNvPicPr>
+            <a:picLocks noChangeAspect="1"/>
+          </p:cNvPicPr>
+          <p:nvPr/>
+        </p:nvPicPr>
+        <p:blipFill>
+          <a:blip r:embed="rId4"/>
+          <a:stretch>
+            <a:fillRect/>
+          </a:stretch>
+        </p:blipFill>
+        <p:spPr>
+          <a:xfrm>
+            <a:off x="2050905" y="4189730"/>
+            <a:ext cx="481478" cy="457200"/>
+          </a:xfrm>
+          <a:prstGeom prst="rect">
+            <a:avLst/>
+          </a:prstGeom>
+        </p:spPr>
+      </p:pic>
+      <p:pic>
+        <p:nvPicPr>
+          <p:cNvPr id="21" name="Picture 20">
+            <a:extLst>
+              <a:ext uri="{FF2B5EF4-FFF2-40B4-BE49-F238E27FC236}">
+                <a16:creationId xmlns:a16="http://schemas.microsoft.com/office/drawing/2014/main" id="{B72674DB-3059-F693-A071-EF400398F266}"/>
+              </a:ext>
+            </a:extLst>
+          </p:cNvPr>
+          <p:cNvPicPr>
+            <a:picLocks noChangeAspect="1"/>
+          </p:cNvPicPr>
+          <p:nvPr/>
+        </p:nvPicPr>
+        <p:blipFill>
+          <a:blip r:embed="rId4"/>
+          <a:stretch>
+            <a:fillRect/>
+          </a:stretch>
+        </p:blipFill>
+        <p:spPr>
+          <a:xfrm>
+            <a:off x="3610519" y="4506595"/>
+            <a:ext cx="481478" cy="457200"/>
+          </a:xfrm>
+          <a:prstGeom prst="rect">
+            <a:avLst/>
+          </a:prstGeom>
+        </p:spPr>
+      </p:pic>
+      <p:pic>
+        <p:nvPicPr>
+          <p:cNvPr id="22" name="Picture 21">
+            <a:extLst>
+              <a:ext uri="{FF2B5EF4-FFF2-40B4-BE49-F238E27FC236}">
+                <a16:creationId xmlns:a16="http://schemas.microsoft.com/office/drawing/2014/main" id="{4618754C-8D03-72F4-A258-CC1597F3634A}"/>
+              </a:ext>
+            </a:extLst>
+          </p:cNvPr>
+          <p:cNvPicPr>
+            <a:picLocks noChangeAspect="1"/>
+          </p:cNvPicPr>
+          <p:nvPr/>
+        </p:nvPicPr>
+        <p:blipFill>
+          <a:blip r:embed="rId4"/>
+          <a:stretch>
+            <a:fillRect/>
+          </a:stretch>
+        </p:blipFill>
+        <p:spPr>
+          <a:xfrm>
+            <a:off x="2874021" y="3351530"/>
+            <a:ext cx="481478" cy="457200"/>
+          </a:xfrm>
+          <a:prstGeom prst="rect">
+            <a:avLst/>
+          </a:prstGeom>
+        </p:spPr>
+      </p:pic>
+      <p:pic>
+        <p:nvPicPr>
+          <p:cNvPr id="23" name="Picture 22">
+            <a:extLst>
+              <a:ext uri="{FF2B5EF4-FFF2-40B4-BE49-F238E27FC236}">
+                <a16:creationId xmlns:a16="http://schemas.microsoft.com/office/drawing/2014/main" id="{BB715230-4EAC-8A45-7D58-49A39CDA6037}"/>
+              </a:ext>
+            </a:extLst>
+          </p:cNvPr>
+          <p:cNvPicPr>
+            <a:picLocks noChangeAspect="1"/>
+          </p:cNvPicPr>
+          <p:nvPr/>
+        </p:nvPicPr>
+        <p:blipFill>
+          <a:blip r:embed="rId4"/>
+          <a:stretch>
+            <a:fillRect/>
+          </a:stretch>
+        </p:blipFill>
+        <p:spPr>
+          <a:xfrm>
+            <a:off x="3724905" y="2799080"/>
+            <a:ext cx="481478" cy="457200"/>
+          </a:xfrm>
+          <a:prstGeom prst="rect">
+            <a:avLst/>
+          </a:prstGeom>
+        </p:spPr>
+      </p:pic>
+      <p:cxnSp>
+        <p:nvCxnSpPr>
+          <p:cNvPr id="25" name="Straight Connector 24">
+            <a:extLst>
+              <a:ext uri="{FF2B5EF4-FFF2-40B4-BE49-F238E27FC236}">
+                <a16:creationId xmlns:a16="http://schemas.microsoft.com/office/drawing/2014/main" id="{178B9478-BFE8-4412-41DD-12AE4669FCC9}"/>
+              </a:ext>
+            </a:extLst>
+          </p:cNvPr>
+          <p:cNvCxnSpPr/>
+          <p:nvPr/>
+        </p:nvCxnSpPr>
+        <p:spPr>
+          <a:xfrm>
+            <a:off x="1543050" y="1920240"/>
+            <a:ext cx="0" cy="3407410"/>
+          </a:xfrm>
+          <a:prstGeom prst="line">
+            <a:avLst/>
+          </a:prstGeom>
+          <a:ln w="57150">
+            <a:solidFill>
+              <a:schemeClr val="tx1"/>
+            </a:solidFill>
+          </a:ln>
+        </p:spPr>
+        <p:style>
+          <a:lnRef idx="1">
+            <a:schemeClr val="accent1"/>
+          </a:lnRef>
+          <a:fillRef idx="0">
+            <a:schemeClr val="accent1"/>
+          </a:fillRef>
+          <a:effectRef idx="0">
+            <a:schemeClr val="accent1"/>
+          </a:effectRef>
+          <a:fontRef idx="minor">
+            <a:schemeClr val="tx1"/>
+          </a:fontRef>
+        </p:style>
+      </p:cxnSp>
+      <p:cxnSp>
+        <p:nvCxnSpPr>
+          <p:cNvPr id="26" name="Straight Connector 25">
+            <a:extLst>
+              <a:ext uri="{FF2B5EF4-FFF2-40B4-BE49-F238E27FC236}">
+                <a16:creationId xmlns:a16="http://schemas.microsoft.com/office/drawing/2014/main" id="{AB626844-8741-293D-0652-785C56110EE9}"/>
+              </a:ext>
+            </a:extLst>
+          </p:cNvPr>
+          <p:cNvCxnSpPr>
+            <a:cxnSpLocks/>
+          </p:cNvCxnSpPr>
+          <p:nvPr/>
+        </p:nvCxnSpPr>
+        <p:spPr>
+          <a:xfrm flipH="1">
+            <a:off x="1543050" y="5265420"/>
+            <a:ext cx="7639013" cy="62230"/>
+          </a:xfrm>
+          <a:prstGeom prst="line">
+            <a:avLst/>
+          </a:prstGeom>
+          <a:ln w="57150">
+            <a:solidFill>
+              <a:schemeClr val="tx1"/>
+            </a:solidFill>
+          </a:ln>
+        </p:spPr>
+        <p:style>
+          <a:lnRef idx="1">
+            <a:schemeClr val="accent1"/>
+          </a:lnRef>
+          <a:fillRef idx="0">
+            <a:schemeClr val="accent1"/>
+          </a:fillRef>
+          <a:effectRef idx="0">
+            <a:schemeClr val="accent1"/>
+          </a:effectRef>
+          <a:fontRef idx="minor">
+            <a:schemeClr val="tx1"/>
+          </a:fontRef>
+        </p:style>
+      </p:cxnSp>
+      <p:sp>
+        <p:nvSpPr>
+          <p:cNvPr id="30" name="Freeform 29">
+            <a:extLst>
+              <a:ext uri="{FF2B5EF4-FFF2-40B4-BE49-F238E27FC236}">
+                <a16:creationId xmlns:a16="http://schemas.microsoft.com/office/drawing/2014/main" id="{3CA62157-362E-24A8-A29A-742234051ADC}"/>
+              </a:ext>
+            </a:extLst>
+          </p:cNvPr>
+          <p:cNvSpPr/>
+          <p:nvPr/>
+        </p:nvSpPr>
+        <p:spPr>
+          <a:xfrm>
+            <a:off x="1840230" y="1851557"/>
+            <a:ext cx="7165975" cy="3373024"/>
+          </a:xfrm>
+          <a:custGeom>
+            <a:avLst/>
+            <a:gdLst>
+              <a:gd name="connsiteX0" fmla="*/ 0 w 7165975"/>
+              <a:gd name="connsiteY0" fmla="*/ 331573 h 3373024"/>
+              <a:gd name="connsiteX1" fmla="*/ 1554480 w 7165975"/>
+              <a:gd name="connsiteY1" fmla="*/ 1097383 h 3373024"/>
+              <a:gd name="connsiteX2" fmla="*/ 2137410 w 7165975"/>
+              <a:gd name="connsiteY2" fmla="*/ 651613 h 3373024"/>
+              <a:gd name="connsiteX3" fmla="*/ 3086100 w 7165975"/>
+              <a:gd name="connsiteY3" fmla="*/ 2434693 h 3373024"/>
+              <a:gd name="connsiteX4" fmla="*/ 4080510 w 7165975"/>
+              <a:gd name="connsiteY4" fmla="*/ 2423263 h 3373024"/>
+              <a:gd name="connsiteX5" fmla="*/ 4457700 w 7165975"/>
+              <a:gd name="connsiteY5" fmla="*/ 1874623 h 3373024"/>
+              <a:gd name="connsiteX6" fmla="*/ 5223510 w 7165975"/>
+              <a:gd name="connsiteY6" fmla="*/ 1394563 h 3373024"/>
+              <a:gd name="connsiteX7" fmla="*/ 5486400 w 7165975"/>
+              <a:gd name="connsiteY7" fmla="*/ 320143 h 3373024"/>
+              <a:gd name="connsiteX8" fmla="*/ 7040880 w 7165975"/>
+              <a:gd name="connsiteY8" fmla="*/ 125833 h 3373024"/>
+              <a:gd name="connsiteX9" fmla="*/ 6926580 w 7165975"/>
+              <a:gd name="connsiteY9" fmla="*/ 2057503 h 3373024"/>
+              <a:gd name="connsiteX10" fmla="*/ 5772150 w 7165975"/>
+              <a:gd name="connsiteY10" fmla="*/ 2709013 h 3373024"/>
+              <a:gd name="connsiteX11" fmla="*/ 5612130 w 7165975"/>
+              <a:gd name="connsiteY11" fmla="*/ 3303373 h 3373024"/>
+              <a:gd name="connsiteX12" fmla="*/ 5646420 w 7165975"/>
+              <a:gd name="connsiteY12" fmla="*/ 3337663 h 3373024"/>
+            </a:gdLst>
+            <a:ahLst/>
+            <a:cxnLst>
+              <a:cxn ang="0">
+                <a:pos x="connsiteX0" y="connsiteY0"/>
+              </a:cxn>
+              <a:cxn ang="0">
+                <a:pos x="connsiteX1" y="connsiteY1"/>
+              </a:cxn>
+              <a:cxn ang="0">
+                <a:pos x="connsiteX2" y="connsiteY2"/>
+              </a:cxn>
+              <a:cxn ang="0">
+                <a:pos x="connsiteX3" y="connsiteY3"/>
+              </a:cxn>
+              <a:cxn ang="0">
+                <a:pos x="connsiteX4" y="connsiteY4"/>
+              </a:cxn>
+              <a:cxn ang="0">
+                <a:pos x="connsiteX5" y="connsiteY5"/>
+              </a:cxn>
+              <a:cxn ang="0">
+                <a:pos x="connsiteX6" y="connsiteY6"/>
+              </a:cxn>
+              <a:cxn ang="0">
+                <a:pos x="connsiteX7" y="connsiteY7"/>
+              </a:cxn>
+              <a:cxn ang="0">
+                <a:pos x="connsiteX8" y="connsiteY8"/>
+              </a:cxn>
+              <a:cxn ang="0">
+                <a:pos x="connsiteX9" y="connsiteY9"/>
+              </a:cxn>
+              <a:cxn ang="0">
+                <a:pos x="connsiteX10" y="connsiteY10"/>
+              </a:cxn>
+              <a:cxn ang="0">
+                <a:pos x="connsiteX11" y="connsiteY11"/>
+              </a:cxn>
+              <a:cxn ang="0">
+                <a:pos x="connsiteX12" y="connsiteY12"/>
+              </a:cxn>
+            </a:cxnLst>
+            <a:rect l="l" t="t" r="r" b="b"/>
+            <a:pathLst>
+              <a:path w="7165975" h="3373024">
+                <a:moveTo>
+                  <a:pt x="0" y="331573"/>
+                </a:moveTo>
+                <a:cubicBezTo>
+                  <a:pt x="599122" y="687808"/>
+                  <a:pt x="1198245" y="1044043"/>
+                  <a:pt x="1554480" y="1097383"/>
+                </a:cubicBezTo>
+                <a:cubicBezTo>
+                  <a:pt x="1910715" y="1150723"/>
+                  <a:pt x="1882140" y="428728"/>
+                  <a:pt x="2137410" y="651613"/>
+                </a:cubicBezTo>
+                <a:cubicBezTo>
+                  <a:pt x="2392680" y="874498"/>
+                  <a:pt x="2762250" y="2139418"/>
+                  <a:pt x="3086100" y="2434693"/>
+                </a:cubicBezTo>
+                <a:cubicBezTo>
+                  <a:pt x="3409950" y="2729968"/>
+                  <a:pt x="3851910" y="2516608"/>
+                  <a:pt x="4080510" y="2423263"/>
+                </a:cubicBezTo>
+                <a:cubicBezTo>
+                  <a:pt x="4309110" y="2329918"/>
+                  <a:pt x="4267200" y="2046073"/>
+                  <a:pt x="4457700" y="1874623"/>
+                </a:cubicBezTo>
+                <a:cubicBezTo>
+                  <a:pt x="4648200" y="1703173"/>
+                  <a:pt x="5052060" y="1653643"/>
+                  <a:pt x="5223510" y="1394563"/>
+                </a:cubicBezTo>
+                <a:cubicBezTo>
+                  <a:pt x="5394960" y="1135483"/>
+                  <a:pt x="5183505" y="531598"/>
+                  <a:pt x="5486400" y="320143"/>
+                </a:cubicBezTo>
+                <a:cubicBezTo>
+                  <a:pt x="5789295" y="108688"/>
+                  <a:pt x="6800850" y="-163727"/>
+                  <a:pt x="7040880" y="125833"/>
+                </a:cubicBezTo>
+                <a:cubicBezTo>
+                  <a:pt x="7280910" y="415393"/>
+                  <a:pt x="7138035" y="1626973"/>
+                  <a:pt x="6926580" y="2057503"/>
+                </a:cubicBezTo>
+                <a:cubicBezTo>
+                  <a:pt x="6715125" y="2488033"/>
+                  <a:pt x="5991225" y="2501368"/>
+                  <a:pt x="5772150" y="2709013"/>
+                </a:cubicBezTo>
+                <a:cubicBezTo>
+                  <a:pt x="5553075" y="2916658"/>
+                  <a:pt x="5633085" y="3198598"/>
+                  <a:pt x="5612130" y="3303373"/>
+                </a:cubicBezTo>
+                <a:cubicBezTo>
+                  <a:pt x="5591175" y="3408148"/>
+                  <a:pt x="5618797" y="3372905"/>
+                  <a:pt x="5646420" y="3337663"/>
+                </a:cubicBezTo>
+              </a:path>
+            </a:pathLst>
+          </a:custGeom>
+          <a:noFill/>
+          <a:ln w="38100">
+            <a:solidFill>
+              <a:schemeClr val="accent1"/>
+            </a:solidFill>
+            <a:prstDash val="dash"/>
+          </a:ln>
+        </p:spPr>
+        <p:style>
+          <a:lnRef idx="2">
+            <a:schemeClr val="accent1">
+              <a:shade val="15000"/>
+            </a:schemeClr>
+          </a:lnRef>
+          <a:fillRef idx="1">
+            <a:schemeClr val="accent1"/>
+          </a:fillRef>
+          <a:effectRef idx="0">
+            <a:schemeClr val="accent1"/>
+          </a:effectRef>
+          <a:fontRef idx="minor">
+            <a:schemeClr val="lt1"/>
+          </a:fontRef>
+        </p:style>
+        <p:txBody>
+          <a:bodyPr rtlCol="0" anchor="ctr"/>
+          <a:lstStyle/>
+          <a:p>
+            <a:pPr algn="ctr"/>
+            <a:endParaRPr lang="en-US"/>
+          </a:p>
+        </p:txBody>
+      </p:sp>
+      <p:sp>
+        <p:nvSpPr>
+          <p:cNvPr id="31" name="TextBox 30">
+            <a:extLst>
+              <a:ext uri="{FF2B5EF4-FFF2-40B4-BE49-F238E27FC236}">
+                <a16:creationId xmlns:a16="http://schemas.microsoft.com/office/drawing/2014/main" id="{E245F89A-58D8-0AE2-B22A-0C71B218660E}"/>
+              </a:ext>
+            </a:extLst>
+          </p:cNvPr>
+          <p:cNvSpPr txBox="1"/>
+          <p:nvPr/>
+        </p:nvSpPr>
+        <p:spPr>
+          <a:xfrm>
+            <a:off x="4818979" y="5604279"/>
+            <a:ext cx="1072217" cy="369332"/>
+          </a:xfrm>
+          <a:prstGeom prst="rect">
+            <a:avLst/>
+          </a:prstGeom>
+          <a:noFill/>
+        </p:spPr>
+        <p:txBody>
+          <a:bodyPr wrap="none" rtlCol="0">
+            <a:spAutoFit/>
+          </a:bodyPr>
+          <a:lstStyle/>
+          <a:p>
+            <a:r>
+              <a:rPr lang="en-US" b="1" dirty="0"/>
+              <a:t>Feature 1</a:t>
+            </a:r>
+          </a:p>
+        </p:txBody>
+      </p:sp>
+      <p:sp>
+        <p:nvSpPr>
+          <p:cNvPr id="32" name="TextBox 31">
+            <a:extLst>
+              <a:ext uri="{FF2B5EF4-FFF2-40B4-BE49-F238E27FC236}">
+                <a16:creationId xmlns:a16="http://schemas.microsoft.com/office/drawing/2014/main" id="{D680E885-7D6A-94E3-6A6D-8E6870264FBE}"/>
+              </a:ext>
+            </a:extLst>
+          </p:cNvPr>
+          <p:cNvSpPr txBox="1"/>
+          <p:nvPr/>
+        </p:nvSpPr>
+        <p:spPr>
+          <a:xfrm rot="16200000">
+            <a:off x="594816" y="3400570"/>
+            <a:ext cx="1082284" cy="369332"/>
+          </a:xfrm>
+          <a:prstGeom prst="rect">
+            <a:avLst/>
+          </a:prstGeom>
+          <a:noFill/>
+        </p:spPr>
+        <p:txBody>
+          <a:bodyPr wrap="none" rtlCol="0">
+            <a:spAutoFit/>
+          </a:bodyPr>
+          <a:lstStyle/>
+          <a:p>
+            <a:r>
+              <a:rPr lang="en-US" b="1" dirty="0"/>
+              <a:t>Feature 2</a:t>
+            </a:r>
+          </a:p>
+        </p:txBody>
+      </p:sp>
+      <p:sp>
+        <p:nvSpPr>
+          <p:cNvPr id="2" name="TextBox 1">
+            <a:extLst>
+              <a:ext uri="{FF2B5EF4-FFF2-40B4-BE49-F238E27FC236}">
+                <a16:creationId xmlns:a16="http://schemas.microsoft.com/office/drawing/2014/main" id="{4BE423F1-E6E5-6EC5-95B1-F5D70B5D97F0}"/>
+              </a:ext>
+            </a:extLst>
+          </p:cNvPr>
+          <p:cNvSpPr txBox="1"/>
+          <p:nvPr/>
+        </p:nvSpPr>
+        <p:spPr>
+          <a:xfrm>
+            <a:off x="3355499" y="1470916"/>
+            <a:ext cx="3958712" cy="461665"/>
+          </a:xfrm>
+          <a:prstGeom prst="rect">
+            <a:avLst/>
+          </a:prstGeom>
+          <a:noFill/>
+        </p:spPr>
+        <p:txBody>
+          <a:bodyPr wrap="none" rtlCol="0">
+            <a:spAutoFit/>
+          </a:bodyPr>
+          <a:lstStyle/>
+          <a:p>
+            <a:r>
+              <a:rPr lang="en-US" sz="2400" b="1" dirty="0"/>
+              <a:t>Harder Classification Problem</a:t>
+            </a:r>
+          </a:p>
+        </p:txBody>
+      </p:sp>
+    </p:spTree>
+    <p:extLst>
+      <p:ext uri="{BB962C8B-B14F-4D97-AF65-F5344CB8AC3E}">
+        <p14:creationId xmlns:p14="http://schemas.microsoft.com/office/powerpoint/2010/main" val="3338251740"/>
+      </p:ext>
+    </p:extLst>
+  </p:cSld>
+  <p:clrMapOvr>
+    <a:masterClrMapping/>
+  </p:clrMapOvr>
+</p:sld>
+</file>
+
+<file path=ppt/slides/slide7.xml><?xml version="1.0" encoding="utf-8"?>
+<p:sld xmlns:a="http://schemas.openxmlformats.org/drawingml/2006/main" xmlns:r="http://schemas.openxmlformats.org/officeDocument/2006/relationships" xmlns:p="http://schemas.openxmlformats.org/presentationml/2006/main">
+  <p:cSld>
+    <p:spTree>
+      <p:nvGrpSpPr>
+        <p:cNvPr id="1" name=""/>
+        <p:cNvGrpSpPr/>
+        <p:nvPr/>
+      </p:nvGrpSpPr>
+      <p:grpSpPr>
+        <a:xfrm>
+          <a:off x="0" y="0"/>
+          <a:ext cx="0" cy="0"/>
+          <a:chOff x="0" y="0"/>
+          <a:chExt cx="0" cy="0"/>
+        </a:xfrm>
+      </p:grpSpPr>
+      <p:grpSp>
+        <p:nvGrpSpPr>
+          <p:cNvPr id="56" name="Group 55">
+            <a:extLst>
+              <a:ext uri="{FF2B5EF4-FFF2-40B4-BE49-F238E27FC236}">
+                <a16:creationId xmlns:a16="http://schemas.microsoft.com/office/drawing/2014/main" id="{95DF6195-D06F-ECE7-74B7-26795AAA6414}"/>
+              </a:ext>
+            </a:extLst>
+          </p:cNvPr>
+          <p:cNvGrpSpPr>
+            <a:grpSpLocks noChangeAspect="1"/>
+          </p:cNvGrpSpPr>
+          <p:nvPr/>
+        </p:nvGrpSpPr>
+        <p:grpSpPr>
+          <a:xfrm>
+            <a:off x="3297346" y="2148840"/>
+            <a:ext cx="5597307" cy="2560320"/>
+            <a:chOff x="1741804" y="2425342"/>
+            <a:chExt cx="3598267" cy="1645920"/>
+          </a:xfrm>
+        </p:grpSpPr>
+        <p:sp>
+          <p:nvSpPr>
+            <p:cNvPr id="51" name="Rectangle 50">
+              <a:extLst>
+                <a:ext uri="{FF2B5EF4-FFF2-40B4-BE49-F238E27FC236}">
+                  <a16:creationId xmlns:a16="http://schemas.microsoft.com/office/drawing/2014/main" id="{C238CE5F-3372-8B6C-AD0E-68D59F484FC4}"/>
+                </a:ext>
+              </a:extLst>
+            </p:cNvPr>
+            <p:cNvSpPr>
+              <a:spLocks noChangeAspect="1"/>
+            </p:cNvSpPr>
+            <p:nvPr/>
+          </p:nvSpPr>
+          <p:spPr>
+            <a:xfrm>
+              <a:off x="2620163" y="3183529"/>
+              <a:ext cx="223429" cy="182880"/>
+            </a:xfrm>
+            <a:prstGeom prst="rect">
+              <a:avLst/>
+            </a:prstGeom>
+            <a:pattFill prst="solidDmnd">
+              <a:fgClr>
+                <a:srgbClr val="FF0000"/>
+              </a:fgClr>
+              <a:bgClr>
+                <a:schemeClr val="bg1"/>
+              </a:bgClr>
+            </a:pattFill>
+            <a:ln>
+              <a:noFill/>
+            </a:ln>
+          </p:spPr>
+          <p:style>
+            <a:lnRef idx="2">
+              <a:schemeClr val="accent1">
+                <a:shade val="15000"/>
+              </a:schemeClr>
+            </a:lnRef>
+            <a:fillRef idx="1">
+              <a:schemeClr val="accent1"/>
+            </a:fillRef>
+            <a:effectRef idx="0">
+              <a:schemeClr val="accent1"/>
+            </a:effectRef>
+            <a:fontRef idx="minor">
+              <a:schemeClr val="lt1"/>
+            </a:fontRef>
+          </p:style>
+          <p:txBody>
+            <a:bodyPr rtlCol="0" anchor="ctr"/>
+            <a:lstStyle/>
+            <a:p>
+              <a:pPr algn="ctr"/>
+              <a:endParaRPr lang="en-US"/>
+            </a:p>
+          </p:txBody>
+        </p:sp>
+        <p:pic>
+          <p:nvPicPr>
+            <p:cNvPr id="2" name="Picture 1">
+              <a:extLst>
+                <a:ext uri="{FF2B5EF4-FFF2-40B4-BE49-F238E27FC236}">
+                  <a16:creationId xmlns:a16="http://schemas.microsoft.com/office/drawing/2014/main" id="{20486EBF-1F8F-7349-E732-6A77F1C34024}"/>
+                </a:ext>
+              </a:extLst>
+            </p:cNvPr>
+            <p:cNvPicPr>
+              <a:picLocks noChangeAspect="1"/>
+            </p:cNvPicPr>
+            <p:nvPr/>
+          </p:nvPicPr>
+          <p:blipFill>
+            <a:blip r:embed="rId2"/>
+            <a:stretch>
+              <a:fillRect/>
+            </a:stretch>
+          </p:blipFill>
+          <p:spPr>
+            <a:xfrm>
+              <a:off x="3164875" y="3557580"/>
+              <a:ext cx="214705" cy="212163"/>
+            </a:xfrm>
+            <a:prstGeom prst="rect">
+              <a:avLst/>
+            </a:prstGeom>
+          </p:spPr>
+        </p:pic>
+        <p:pic>
+          <p:nvPicPr>
+            <p:cNvPr id="3" name="Picture 2">
+              <a:extLst>
+                <a:ext uri="{FF2B5EF4-FFF2-40B4-BE49-F238E27FC236}">
+                  <a16:creationId xmlns:a16="http://schemas.microsoft.com/office/drawing/2014/main" id="{AF3B1881-5CD4-C14A-3DF2-378ACC86721A}"/>
+                </a:ext>
+              </a:extLst>
+            </p:cNvPr>
+            <p:cNvPicPr>
+              <a:picLocks noChangeAspect="1"/>
+            </p:cNvPicPr>
+            <p:nvPr/>
+          </p:nvPicPr>
+          <p:blipFill>
+            <a:blip r:embed="rId3"/>
+            <a:stretch>
+              <a:fillRect/>
+            </a:stretch>
+          </p:blipFill>
+          <p:spPr>
+            <a:xfrm>
+              <a:off x="5105179" y="2477092"/>
+              <a:ext cx="221469" cy="212163"/>
+            </a:xfrm>
+            <a:prstGeom prst="rect">
+              <a:avLst/>
+            </a:prstGeom>
+          </p:spPr>
+        </p:pic>
+        <p:pic>
+          <p:nvPicPr>
+            <p:cNvPr id="4" name="Picture 3">
+              <a:extLst>
+                <a:ext uri="{FF2B5EF4-FFF2-40B4-BE49-F238E27FC236}">
+                  <a16:creationId xmlns:a16="http://schemas.microsoft.com/office/drawing/2014/main" id="{BD82368F-0BB3-FAAD-C6B2-D0D55F1CB85C}"/>
+                </a:ext>
+              </a:extLst>
+            </p:cNvPr>
+            <p:cNvPicPr>
+              <a:picLocks noChangeAspect="1"/>
+            </p:cNvPicPr>
+            <p:nvPr/>
+          </p:nvPicPr>
+          <p:blipFill>
+            <a:blip r:embed="rId4"/>
+            <a:stretch>
+              <a:fillRect/>
+            </a:stretch>
+          </p:blipFill>
+          <p:spPr>
+            <a:xfrm>
+              <a:off x="2147865" y="3748892"/>
+              <a:ext cx="223429" cy="212163"/>
+            </a:xfrm>
+            <a:prstGeom prst="rect">
+              <a:avLst/>
+            </a:prstGeom>
+          </p:spPr>
+        </p:pic>
+        <p:pic>
+          <p:nvPicPr>
+            <p:cNvPr id="5" name="Picture 4">
+              <a:extLst>
+                <a:ext uri="{FF2B5EF4-FFF2-40B4-BE49-F238E27FC236}">
+                  <a16:creationId xmlns:a16="http://schemas.microsoft.com/office/drawing/2014/main" id="{7286D706-34A8-E338-47A4-45C36F6A4921}"/>
+                </a:ext>
+              </a:extLst>
+            </p:cNvPr>
+            <p:cNvPicPr>
+              <a:picLocks noChangeAspect="1"/>
+            </p:cNvPicPr>
+            <p:nvPr/>
+          </p:nvPicPr>
+          <p:blipFill>
+            <a:blip r:embed="rId2"/>
+            <a:stretch>
+              <a:fillRect/>
+            </a:stretch>
+          </p:blipFill>
+          <p:spPr>
+            <a:xfrm>
+              <a:off x="3409196" y="3669331"/>
+              <a:ext cx="214705" cy="212163"/>
+            </a:xfrm>
+            <a:prstGeom prst="rect">
+              <a:avLst/>
+            </a:prstGeom>
+          </p:spPr>
+        </p:pic>
+        <p:pic>
+          <p:nvPicPr>
+            <p:cNvPr id="6" name="Picture 5">
+              <a:extLst>
+                <a:ext uri="{FF2B5EF4-FFF2-40B4-BE49-F238E27FC236}">
+                  <a16:creationId xmlns:a16="http://schemas.microsoft.com/office/drawing/2014/main" id="{DAEA38C1-5FB6-C8D5-5450-E8297F0D2E13}"/>
+                </a:ext>
+              </a:extLst>
+            </p:cNvPr>
+            <p:cNvPicPr>
+              <a:picLocks noChangeAspect="1"/>
+            </p:cNvPicPr>
+            <p:nvPr/>
+          </p:nvPicPr>
+          <p:blipFill>
+            <a:blip r:embed="rId2"/>
+            <a:stretch>
+              <a:fillRect/>
+            </a:stretch>
+          </p:blipFill>
+          <p:spPr>
+            <a:xfrm>
+              <a:off x="3409196" y="2494477"/>
+              <a:ext cx="214705" cy="212163"/>
+            </a:xfrm>
+            <a:prstGeom prst="rect">
+              <a:avLst/>
+            </a:prstGeom>
+          </p:spPr>
+        </p:pic>
+        <p:pic>
+          <p:nvPicPr>
+            <p:cNvPr id="7" name="Picture 6">
+              <a:extLst>
+                <a:ext uri="{FF2B5EF4-FFF2-40B4-BE49-F238E27FC236}">
+                  <a16:creationId xmlns:a16="http://schemas.microsoft.com/office/drawing/2014/main" id="{F2644A16-C4F1-9E45-8A9F-56ECF3495544}"/>
+                </a:ext>
+              </a:extLst>
+            </p:cNvPr>
+            <p:cNvPicPr>
+              <a:picLocks noChangeAspect="1"/>
+            </p:cNvPicPr>
+            <p:nvPr/>
+          </p:nvPicPr>
+          <p:blipFill>
+            <a:blip r:embed="rId2"/>
+            <a:stretch>
+              <a:fillRect/>
+            </a:stretch>
+          </p:blipFill>
+          <p:spPr>
+            <a:xfrm>
+              <a:off x="4194148" y="2787970"/>
+              <a:ext cx="214705" cy="212163"/>
+            </a:xfrm>
+            <a:prstGeom prst="rect">
+              <a:avLst/>
+            </a:prstGeom>
+          </p:spPr>
+        </p:pic>
+        <p:pic>
+          <p:nvPicPr>
+            <p:cNvPr id="8" name="Picture 7">
+              <a:extLst>
+                <a:ext uri="{FF2B5EF4-FFF2-40B4-BE49-F238E27FC236}">
+                  <a16:creationId xmlns:a16="http://schemas.microsoft.com/office/drawing/2014/main" id="{E33E20BF-4B87-E39C-641D-73FF4DFEA08A}"/>
+                </a:ext>
+              </a:extLst>
+            </p:cNvPr>
+            <p:cNvPicPr>
+              <a:picLocks noChangeAspect="1"/>
+            </p:cNvPicPr>
+            <p:nvPr/>
+          </p:nvPicPr>
+          <p:blipFill>
+            <a:blip r:embed="rId2"/>
+            <a:stretch>
+              <a:fillRect/>
+            </a:stretch>
+          </p:blipFill>
+          <p:spPr>
+            <a:xfrm>
+              <a:off x="3379579" y="3146584"/>
+              <a:ext cx="214705" cy="212163"/>
+            </a:xfrm>
+            <a:prstGeom prst="rect">
+              <a:avLst/>
+            </a:prstGeom>
+          </p:spPr>
+        </p:pic>
+        <p:pic>
+          <p:nvPicPr>
+            <p:cNvPr id="9" name="Picture 8">
+              <a:extLst>
+                <a:ext uri="{FF2B5EF4-FFF2-40B4-BE49-F238E27FC236}">
+                  <a16:creationId xmlns:a16="http://schemas.microsoft.com/office/drawing/2014/main" id="{72494FFE-8EF0-3192-189A-F7B1334CEEC2}"/>
+                </a:ext>
+              </a:extLst>
+            </p:cNvPr>
+            <p:cNvPicPr>
+              <a:picLocks noChangeAspect="1"/>
+            </p:cNvPicPr>
+            <p:nvPr/>
+          </p:nvPicPr>
+          <p:blipFill>
+            <a:blip r:embed="rId2"/>
+            <a:stretch>
+              <a:fillRect/>
+            </a:stretch>
+          </p:blipFill>
+          <p:spPr>
+            <a:xfrm>
+              <a:off x="3881941" y="3295688"/>
+              <a:ext cx="214705" cy="212163"/>
+            </a:xfrm>
+            <a:prstGeom prst="rect">
+              <a:avLst/>
+            </a:prstGeom>
+          </p:spPr>
+        </p:pic>
+        <p:pic>
+          <p:nvPicPr>
+            <p:cNvPr id="10" name="Picture 9">
+              <a:extLst>
+                <a:ext uri="{FF2B5EF4-FFF2-40B4-BE49-F238E27FC236}">
+                  <a16:creationId xmlns:a16="http://schemas.microsoft.com/office/drawing/2014/main" id="{EAA3A28E-6FE3-E48A-5C1B-2F03C3BC61AB}"/>
+                </a:ext>
+              </a:extLst>
+            </p:cNvPr>
+            <p:cNvPicPr>
+              <a:picLocks noChangeAspect="1"/>
+            </p:cNvPicPr>
+            <p:nvPr/>
+          </p:nvPicPr>
+          <p:blipFill>
+            <a:blip r:embed="rId2"/>
+            <a:stretch>
+              <a:fillRect/>
+            </a:stretch>
+          </p:blipFill>
+          <p:spPr>
+            <a:xfrm>
+              <a:off x="4548639" y="2425342"/>
+              <a:ext cx="214705" cy="212163"/>
+            </a:xfrm>
+            <a:prstGeom prst="rect">
+              <a:avLst/>
+            </a:prstGeom>
+          </p:spPr>
+        </p:pic>
+        <p:pic>
+          <p:nvPicPr>
+            <p:cNvPr id="11" name="Picture 10">
+              <a:extLst>
+                <a:ext uri="{FF2B5EF4-FFF2-40B4-BE49-F238E27FC236}">
+                  <a16:creationId xmlns:a16="http://schemas.microsoft.com/office/drawing/2014/main" id="{A9D45B81-BC55-E0EB-6DB4-40955C290186}"/>
+                </a:ext>
+              </a:extLst>
+            </p:cNvPr>
+            <p:cNvPicPr>
+              <a:picLocks noChangeAspect="1"/>
+            </p:cNvPicPr>
+            <p:nvPr/>
+          </p:nvPicPr>
+          <p:blipFill>
+            <a:blip r:embed="rId3"/>
+            <a:stretch>
+              <a:fillRect/>
+            </a:stretch>
+          </p:blipFill>
+          <p:spPr>
+            <a:xfrm>
+              <a:off x="4220578" y="3642516"/>
+              <a:ext cx="221469" cy="212163"/>
+            </a:xfrm>
+            <a:prstGeom prst="rect">
+              <a:avLst/>
+            </a:prstGeom>
+          </p:spPr>
+        </p:pic>
+        <p:pic>
+          <p:nvPicPr>
+            <p:cNvPr id="12" name="Picture 11">
+              <a:extLst>
+                <a:ext uri="{FF2B5EF4-FFF2-40B4-BE49-F238E27FC236}">
+                  <a16:creationId xmlns:a16="http://schemas.microsoft.com/office/drawing/2014/main" id="{D1BD3791-BE03-FF01-EC27-431D34E6CC7D}"/>
+                </a:ext>
+              </a:extLst>
+            </p:cNvPr>
+            <p:cNvPicPr>
+              <a:picLocks noChangeAspect="1"/>
+            </p:cNvPicPr>
+            <p:nvPr/>
+          </p:nvPicPr>
+          <p:blipFill>
+            <a:blip r:embed="rId3"/>
+            <a:stretch>
+              <a:fillRect/>
+            </a:stretch>
+          </p:blipFill>
+          <p:spPr>
+            <a:xfrm>
+              <a:off x="5108657" y="2934421"/>
+              <a:ext cx="221469" cy="212163"/>
+            </a:xfrm>
+            <a:prstGeom prst="rect">
+              <a:avLst/>
+            </a:prstGeom>
+          </p:spPr>
+        </p:pic>
+        <p:pic>
+          <p:nvPicPr>
+            <p:cNvPr id="13" name="Picture 12">
+              <a:extLst>
+                <a:ext uri="{FF2B5EF4-FFF2-40B4-BE49-F238E27FC236}">
+                  <a16:creationId xmlns:a16="http://schemas.microsoft.com/office/drawing/2014/main" id="{0DD76412-BDA8-5F55-6024-FF0F7949E151}"/>
+                </a:ext>
+              </a:extLst>
+            </p:cNvPr>
+            <p:cNvPicPr>
+              <a:picLocks noChangeAspect="1"/>
+            </p:cNvPicPr>
+            <p:nvPr/>
+          </p:nvPicPr>
+          <p:blipFill>
+            <a:blip r:embed="rId3"/>
+            <a:stretch>
+              <a:fillRect/>
+            </a:stretch>
+          </p:blipFill>
+          <p:spPr>
+            <a:xfrm>
+              <a:off x="5118602" y="3618058"/>
+              <a:ext cx="221469" cy="212163"/>
+            </a:xfrm>
+            <a:prstGeom prst="rect">
+              <a:avLst/>
+            </a:prstGeom>
+          </p:spPr>
+        </p:pic>
+        <p:pic>
+          <p:nvPicPr>
+            <p:cNvPr id="14" name="Picture 13">
+              <a:extLst>
+                <a:ext uri="{FF2B5EF4-FFF2-40B4-BE49-F238E27FC236}">
+                  <a16:creationId xmlns:a16="http://schemas.microsoft.com/office/drawing/2014/main" id="{4501E555-3383-B4BA-14DA-0AD8EFC5E0B0}"/>
+                </a:ext>
+              </a:extLst>
+            </p:cNvPr>
+            <p:cNvPicPr>
+              <a:picLocks noChangeAspect="1"/>
+            </p:cNvPicPr>
+            <p:nvPr/>
+          </p:nvPicPr>
+          <p:blipFill>
+            <a:blip r:embed="rId3"/>
+            <a:stretch>
+              <a:fillRect/>
+            </a:stretch>
+          </p:blipFill>
+          <p:spPr>
+            <a:xfrm>
+              <a:off x="4650521" y="3068497"/>
+              <a:ext cx="221469" cy="212163"/>
+            </a:xfrm>
+            <a:prstGeom prst="rect">
+              <a:avLst/>
+            </a:prstGeom>
+          </p:spPr>
+        </p:pic>
+        <p:pic>
+          <p:nvPicPr>
+            <p:cNvPr id="15" name="Picture 14">
+              <a:extLst>
+                <a:ext uri="{FF2B5EF4-FFF2-40B4-BE49-F238E27FC236}">
+                  <a16:creationId xmlns:a16="http://schemas.microsoft.com/office/drawing/2014/main" id="{7DF5D41D-004B-68C3-AAF8-34635FFC5A44}"/>
+                </a:ext>
+              </a:extLst>
+            </p:cNvPr>
+            <p:cNvPicPr>
+              <a:picLocks noChangeAspect="1"/>
+            </p:cNvPicPr>
+            <p:nvPr/>
+          </p:nvPicPr>
+          <p:blipFill>
+            <a:blip r:embed="rId3"/>
+            <a:stretch>
+              <a:fillRect/>
+            </a:stretch>
+          </p:blipFill>
+          <p:spPr>
+            <a:xfrm>
+              <a:off x="5002338" y="3300550"/>
+              <a:ext cx="221469" cy="212163"/>
+            </a:xfrm>
+            <a:prstGeom prst="rect">
+              <a:avLst/>
+            </a:prstGeom>
+          </p:spPr>
+        </p:pic>
+        <p:pic>
+          <p:nvPicPr>
+            <p:cNvPr id="16" name="Picture 15">
+              <a:extLst>
+                <a:ext uri="{FF2B5EF4-FFF2-40B4-BE49-F238E27FC236}">
+                  <a16:creationId xmlns:a16="http://schemas.microsoft.com/office/drawing/2014/main" id="{D7E74006-6A4B-FF10-667F-8D97A6133EBD}"/>
+                </a:ext>
+              </a:extLst>
+            </p:cNvPr>
+            <p:cNvPicPr>
+              <a:picLocks noChangeAspect="1"/>
+            </p:cNvPicPr>
+            <p:nvPr/>
+          </p:nvPicPr>
+          <p:blipFill>
+            <a:blip r:embed="rId4"/>
+            <a:stretch>
+              <a:fillRect/>
+            </a:stretch>
+          </p:blipFill>
+          <p:spPr>
+            <a:xfrm>
+              <a:off x="1932889" y="2894051"/>
+              <a:ext cx="223429" cy="212163"/>
+            </a:xfrm>
+            <a:prstGeom prst="rect">
+              <a:avLst/>
+            </a:prstGeom>
+          </p:spPr>
+        </p:pic>
+        <p:pic>
+          <p:nvPicPr>
+            <p:cNvPr id="17" name="Picture 16">
+              <a:extLst>
+                <a:ext uri="{FF2B5EF4-FFF2-40B4-BE49-F238E27FC236}">
+                  <a16:creationId xmlns:a16="http://schemas.microsoft.com/office/drawing/2014/main" id="{23DF7089-3ED3-9A08-909D-596DE5D581B1}"/>
+                </a:ext>
+              </a:extLst>
+            </p:cNvPr>
+            <p:cNvPicPr>
+              <a:picLocks noChangeAspect="1"/>
+            </p:cNvPicPr>
+            <p:nvPr/>
+          </p:nvPicPr>
+          <p:blipFill>
+            <a:blip r:embed="rId4"/>
+            <a:stretch>
+              <a:fillRect/>
+            </a:stretch>
+          </p:blipFill>
+          <p:spPr>
+            <a:xfrm>
+              <a:off x="1855480" y="3543212"/>
+              <a:ext cx="223429" cy="212163"/>
+            </a:xfrm>
+            <a:prstGeom prst="rect">
+              <a:avLst/>
+            </a:prstGeom>
+          </p:spPr>
+        </p:pic>
+        <p:pic>
+          <p:nvPicPr>
+            <p:cNvPr id="18" name="Picture 17">
+              <a:extLst>
+                <a:ext uri="{FF2B5EF4-FFF2-40B4-BE49-F238E27FC236}">
+                  <a16:creationId xmlns:a16="http://schemas.microsoft.com/office/drawing/2014/main" id="{DC221129-B0C5-7CD5-9EEF-515286619BA2}"/>
+                </a:ext>
+              </a:extLst>
+            </p:cNvPr>
+            <p:cNvPicPr>
+              <a:picLocks noChangeAspect="1"/>
+            </p:cNvPicPr>
+            <p:nvPr/>
+          </p:nvPicPr>
+          <p:blipFill>
+            <a:blip r:embed="rId4"/>
+            <a:stretch>
+              <a:fillRect/>
+            </a:stretch>
+          </p:blipFill>
+          <p:spPr>
+            <a:xfrm>
+              <a:off x="2579216" y="3690252"/>
+              <a:ext cx="223429" cy="212163"/>
+            </a:xfrm>
+            <a:prstGeom prst="rect">
+              <a:avLst/>
+            </a:prstGeom>
+          </p:spPr>
+        </p:pic>
+        <p:pic>
+          <p:nvPicPr>
+            <p:cNvPr id="19" name="Picture 18">
+              <a:extLst>
+                <a:ext uri="{FF2B5EF4-FFF2-40B4-BE49-F238E27FC236}">
+                  <a16:creationId xmlns:a16="http://schemas.microsoft.com/office/drawing/2014/main" id="{BC0D1ED3-A464-07F4-9A1E-4350A3DB600C}"/>
+                </a:ext>
+              </a:extLst>
+            </p:cNvPr>
+            <p:cNvPicPr>
+              <a:picLocks noChangeAspect="1"/>
+            </p:cNvPicPr>
+            <p:nvPr/>
+          </p:nvPicPr>
+          <p:blipFill>
+            <a:blip r:embed="rId4"/>
+            <a:stretch>
+              <a:fillRect/>
+            </a:stretch>
+          </p:blipFill>
+          <p:spPr>
+            <a:xfrm>
+              <a:off x="2237445" y="3154246"/>
+              <a:ext cx="223429" cy="212163"/>
+            </a:xfrm>
+            <a:prstGeom prst="rect">
+              <a:avLst/>
+            </a:prstGeom>
+          </p:spPr>
+        </p:pic>
+        <p:pic>
+          <p:nvPicPr>
+            <p:cNvPr id="20" name="Picture 19">
+              <a:extLst>
+                <a:ext uri="{FF2B5EF4-FFF2-40B4-BE49-F238E27FC236}">
+                  <a16:creationId xmlns:a16="http://schemas.microsoft.com/office/drawing/2014/main" id="{C78AC849-5648-7FBC-CE74-FFCBA913B09F}"/>
+                </a:ext>
+              </a:extLst>
+            </p:cNvPr>
+            <p:cNvPicPr>
+              <a:picLocks noChangeAspect="1"/>
+            </p:cNvPicPr>
+            <p:nvPr/>
+          </p:nvPicPr>
+          <p:blipFill>
+            <a:blip r:embed="rId4"/>
+            <a:stretch>
+              <a:fillRect/>
+            </a:stretch>
+          </p:blipFill>
+          <p:spPr>
+            <a:xfrm>
+              <a:off x="2862201" y="2531424"/>
+              <a:ext cx="223429" cy="212163"/>
+            </a:xfrm>
+            <a:prstGeom prst="rect">
+              <a:avLst/>
+            </a:prstGeom>
+          </p:spPr>
+        </p:pic>
+        <p:cxnSp>
+          <p:nvCxnSpPr>
+            <p:cNvPr id="21" name="Straight Connector 20">
+              <a:extLst>
+                <a:ext uri="{FF2B5EF4-FFF2-40B4-BE49-F238E27FC236}">
+                  <a16:creationId xmlns:a16="http://schemas.microsoft.com/office/drawing/2014/main" id="{0004BCD9-FA38-DD62-DF10-D8B9A48F7FD5}"/>
+                </a:ext>
+              </a:extLst>
+            </p:cNvPr>
+            <p:cNvCxnSpPr/>
+            <p:nvPr/>
+          </p:nvCxnSpPr>
+          <p:spPr>
+            <a:xfrm>
+              <a:off x="1741804" y="2490057"/>
+              <a:ext cx="0" cy="1581205"/>
+            </a:xfrm>
+            <a:prstGeom prst="line">
+              <a:avLst/>
+            </a:prstGeom>
+            <a:ln w="57150">
+              <a:solidFill>
+                <a:schemeClr val="tx1"/>
+              </a:solidFill>
+            </a:ln>
+          </p:spPr>
+          <p:style>
+            <a:lnRef idx="1">
+              <a:schemeClr val="accent1"/>
+            </a:lnRef>
+            <a:fillRef idx="0">
+              <a:schemeClr val="accent1"/>
+            </a:fillRef>
+            <a:effectRef idx="0">
+              <a:schemeClr val="accent1"/>
+            </a:effectRef>
+            <a:fontRef idx="minor">
+              <a:schemeClr val="tx1"/>
+            </a:fontRef>
+          </p:style>
+        </p:cxnSp>
+        <p:cxnSp>
+          <p:nvCxnSpPr>
+            <p:cNvPr id="22" name="Straight Connector 21">
+              <a:extLst>
+                <a:ext uri="{FF2B5EF4-FFF2-40B4-BE49-F238E27FC236}">
+                  <a16:creationId xmlns:a16="http://schemas.microsoft.com/office/drawing/2014/main" id="{D01786B5-F548-6344-97C3-3A3479C5BBF1}"/>
+                </a:ext>
+              </a:extLst>
+            </p:cNvPr>
+            <p:cNvCxnSpPr>
+              <a:cxnSpLocks/>
+            </p:cNvCxnSpPr>
+            <p:nvPr/>
+          </p:nvCxnSpPr>
+          <p:spPr>
+            <a:xfrm flipH="1">
+              <a:off x="1741804" y="4042384"/>
+              <a:ext cx="3544873" cy="28878"/>
+            </a:xfrm>
+            <a:prstGeom prst="line">
+              <a:avLst/>
+            </a:prstGeom>
+            <a:ln w="57150">
+              <a:solidFill>
+                <a:schemeClr val="tx1"/>
+              </a:solidFill>
+            </a:ln>
+          </p:spPr>
+          <p:style>
+            <a:lnRef idx="1">
+              <a:schemeClr val="accent1"/>
+            </a:lnRef>
+            <a:fillRef idx="0">
+              <a:schemeClr val="accent1"/>
+            </a:fillRef>
+            <a:effectRef idx="0">
+              <a:schemeClr val="accent1"/>
+            </a:effectRef>
+            <a:fontRef idx="minor">
+              <a:schemeClr val="tx1"/>
+            </a:fontRef>
+          </p:style>
+        </p:cxnSp>
+        <p:sp>
+          <p:nvSpPr>
+            <p:cNvPr id="52" name="Rectangle 51">
+              <a:extLst>
+                <a:ext uri="{FF2B5EF4-FFF2-40B4-BE49-F238E27FC236}">
+                  <a16:creationId xmlns:a16="http://schemas.microsoft.com/office/drawing/2014/main" id="{A631EF78-2F9D-C874-5B2D-148EE23B643E}"/>
+                </a:ext>
+              </a:extLst>
+            </p:cNvPr>
+            <p:cNvSpPr>
+              <a:spLocks noChangeAspect="1"/>
+            </p:cNvSpPr>
+            <p:nvPr/>
+          </p:nvSpPr>
+          <p:spPr>
+            <a:xfrm>
+              <a:off x="3808553" y="3052207"/>
+              <a:ext cx="223429" cy="182880"/>
+            </a:xfrm>
+            <a:prstGeom prst="rect">
+              <a:avLst/>
+            </a:prstGeom>
+            <a:pattFill prst="solidDmnd">
+              <a:fgClr>
+                <a:srgbClr val="00B050"/>
+              </a:fgClr>
+              <a:bgClr>
+                <a:schemeClr val="bg1"/>
+              </a:bgClr>
+            </a:pattFill>
+            <a:ln>
+              <a:noFill/>
+            </a:ln>
+          </p:spPr>
+          <p:style>
+            <a:lnRef idx="2">
+              <a:schemeClr val="accent1">
+                <a:shade val="15000"/>
+              </a:schemeClr>
+            </a:lnRef>
+            <a:fillRef idx="1">
+              <a:schemeClr val="accent1"/>
+            </a:fillRef>
+            <a:effectRef idx="0">
+              <a:schemeClr val="accent1"/>
+            </a:effectRef>
+            <a:fontRef idx="minor">
+              <a:schemeClr val="lt1"/>
+            </a:fontRef>
+          </p:style>
+          <p:txBody>
+            <a:bodyPr rtlCol="0" anchor="ctr"/>
+            <a:lstStyle/>
+            <a:p>
+              <a:pPr algn="ctr"/>
+              <a:endParaRPr lang="en-US"/>
+            </a:p>
+          </p:txBody>
+        </p:sp>
+        <p:sp>
+          <p:nvSpPr>
+            <p:cNvPr id="53" name="Rectangle 52">
+              <a:extLst>
+                <a:ext uri="{FF2B5EF4-FFF2-40B4-BE49-F238E27FC236}">
+                  <a16:creationId xmlns:a16="http://schemas.microsoft.com/office/drawing/2014/main" id="{191715F4-CE0E-A43A-7EA2-DDD344510825}"/>
+                </a:ext>
+              </a:extLst>
+            </p:cNvPr>
+            <p:cNvSpPr>
+              <a:spLocks noChangeAspect="1"/>
+            </p:cNvSpPr>
+            <p:nvPr/>
+          </p:nvSpPr>
+          <p:spPr>
+            <a:xfrm>
+              <a:off x="4863892" y="3087204"/>
+              <a:ext cx="223429" cy="182880"/>
+            </a:xfrm>
+            <a:prstGeom prst="rect">
+              <a:avLst/>
+            </a:prstGeom>
+            <a:pattFill prst="solidDmnd">
+              <a:fgClr>
+                <a:srgbClr val="7030A0"/>
+              </a:fgClr>
+              <a:bgClr>
+                <a:schemeClr val="bg1"/>
+              </a:bgClr>
+            </a:pattFill>
+            <a:ln>
+              <a:noFill/>
+            </a:ln>
+          </p:spPr>
+          <p:style>
+            <a:lnRef idx="2">
+              <a:schemeClr val="accent1">
+                <a:shade val="15000"/>
+              </a:schemeClr>
+            </a:lnRef>
+            <a:fillRef idx="1">
+              <a:schemeClr val="accent1"/>
+            </a:fillRef>
+            <a:effectRef idx="0">
+              <a:schemeClr val="accent1"/>
+            </a:effectRef>
+            <a:fontRef idx="minor">
+              <a:schemeClr val="lt1"/>
+            </a:fontRef>
+          </p:style>
+          <p:txBody>
+            <a:bodyPr rtlCol="0" anchor="ctr"/>
+            <a:lstStyle/>
+            <a:p>
+              <a:pPr algn="ctr"/>
+              <a:endParaRPr lang="en-US"/>
+            </a:p>
+          </p:txBody>
+        </p:sp>
+        <p:cxnSp>
+          <p:nvCxnSpPr>
+            <p:cNvPr id="55" name="Straight Arrow Connector 54">
+              <a:extLst>
+                <a:ext uri="{FF2B5EF4-FFF2-40B4-BE49-F238E27FC236}">
+                  <a16:creationId xmlns:a16="http://schemas.microsoft.com/office/drawing/2014/main" id="{3AFAD271-BE0E-9874-E8F0-1FE115FCF63A}"/>
+                </a:ext>
+              </a:extLst>
+            </p:cNvPr>
+            <p:cNvCxnSpPr>
+              <a:stCxn id="51" idx="0"/>
+              <a:endCxn id="20" idx="2"/>
+            </p:cNvCxnSpPr>
+            <p:nvPr/>
+          </p:nvCxnSpPr>
+          <p:spPr>
+            <a:xfrm flipV="1">
+              <a:off x="2731878" y="2743587"/>
+              <a:ext cx="242038" cy="439942"/>
+            </a:xfrm>
+            <a:prstGeom prst="straightConnector1">
+              <a:avLst/>
+            </a:prstGeom>
+            <a:ln w="28575">
+              <a:prstDash val="sysDash"/>
+              <a:headEnd type="triangle"/>
+              <a:tailEnd type="triangle"/>
+            </a:ln>
+          </p:spPr>
+          <p:style>
+            <a:lnRef idx="1">
+              <a:schemeClr val="accent1"/>
+            </a:lnRef>
+            <a:fillRef idx="0">
+              <a:schemeClr val="accent1"/>
+            </a:fillRef>
+            <a:effectRef idx="0">
+              <a:schemeClr val="accent1"/>
+            </a:effectRef>
+            <a:fontRef idx="minor">
+              <a:schemeClr val="tx1"/>
+            </a:fontRef>
+          </p:style>
+        </p:cxnSp>
+      </p:grpSp>
+      <p:sp>
+        <p:nvSpPr>
+          <p:cNvPr id="57" name="TextBox 56">
+            <a:extLst>
+              <a:ext uri="{FF2B5EF4-FFF2-40B4-BE49-F238E27FC236}">
+                <a16:creationId xmlns:a16="http://schemas.microsoft.com/office/drawing/2014/main" id="{DBE45508-6EB6-26FF-7C02-0F7B7AA5E03B}"/>
+              </a:ext>
+            </a:extLst>
+          </p:cNvPr>
+          <p:cNvSpPr txBox="1"/>
+          <p:nvPr/>
+        </p:nvSpPr>
+        <p:spPr>
+          <a:xfrm>
+            <a:off x="4190624" y="3566692"/>
+            <a:ext cx="1436675" cy="369332"/>
+          </a:xfrm>
+          <a:prstGeom prst="rect">
+            <a:avLst/>
+          </a:prstGeom>
+          <a:noFill/>
+        </p:spPr>
+        <p:txBody>
+          <a:bodyPr wrap="none" rtlCol="0">
+            <a:spAutoFit/>
+          </a:bodyPr>
+          <a:lstStyle/>
+          <a:p>
+            <a:r>
+              <a:rPr lang="en-US" dirty="0"/>
+              <a:t>Class average</a:t>
+            </a:r>
+          </a:p>
+        </p:txBody>
+      </p:sp>
+      <p:sp>
+        <p:nvSpPr>
+          <p:cNvPr id="58" name="TextBox 57">
+            <a:extLst>
+              <a:ext uri="{FF2B5EF4-FFF2-40B4-BE49-F238E27FC236}">
+                <a16:creationId xmlns:a16="http://schemas.microsoft.com/office/drawing/2014/main" id="{C1C483FF-8403-56AB-CEBB-DCDAFC832832}"/>
+              </a:ext>
+            </a:extLst>
+          </p:cNvPr>
+          <p:cNvSpPr txBox="1"/>
+          <p:nvPr/>
+        </p:nvSpPr>
+        <p:spPr>
+          <a:xfrm>
+            <a:off x="4229131" y="2596946"/>
+            <a:ext cx="966355" cy="369332"/>
+          </a:xfrm>
+          <a:prstGeom prst="rect">
+            <a:avLst/>
+          </a:prstGeom>
+          <a:noFill/>
+        </p:spPr>
+        <p:txBody>
+          <a:bodyPr wrap="none" rtlCol="0">
+            <a:spAutoFit/>
+          </a:bodyPr>
+          <a:lstStyle/>
+          <a:p>
+            <a:r>
+              <a:rPr lang="en-US" dirty="0"/>
+              <a:t>distance</a:t>
+            </a:r>
+          </a:p>
+        </p:txBody>
+      </p:sp>
+    </p:spTree>
+    <p:extLst>
+      <p:ext uri="{BB962C8B-B14F-4D97-AF65-F5344CB8AC3E}">
+        <p14:creationId xmlns:p14="http://schemas.microsoft.com/office/powerpoint/2010/main" val="4243677331"/>
       </p:ext>
     </p:extLst>
   </p:cSld>

--- a/docs/figures.pptx
+++ b/docs/figures.pptx
@@ -5,7 +5,7 @@
     <p:sldMasterId id="2147483648" r:id="rId1"/>
   </p:sldMasterIdLst>
   <p:notesMasterIdLst>
-    <p:notesMasterId r:id="rId9"/>
+    <p:notesMasterId r:id="rId10"/>
   </p:notesMasterIdLst>
   <p:sldIdLst>
     <p:sldId id="256" r:id="rId2"/>
@@ -15,6 +15,7 @@
     <p:sldId id="262" r:id="rId6"/>
     <p:sldId id="263" r:id="rId7"/>
     <p:sldId id="264" r:id="rId8"/>
+    <p:sldId id="265" r:id="rId9"/>
   </p:sldIdLst>
   <p:sldSz cx="12192000" cy="6858000"/>
   <p:notesSz cx="6858000" cy="9144000"/>
@@ -9413,6 +9414,941 @@
 </p:sld>
 </file>
 
+<file path=ppt/slides/slide8.xml><?xml version="1.0" encoding="utf-8"?>
+<p:sld xmlns:a="http://schemas.openxmlformats.org/drawingml/2006/main" xmlns:r="http://schemas.openxmlformats.org/officeDocument/2006/relationships" xmlns:p="http://schemas.openxmlformats.org/presentationml/2006/main">
+  <p:cSld>
+    <p:spTree>
+      <p:nvGrpSpPr>
+        <p:cNvPr id="1" name=""/>
+        <p:cNvGrpSpPr/>
+        <p:nvPr/>
+      </p:nvGrpSpPr>
+      <p:grpSpPr>
+        <a:xfrm>
+          <a:off x="0" y="0"/>
+          <a:ext cx="0" cy="0"/>
+          <a:chOff x="0" y="0"/>
+          <a:chExt cx="0" cy="0"/>
+        </a:xfrm>
+      </p:grpSpPr>
+      <p:sp>
+        <p:nvSpPr>
+          <p:cNvPr id="2" name="Rectangle 1">
+            <a:extLst>
+              <a:ext uri="{FF2B5EF4-FFF2-40B4-BE49-F238E27FC236}">
+                <a16:creationId xmlns:a16="http://schemas.microsoft.com/office/drawing/2014/main" id="{D10182BA-45EA-74C9-69CF-A0D26093D9EA}"/>
+              </a:ext>
+            </a:extLst>
+          </p:cNvPr>
+          <p:cNvSpPr/>
+          <p:nvPr/>
+        </p:nvSpPr>
+        <p:spPr>
+          <a:xfrm>
+            <a:off x="4240530" y="1794510"/>
+            <a:ext cx="1314450" cy="1040130"/>
+          </a:xfrm>
+          <a:prstGeom prst="rect">
+            <a:avLst/>
+          </a:prstGeom>
+          <a:solidFill>
+            <a:srgbClr val="00B050"/>
+          </a:solidFill>
+          <a:ln>
+            <a:noFill/>
+          </a:ln>
+        </p:spPr>
+        <p:style>
+          <a:lnRef idx="2">
+            <a:schemeClr val="accent1">
+              <a:shade val="15000"/>
+            </a:schemeClr>
+          </a:lnRef>
+          <a:fillRef idx="1">
+            <a:schemeClr val="accent1"/>
+          </a:fillRef>
+          <a:effectRef idx="0">
+            <a:schemeClr val="accent1"/>
+          </a:effectRef>
+          <a:fontRef idx="minor">
+            <a:schemeClr val="lt1"/>
+          </a:fontRef>
+        </p:style>
+        <p:txBody>
+          <a:bodyPr rtlCol="0" anchor="ctr"/>
+          <a:lstStyle/>
+          <a:p>
+            <a:pPr algn="ctr"/>
+            <a:r>
+              <a:rPr lang="en-US" dirty="0"/>
+              <a:t>True Positive</a:t>
+            </a:r>
+          </a:p>
+          <a:p>
+            <a:pPr algn="ctr"/>
+            <a:r>
+              <a:rPr lang="en-US" dirty="0"/>
+              <a:t>(TP)</a:t>
+            </a:r>
+          </a:p>
+        </p:txBody>
+      </p:sp>
+      <p:sp>
+        <p:nvSpPr>
+          <p:cNvPr id="3" name="Rectangle 2">
+            <a:extLst>
+              <a:ext uri="{FF2B5EF4-FFF2-40B4-BE49-F238E27FC236}">
+                <a16:creationId xmlns:a16="http://schemas.microsoft.com/office/drawing/2014/main" id="{9CD1FBC9-C989-79B2-A656-198AF19B809B}"/>
+              </a:ext>
+            </a:extLst>
+          </p:cNvPr>
+          <p:cNvSpPr/>
+          <p:nvPr/>
+        </p:nvSpPr>
+        <p:spPr>
+          <a:xfrm>
+            <a:off x="5554980" y="2834640"/>
+            <a:ext cx="1314450" cy="1040130"/>
+          </a:xfrm>
+          <a:prstGeom prst="rect">
+            <a:avLst/>
+          </a:prstGeom>
+          <a:solidFill>
+            <a:srgbClr val="00B050"/>
+          </a:solidFill>
+          <a:ln>
+            <a:noFill/>
+          </a:ln>
+        </p:spPr>
+        <p:style>
+          <a:lnRef idx="2">
+            <a:schemeClr val="accent1">
+              <a:shade val="15000"/>
+            </a:schemeClr>
+          </a:lnRef>
+          <a:fillRef idx="1">
+            <a:schemeClr val="accent1"/>
+          </a:fillRef>
+          <a:effectRef idx="0">
+            <a:schemeClr val="accent1"/>
+          </a:effectRef>
+          <a:fontRef idx="minor">
+            <a:schemeClr val="lt1"/>
+          </a:fontRef>
+        </p:style>
+        <p:txBody>
+          <a:bodyPr rtlCol="0" anchor="ctr"/>
+          <a:lstStyle/>
+          <a:p>
+            <a:pPr algn="ctr"/>
+            <a:r>
+              <a:rPr lang="en-US" dirty="0"/>
+              <a:t>True Negative</a:t>
+            </a:r>
+          </a:p>
+          <a:p>
+            <a:pPr algn="ctr"/>
+            <a:r>
+              <a:rPr lang="en-US" dirty="0"/>
+              <a:t>(TN)</a:t>
+            </a:r>
+          </a:p>
+        </p:txBody>
+      </p:sp>
+      <p:sp>
+        <p:nvSpPr>
+          <p:cNvPr id="4" name="Rectangle 3">
+            <a:extLst>
+              <a:ext uri="{FF2B5EF4-FFF2-40B4-BE49-F238E27FC236}">
+                <a16:creationId xmlns:a16="http://schemas.microsoft.com/office/drawing/2014/main" id="{86A89C83-F4E7-D232-757F-3D626B198172}"/>
+              </a:ext>
+            </a:extLst>
+          </p:cNvPr>
+          <p:cNvSpPr/>
+          <p:nvPr/>
+        </p:nvSpPr>
+        <p:spPr>
+          <a:xfrm>
+            <a:off x="5554980" y="1794510"/>
+            <a:ext cx="1314450" cy="1040130"/>
+          </a:xfrm>
+          <a:prstGeom prst="rect">
+            <a:avLst/>
+          </a:prstGeom>
+          <a:solidFill>
+            <a:srgbClr val="FF0000"/>
+          </a:solidFill>
+          <a:ln>
+            <a:noFill/>
+          </a:ln>
+        </p:spPr>
+        <p:style>
+          <a:lnRef idx="2">
+            <a:schemeClr val="accent1">
+              <a:shade val="15000"/>
+            </a:schemeClr>
+          </a:lnRef>
+          <a:fillRef idx="1">
+            <a:schemeClr val="accent1"/>
+          </a:fillRef>
+          <a:effectRef idx="0">
+            <a:schemeClr val="accent1"/>
+          </a:effectRef>
+          <a:fontRef idx="minor">
+            <a:schemeClr val="lt1"/>
+          </a:fontRef>
+        </p:style>
+        <p:txBody>
+          <a:bodyPr rtlCol="0" anchor="ctr"/>
+          <a:lstStyle/>
+          <a:p>
+            <a:pPr algn="ctr"/>
+            <a:r>
+              <a:rPr lang="en-US" dirty="0"/>
+              <a:t>False Positive</a:t>
+            </a:r>
+          </a:p>
+          <a:p>
+            <a:pPr algn="ctr"/>
+            <a:r>
+              <a:rPr lang="en-US" dirty="0"/>
+              <a:t>(FP)</a:t>
+            </a:r>
+          </a:p>
+        </p:txBody>
+      </p:sp>
+      <p:sp>
+        <p:nvSpPr>
+          <p:cNvPr id="5" name="Rectangle 4">
+            <a:extLst>
+              <a:ext uri="{FF2B5EF4-FFF2-40B4-BE49-F238E27FC236}">
+                <a16:creationId xmlns:a16="http://schemas.microsoft.com/office/drawing/2014/main" id="{E3600E62-CC98-8F06-B049-4149BDF77BCA}"/>
+              </a:ext>
+            </a:extLst>
+          </p:cNvPr>
+          <p:cNvSpPr/>
+          <p:nvPr/>
+        </p:nvSpPr>
+        <p:spPr>
+          <a:xfrm>
+            <a:off x="4240530" y="2834640"/>
+            <a:ext cx="1314450" cy="1040130"/>
+          </a:xfrm>
+          <a:prstGeom prst="rect">
+            <a:avLst/>
+          </a:prstGeom>
+          <a:solidFill>
+            <a:srgbClr val="FF0000"/>
+          </a:solidFill>
+          <a:ln>
+            <a:noFill/>
+          </a:ln>
+        </p:spPr>
+        <p:style>
+          <a:lnRef idx="2">
+            <a:schemeClr val="accent1">
+              <a:shade val="15000"/>
+            </a:schemeClr>
+          </a:lnRef>
+          <a:fillRef idx="1">
+            <a:schemeClr val="accent1"/>
+          </a:fillRef>
+          <a:effectRef idx="0">
+            <a:schemeClr val="accent1"/>
+          </a:effectRef>
+          <a:fontRef idx="minor">
+            <a:schemeClr val="lt1"/>
+          </a:fontRef>
+        </p:style>
+        <p:txBody>
+          <a:bodyPr rtlCol="0" anchor="ctr"/>
+          <a:lstStyle/>
+          <a:p>
+            <a:pPr algn="ctr"/>
+            <a:r>
+              <a:rPr lang="en-US" dirty="0"/>
+              <a:t>False Negative</a:t>
+            </a:r>
+          </a:p>
+          <a:p>
+            <a:pPr algn="ctr"/>
+            <a:r>
+              <a:rPr lang="en-US" dirty="0"/>
+              <a:t>(FN)</a:t>
+            </a:r>
+          </a:p>
+        </p:txBody>
+      </p:sp>
+      <p:sp>
+        <p:nvSpPr>
+          <p:cNvPr id="6" name="TextBox 5">
+            <a:extLst>
+              <a:ext uri="{FF2B5EF4-FFF2-40B4-BE49-F238E27FC236}">
+                <a16:creationId xmlns:a16="http://schemas.microsoft.com/office/drawing/2014/main" id="{AA009FEC-9D59-B580-4DDE-4869B5CBDD2D}"/>
+              </a:ext>
+            </a:extLst>
+          </p:cNvPr>
+          <p:cNvSpPr txBox="1"/>
+          <p:nvPr/>
+        </p:nvSpPr>
+        <p:spPr>
+          <a:xfrm>
+            <a:off x="5029200" y="1017270"/>
+            <a:ext cx="1267719" cy="400110"/>
+          </a:xfrm>
+          <a:prstGeom prst="rect">
+            <a:avLst/>
+          </a:prstGeom>
+          <a:noFill/>
+        </p:spPr>
+        <p:txBody>
+          <a:bodyPr wrap="none" rtlCol="0">
+            <a:spAutoFit/>
+          </a:bodyPr>
+          <a:lstStyle/>
+          <a:p>
+            <a:r>
+              <a:rPr lang="en-US" sz="2000" b="1" dirty="0"/>
+              <a:t>Real Label</a:t>
+            </a:r>
+          </a:p>
+        </p:txBody>
+      </p:sp>
+      <p:sp>
+        <p:nvSpPr>
+          <p:cNvPr id="7" name="TextBox 6">
+            <a:extLst>
+              <a:ext uri="{FF2B5EF4-FFF2-40B4-BE49-F238E27FC236}">
+                <a16:creationId xmlns:a16="http://schemas.microsoft.com/office/drawing/2014/main" id="{08524819-6461-D818-921C-725919482462}"/>
+              </a:ext>
+            </a:extLst>
+          </p:cNvPr>
+          <p:cNvSpPr txBox="1"/>
+          <p:nvPr/>
+        </p:nvSpPr>
+        <p:spPr>
+          <a:xfrm>
+            <a:off x="4569139" y="1394400"/>
+            <a:ext cx="562975" cy="400110"/>
+          </a:xfrm>
+          <a:prstGeom prst="rect">
+            <a:avLst/>
+          </a:prstGeom>
+          <a:noFill/>
+        </p:spPr>
+        <p:txBody>
+          <a:bodyPr wrap="none" rtlCol="0">
+            <a:spAutoFit/>
+          </a:bodyPr>
+          <a:lstStyle/>
+          <a:p>
+            <a:r>
+              <a:rPr lang="en-US" sz="2000" b="1" dirty="0"/>
+              <a:t>pos</a:t>
+            </a:r>
+          </a:p>
+        </p:txBody>
+      </p:sp>
+      <p:sp>
+        <p:nvSpPr>
+          <p:cNvPr id="8" name="TextBox 7">
+            <a:extLst>
+              <a:ext uri="{FF2B5EF4-FFF2-40B4-BE49-F238E27FC236}">
+                <a16:creationId xmlns:a16="http://schemas.microsoft.com/office/drawing/2014/main" id="{AF4FF288-1CBA-248E-FBE2-7C7E89D24762}"/>
+              </a:ext>
+            </a:extLst>
+          </p:cNvPr>
+          <p:cNvSpPr txBox="1"/>
+          <p:nvPr/>
+        </p:nvSpPr>
+        <p:spPr>
+          <a:xfrm>
+            <a:off x="5767384" y="1394400"/>
+            <a:ext cx="574196" cy="400110"/>
+          </a:xfrm>
+          <a:prstGeom prst="rect">
+            <a:avLst/>
+          </a:prstGeom>
+          <a:noFill/>
+        </p:spPr>
+        <p:txBody>
+          <a:bodyPr wrap="none" rtlCol="0">
+            <a:spAutoFit/>
+          </a:bodyPr>
+          <a:lstStyle/>
+          <a:p>
+            <a:r>
+              <a:rPr lang="en-US" sz="2000" b="1" dirty="0"/>
+              <a:t>neg</a:t>
+            </a:r>
+          </a:p>
+        </p:txBody>
+      </p:sp>
+      <p:sp>
+        <p:nvSpPr>
+          <p:cNvPr id="9" name="TextBox 8">
+            <a:extLst>
+              <a:ext uri="{FF2B5EF4-FFF2-40B4-BE49-F238E27FC236}">
+                <a16:creationId xmlns:a16="http://schemas.microsoft.com/office/drawing/2014/main" id="{1D53EDB5-81FC-B5B9-9931-4F26AC862B6A}"/>
+              </a:ext>
+            </a:extLst>
+          </p:cNvPr>
+          <p:cNvSpPr txBox="1"/>
+          <p:nvPr/>
+        </p:nvSpPr>
+        <p:spPr>
+          <a:xfrm rot="16200000">
+            <a:off x="2381250" y="2634585"/>
+            <a:ext cx="1823320" cy="400110"/>
+          </a:xfrm>
+          <a:prstGeom prst="rect">
+            <a:avLst/>
+          </a:prstGeom>
+          <a:noFill/>
+        </p:spPr>
+        <p:txBody>
+          <a:bodyPr wrap="none" rtlCol="0">
+            <a:spAutoFit/>
+          </a:bodyPr>
+          <a:lstStyle/>
+          <a:p>
+            <a:r>
+              <a:rPr lang="en-US" sz="2000" b="1" dirty="0"/>
+              <a:t>Predicted Label</a:t>
+            </a:r>
+          </a:p>
+        </p:txBody>
+      </p:sp>
+      <p:sp>
+        <p:nvSpPr>
+          <p:cNvPr id="10" name="TextBox 9">
+            <a:extLst>
+              <a:ext uri="{FF2B5EF4-FFF2-40B4-BE49-F238E27FC236}">
+                <a16:creationId xmlns:a16="http://schemas.microsoft.com/office/drawing/2014/main" id="{AAF194FA-DD76-0745-3FA4-ED64105D7C6E}"/>
+              </a:ext>
+            </a:extLst>
+          </p:cNvPr>
+          <p:cNvSpPr txBox="1"/>
+          <p:nvPr/>
+        </p:nvSpPr>
+        <p:spPr>
+          <a:xfrm>
+            <a:off x="3553775" y="2114520"/>
+            <a:ext cx="562975" cy="400110"/>
+          </a:xfrm>
+          <a:prstGeom prst="rect">
+            <a:avLst/>
+          </a:prstGeom>
+          <a:noFill/>
+        </p:spPr>
+        <p:txBody>
+          <a:bodyPr wrap="none" rtlCol="0">
+            <a:spAutoFit/>
+          </a:bodyPr>
+          <a:lstStyle/>
+          <a:p>
+            <a:r>
+              <a:rPr lang="en-US" sz="2000" b="1" dirty="0"/>
+              <a:t>pos</a:t>
+            </a:r>
+          </a:p>
+        </p:txBody>
+      </p:sp>
+      <p:sp>
+        <p:nvSpPr>
+          <p:cNvPr id="11" name="TextBox 10">
+            <a:extLst>
+              <a:ext uri="{FF2B5EF4-FFF2-40B4-BE49-F238E27FC236}">
+                <a16:creationId xmlns:a16="http://schemas.microsoft.com/office/drawing/2014/main" id="{42DC3798-8C5C-8019-A8B4-2B03494157BE}"/>
+              </a:ext>
+            </a:extLst>
+          </p:cNvPr>
+          <p:cNvSpPr txBox="1"/>
+          <p:nvPr/>
+        </p:nvSpPr>
+        <p:spPr>
+          <a:xfrm>
+            <a:off x="3448305" y="3154650"/>
+            <a:ext cx="574196" cy="400110"/>
+          </a:xfrm>
+          <a:prstGeom prst="rect">
+            <a:avLst/>
+          </a:prstGeom>
+          <a:noFill/>
+        </p:spPr>
+        <p:txBody>
+          <a:bodyPr wrap="none" rtlCol="0">
+            <a:spAutoFit/>
+          </a:bodyPr>
+          <a:lstStyle/>
+          <a:p>
+            <a:r>
+              <a:rPr lang="en-US" sz="2000" b="1" dirty="0"/>
+              <a:t>neg</a:t>
+            </a:r>
+          </a:p>
+        </p:txBody>
+      </p:sp>
+      <mc:AlternateContent xmlns:mc="http://schemas.openxmlformats.org/markup-compatibility/2006">
+        <mc:Choice xmlns:a14="http://schemas.microsoft.com/office/drawing/2010/main" Requires="a14">
+          <p:sp>
+            <p:nvSpPr>
+              <p:cNvPr id="12" name="TextBox 11">
+                <a:extLst>
+                  <a:ext uri="{FF2B5EF4-FFF2-40B4-BE49-F238E27FC236}">
+                    <a16:creationId xmlns:a16="http://schemas.microsoft.com/office/drawing/2014/main" id="{4A2F7CD8-388B-7A73-8EA3-1295419022CB}"/>
+                  </a:ext>
+                </a:extLst>
+              </p:cNvPr>
+              <p:cNvSpPr txBox="1"/>
+              <p:nvPr/>
+            </p:nvSpPr>
+            <p:spPr>
+              <a:xfrm>
+                <a:off x="3988211" y="4913560"/>
+                <a:ext cx="2661049" cy="276999"/>
+              </a:xfrm>
+              <a:prstGeom prst="rect">
+                <a:avLst/>
+              </a:prstGeom>
+              <a:noFill/>
+            </p:spPr>
+            <p:txBody>
+              <a:bodyPr wrap="none" lIns="0" tIns="0" rIns="0" bIns="0" rtlCol="0">
+                <a:spAutoFit/>
+              </a:bodyPr>
+              <a:lstStyle/>
+              <a:p>
+                <a14:m>
+                  <m:oMathPara xmlns:m="http://schemas.openxmlformats.org/officeDocument/2006/math">
+                    <m:oMathParaPr>
+                      <m:jc m:val="centerGroup"/>
+                    </m:oMathParaPr>
+                    <m:oMath xmlns:m="http://schemas.openxmlformats.org/officeDocument/2006/math">
+                      <m:r>
+                        <a:rPr lang="en-US" b="0" i="1" smtClean="0">
+                          <a:latin typeface="Cambria Math" panose="02040503050406030204" pitchFamily="18" charset="0"/>
+                        </a:rPr>
+                        <m:t>𝑝𝑒𝑐𝑖𝑠𝑖𝑜𝑛</m:t>
+                      </m:r>
+                      <m:r>
+                        <a:rPr lang="en-US" b="0" i="1" smtClean="0">
+                          <a:latin typeface="Cambria Math" panose="02040503050406030204" pitchFamily="18" charset="0"/>
+                        </a:rPr>
+                        <m:t>=</m:t>
+                      </m:r>
+                      <m:r>
+                        <a:rPr lang="en-US" b="0" i="1" smtClean="0">
+                          <a:latin typeface="Cambria Math" panose="02040503050406030204" pitchFamily="18" charset="0"/>
+                        </a:rPr>
+                        <m:t>𝑇𝑃</m:t>
+                      </m:r>
+                      <m:r>
+                        <a:rPr lang="en-US" b="0" i="1" smtClean="0">
+                          <a:latin typeface="Cambria Math" panose="02040503050406030204" pitchFamily="18" charset="0"/>
+                        </a:rPr>
+                        <m:t>/(</m:t>
+                      </m:r>
+                      <m:r>
+                        <a:rPr lang="en-US" b="0" i="1" smtClean="0">
+                          <a:latin typeface="Cambria Math" panose="02040503050406030204" pitchFamily="18" charset="0"/>
+                        </a:rPr>
+                        <m:t>𝑇𝑃</m:t>
+                      </m:r>
+                      <m:r>
+                        <a:rPr lang="en-US" b="0" i="1" smtClean="0">
+                          <a:latin typeface="Cambria Math" panose="02040503050406030204" pitchFamily="18" charset="0"/>
+                        </a:rPr>
+                        <m:t>+</m:t>
+                      </m:r>
+                      <m:r>
+                        <a:rPr lang="en-US" b="0" i="1" smtClean="0">
+                          <a:latin typeface="Cambria Math" panose="02040503050406030204" pitchFamily="18" charset="0"/>
+                        </a:rPr>
+                        <m:t>𝐹𝑃</m:t>
+                      </m:r>
+                      <m:r>
+                        <a:rPr lang="en-US" b="0" i="1" smtClean="0">
+                          <a:latin typeface="Cambria Math" panose="02040503050406030204" pitchFamily="18" charset="0"/>
+                        </a:rPr>
+                        <m:t>)</m:t>
+                      </m:r>
+                    </m:oMath>
+                  </m:oMathPara>
+                </a14:m>
+                <a:endParaRPr lang="en-US" dirty="0"/>
+              </a:p>
+            </p:txBody>
+          </p:sp>
+        </mc:Choice>
+        <mc:Fallback>
+          <p:sp>
+            <p:nvSpPr>
+              <p:cNvPr id="12" name="TextBox 11">
+                <a:extLst>
+                  <a:ext uri="{FF2B5EF4-FFF2-40B4-BE49-F238E27FC236}">
+                    <a16:creationId xmlns:a16="http://schemas.microsoft.com/office/drawing/2014/main" id="{4A2F7CD8-388B-7A73-8EA3-1295419022CB}"/>
+                  </a:ext>
+                </a:extLst>
+              </p:cNvPr>
+              <p:cNvSpPr txBox="1">
+                <a:spLocks noRot="1" noChangeAspect="1" noMove="1" noResize="1" noEditPoints="1" noAdjustHandles="1" noChangeArrowheads="1" noChangeShapeType="1" noTextEdit="1"/>
+              </p:cNvSpPr>
+              <p:nvPr/>
+            </p:nvSpPr>
+            <p:spPr>
+              <a:xfrm>
+                <a:off x="3988211" y="4913560"/>
+                <a:ext cx="2661049" cy="276999"/>
+              </a:xfrm>
+              <a:prstGeom prst="rect">
+                <a:avLst/>
+              </a:prstGeom>
+              <a:blipFill>
+                <a:blip r:embed="rId2"/>
+                <a:stretch>
+                  <a:fillRect l="-2370" r="-2844" b="-34783"/>
+                </a:stretch>
+              </a:blipFill>
+            </p:spPr>
+            <p:txBody>
+              <a:bodyPr/>
+              <a:lstStyle/>
+              <a:p>
+                <a:r>
+                  <a:rPr lang="en-US">
+                    <a:noFill/>
+                  </a:rPr>
+                  <a:t> </a:t>
+                </a:r>
+              </a:p>
+            </p:txBody>
+          </p:sp>
+        </mc:Fallback>
+      </mc:AlternateContent>
+      <mc:AlternateContent xmlns:mc="http://schemas.openxmlformats.org/markup-compatibility/2006">
+        <mc:Choice xmlns:a14="http://schemas.microsoft.com/office/drawing/2010/main" Requires="a14">
+          <p:sp>
+            <p:nvSpPr>
+              <p:cNvPr id="13" name="TextBox 12">
+                <a:extLst>
+                  <a:ext uri="{FF2B5EF4-FFF2-40B4-BE49-F238E27FC236}">
+                    <a16:creationId xmlns:a16="http://schemas.microsoft.com/office/drawing/2014/main" id="{F745C435-DD98-CD9E-4F3E-D2E1679D0F2D}"/>
+                  </a:ext>
+                </a:extLst>
+              </p:cNvPr>
+              <p:cNvSpPr txBox="1"/>
+              <p:nvPr/>
+            </p:nvSpPr>
+            <p:spPr>
+              <a:xfrm>
+                <a:off x="3988211" y="4564915"/>
+                <a:ext cx="2528128" cy="276999"/>
+              </a:xfrm>
+              <a:prstGeom prst="rect">
+                <a:avLst/>
+              </a:prstGeom>
+              <a:noFill/>
+            </p:spPr>
+            <p:txBody>
+              <a:bodyPr wrap="none" lIns="0" tIns="0" rIns="0" bIns="0" rtlCol="0">
+                <a:spAutoFit/>
+              </a:bodyPr>
+              <a:lstStyle/>
+              <a:p>
+                <a14:m>
+                  <m:oMathPara xmlns:m="http://schemas.openxmlformats.org/officeDocument/2006/math">
+                    <m:oMathParaPr>
+                      <m:jc m:val="centerGroup"/>
+                    </m:oMathParaPr>
+                    <m:oMath xmlns:m="http://schemas.openxmlformats.org/officeDocument/2006/math">
+                      <m:r>
+                        <a:rPr lang="en-US" b="0" i="1" smtClean="0">
+                          <a:latin typeface="Cambria Math" panose="02040503050406030204" pitchFamily="18" charset="0"/>
+                        </a:rPr>
+                        <m:t>𝑟𝑒𝑐𝑎𝑙𝑙</m:t>
+                      </m:r>
+                      <m:r>
+                        <a:rPr lang="en-US" b="0" i="1" smtClean="0">
+                          <a:latin typeface="Cambria Math" panose="02040503050406030204" pitchFamily="18" charset="0"/>
+                        </a:rPr>
+                        <m:t>=</m:t>
+                      </m:r>
+                      <m:r>
+                        <a:rPr lang="en-US" b="0" i="1" smtClean="0">
+                          <a:latin typeface="Cambria Math" panose="02040503050406030204" pitchFamily="18" charset="0"/>
+                        </a:rPr>
+                        <m:t>𝑇𝑃</m:t>
+                      </m:r>
+                      <m:r>
+                        <a:rPr lang="en-US" b="0" i="1" smtClean="0">
+                          <a:latin typeface="Cambria Math" panose="02040503050406030204" pitchFamily="18" charset="0"/>
+                        </a:rPr>
+                        <m:t>/(</m:t>
+                      </m:r>
+                      <m:r>
+                        <a:rPr lang="en-US" b="0" i="1" smtClean="0">
+                          <a:latin typeface="Cambria Math" panose="02040503050406030204" pitchFamily="18" charset="0"/>
+                        </a:rPr>
+                        <m:t>𝑇𝑃</m:t>
+                      </m:r>
+                      <m:r>
+                        <a:rPr lang="en-US" b="0" i="1" smtClean="0">
+                          <a:latin typeface="Cambria Math" panose="02040503050406030204" pitchFamily="18" charset="0"/>
+                        </a:rPr>
+                        <m:t>+</m:t>
+                      </m:r>
+                      <m:r>
+                        <a:rPr lang="en-US" b="0" i="1" smtClean="0">
+                          <a:latin typeface="Cambria Math" panose="02040503050406030204" pitchFamily="18" charset="0"/>
+                        </a:rPr>
+                        <m:t>𝐹𝑁</m:t>
+                      </m:r>
+                      <m:r>
+                        <a:rPr lang="en-US" b="0" i="1" smtClean="0">
+                          <a:latin typeface="Cambria Math" panose="02040503050406030204" pitchFamily="18" charset="0"/>
+                        </a:rPr>
+                        <m:t>)</m:t>
+                      </m:r>
+                    </m:oMath>
+                  </m:oMathPara>
+                </a14:m>
+                <a:endParaRPr lang="en-US" dirty="0"/>
+              </a:p>
+            </p:txBody>
+          </p:sp>
+        </mc:Choice>
+        <mc:Fallback>
+          <p:sp>
+            <p:nvSpPr>
+              <p:cNvPr id="13" name="TextBox 12">
+                <a:extLst>
+                  <a:ext uri="{FF2B5EF4-FFF2-40B4-BE49-F238E27FC236}">
+                    <a16:creationId xmlns:a16="http://schemas.microsoft.com/office/drawing/2014/main" id="{F745C435-DD98-CD9E-4F3E-D2E1679D0F2D}"/>
+                  </a:ext>
+                </a:extLst>
+              </p:cNvPr>
+              <p:cNvSpPr txBox="1">
+                <a:spLocks noRot="1" noChangeAspect="1" noMove="1" noResize="1" noEditPoints="1" noAdjustHandles="1" noChangeArrowheads="1" noChangeShapeType="1" noTextEdit="1"/>
+              </p:cNvSpPr>
+              <p:nvPr/>
+            </p:nvSpPr>
+            <p:spPr>
+              <a:xfrm>
+                <a:off x="3988211" y="4564915"/>
+                <a:ext cx="2528128" cy="276999"/>
+              </a:xfrm>
+              <a:prstGeom prst="rect">
+                <a:avLst/>
+              </a:prstGeom>
+              <a:blipFill>
+                <a:blip r:embed="rId3"/>
+                <a:stretch>
+                  <a:fillRect r="-995" b="-34783"/>
+                </a:stretch>
+              </a:blipFill>
+            </p:spPr>
+            <p:txBody>
+              <a:bodyPr/>
+              <a:lstStyle/>
+              <a:p>
+                <a:r>
+                  <a:rPr lang="en-US">
+                    <a:noFill/>
+                  </a:rPr>
+                  <a:t> </a:t>
+                </a:r>
+              </a:p>
+            </p:txBody>
+          </p:sp>
+        </mc:Fallback>
+      </mc:AlternateContent>
+      <mc:AlternateContent xmlns:mc="http://schemas.openxmlformats.org/markup-compatibility/2006">
+        <mc:Choice xmlns:a14="http://schemas.microsoft.com/office/drawing/2010/main" Requires="a14">
+          <p:sp>
+            <p:nvSpPr>
+              <p:cNvPr id="14" name="TextBox 13">
+                <a:extLst>
+                  <a:ext uri="{FF2B5EF4-FFF2-40B4-BE49-F238E27FC236}">
+                    <a16:creationId xmlns:a16="http://schemas.microsoft.com/office/drawing/2014/main" id="{5D9824B9-8830-FB13-9551-EBFA86BD012B}"/>
+                  </a:ext>
+                </a:extLst>
+              </p:cNvPr>
+              <p:cNvSpPr txBox="1"/>
+              <p:nvPr/>
+            </p:nvSpPr>
+            <p:spPr>
+              <a:xfrm>
+                <a:off x="3988211" y="4216270"/>
+                <a:ext cx="4705775" cy="276999"/>
+              </a:xfrm>
+              <a:prstGeom prst="rect">
+                <a:avLst/>
+              </a:prstGeom>
+              <a:noFill/>
+            </p:spPr>
+            <p:txBody>
+              <a:bodyPr wrap="none" lIns="0" tIns="0" rIns="0" bIns="0" rtlCol="0">
+                <a:spAutoFit/>
+              </a:bodyPr>
+              <a:lstStyle/>
+              <a:p>
+                <a14:m>
+                  <m:oMathPara xmlns:m="http://schemas.openxmlformats.org/officeDocument/2006/math">
+                    <m:oMathParaPr>
+                      <m:jc m:val="centerGroup"/>
+                    </m:oMathParaPr>
+                    <m:oMath xmlns:m="http://schemas.openxmlformats.org/officeDocument/2006/math">
+                      <m:r>
+                        <a:rPr lang="en-US" b="0" i="1" smtClean="0">
+                          <a:latin typeface="Cambria Math" panose="02040503050406030204" pitchFamily="18" charset="0"/>
+                        </a:rPr>
+                        <m:t>𝑎𝑐𝑐𝑢𝑟𝑎𝑐𝑦</m:t>
+                      </m:r>
+                      <m:r>
+                        <a:rPr lang="en-US" b="0" i="1" smtClean="0">
+                          <a:latin typeface="Cambria Math" panose="02040503050406030204" pitchFamily="18" charset="0"/>
+                        </a:rPr>
+                        <m:t>=(</m:t>
+                      </m:r>
+                      <m:r>
+                        <a:rPr lang="en-US" b="0" i="1" smtClean="0">
+                          <a:latin typeface="Cambria Math" panose="02040503050406030204" pitchFamily="18" charset="0"/>
+                        </a:rPr>
+                        <m:t>𝑇𝑃</m:t>
+                      </m:r>
+                      <m:r>
+                        <a:rPr lang="en-US" b="0" i="1" smtClean="0">
+                          <a:latin typeface="Cambria Math" panose="02040503050406030204" pitchFamily="18" charset="0"/>
+                        </a:rPr>
+                        <m:t>+</m:t>
+                      </m:r>
+                      <m:r>
+                        <a:rPr lang="en-US" b="0" i="1" smtClean="0">
+                          <a:latin typeface="Cambria Math" panose="02040503050406030204" pitchFamily="18" charset="0"/>
+                        </a:rPr>
+                        <m:t>𝑇𝑁</m:t>
+                      </m:r>
+                      <m:r>
+                        <a:rPr lang="en-US" b="0" i="1" smtClean="0">
+                          <a:latin typeface="Cambria Math" panose="02040503050406030204" pitchFamily="18" charset="0"/>
+                        </a:rPr>
+                        <m:t>)/(</m:t>
+                      </m:r>
+                      <m:r>
+                        <a:rPr lang="en-US" b="0" i="1" smtClean="0">
+                          <a:latin typeface="Cambria Math" panose="02040503050406030204" pitchFamily="18" charset="0"/>
+                        </a:rPr>
+                        <m:t>𝑇𝑃</m:t>
+                      </m:r>
+                      <m:r>
+                        <a:rPr lang="en-US" b="0" i="1" smtClean="0">
+                          <a:latin typeface="Cambria Math" panose="02040503050406030204" pitchFamily="18" charset="0"/>
+                        </a:rPr>
+                        <m:t>+</m:t>
+                      </m:r>
+                      <m:r>
+                        <a:rPr lang="en-US" b="0" i="1" smtClean="0">
+                          <a:latin typeface="Cambria Math" panose="02040503050406030204" pitchFamily="18" charset="0"/>
+                        </a:rPr>
+                        <m:t>𝐹𝑃</m:t>
+                      </m:r>
+                      <m:r>
+                        <a:rPr lang="en-US" b="0" i="1" smtClean="0">
+                          <a:latin typeface="Cambria Math" panose="02040503050406030204" pitchFamily="18" charset="0"/>
+                        </a:rPr>
+                        <m:t>+</m:t>
+                      </m:r>
+                      <m:r>
+                        <a:rPr lang="en-US" b="0" i="1" smtClean="0">
+                          <a:latin typeface="Cambria Math" panose="02040503050406030204" pitchFamily="18" charset="0"/>
+                        </a:rPr>
+                        <m:t>𝐹𝑁</m:t>
+                      </m:r>
+                      <m:r>
+                        <a:rPr lang="en-US" b="0" i="1" smtClean="0">
+                          <a:latin typeface="Cambria Math" panose="02040503050406030204" pitchFamily="18" charset="0"/>
+                        </a:rPr>
+                        <m:t>+</m:t>
+                      </m:r>
+                      <m:r>
+                        <a:rPr lang="en-US" b="0" i="1" smtClean="0">
+                          <a:latin typeface="Cambria Math" panose="02040503050406030204" pitchFamily="18" charset="0"/>
+                        </a:rPr>
+                        <m:t>𝑇𝑁</m:t>
+                      </m:r>
+                      <m:r>
+                        <a:rPr lang="en-US" b="0" i="1" smtClean="0">
+                          <a:latin typeface="Cambria Math" panose="02040503050406030204" pitchFamily="18" charset="0"/>
+                        </a:rPr>
+                        <m:t>)</m:t>
+                      </m:r>
+                    </m:oMath>
+                  </m:oMathPara>
+                </a14:m>
+                <a:endParaRPr lang="en-US" dirty="0"/>
+              </a:p>
+            </p:txBody>
+          </p:sp>
+        </mc:Choice>
+        <mc:Fallback>
+          <p:sp>
+            <p:nvSpPr>
+              <p:cNvPr id="14" name="TextBox 13">
+                <a:extLst>
+                  <a:ext uri="{FF2B5EF4-FFF2-40B4-BE49-F238E27FC236}">
+                    <a16:creationId xmlns:a16="http://schemas.microsoft.com/office/drawing/2014/main" id="{5D9824B9-8830-FB13-9551-EBFA86BD012B}"/>
+                  </a:ext>
+                </a:extLst>
+              </p:cNvPr>
+              <p:cNvSpPr txBox="1">
+                <a:spLocks noRot="1" noChangeAspect="1" noMove="1" noResize="1" noEditPoints="1" noAdjustHandles="1" noChangeArrowheads="1" noChangeShapeType="1" noTextEdit="1"/>
+              </p:cNvSpPr>
+              <p:nvPr/>
+            </p:nvSpPr>
+            <p:spPr>
+              <a:xfrm>
+                <a:off x="3988211" y="4216270"/>
+                <a:ext cx="4705775" cy="276999"/>
+              </a:xfrm>
+              <a:prstGeom prst="rect">
+                <a:avLst/>
+              </a:prstGeom>
+              <a:blipFill>
+                <a:blip r:embed="rId4"/>
+                <a:stretch>
+                  <a:fillRect l="-538" t="-4545" r="-1344" b="-36364"/>
+                </a:stretch>
+              </a:blipFill>
+            </p:spPr>
+            <p:txBody>
+              <a:bodyPr/>
+              <a:lstStyle/>
+              <a:p>
+                <a:r>
+                  <a:rPr lang="en-US">
+                    <a:noFill/>
+                  </a:rPr>
+                  <a:t> </a:t>
+                </a:r>
+              </a:p>
+            </p:txBody>
+          </p:sp>
+        </mc:Fallback>
+      </mc:AlternateContent>
+    </p:spTree>
+    <p:extLst>
+      <p:ext uri="{BB962C8B-B14F-4D97-AF65-F5344CB8AC3E}">
+        <p14:creationId xmlns:p14="http://schemas.microsoft.com/office/powerpoint/2010/main" val="1724601068"/>
+      </p:ext>
+    </p:extLst>
+  </p:cSld>
+  <p:clrMapOvr>
+    <a:masterClrMapping/>
+  </p:clrMapOvr>
+</p:sld>
+</file>
+
 <file path=ppt/theme/theme1.xml><?xml version="1.0" encoding="utf-8"?>
 <a:theme xmlns:a="http://schemas.openxmlformats.org/drawingml/2006/main" name="Office Theme">
   <a:themeElements>

--- a/docs/figures.pptx
+++ b/docs/figures.pptx
@@ -5,7 +5,7 @@
     <p:sldMasterId id="2147483648" r:id="rId1"/>
   </p:sldMasterIdLst>
   <p:notesMasterIdLst>
-    <p:notesMasterId r:id="rId10"/>
+    <p:notesMasterId r:id="rId11"/>
   </p:notesMasterIdLst>
   <p:sldIdLst>
     <p:sldId id="256" r:id="rId2"/>
@@ -16,6 +16,7 @@
     <p:sldId id="263" r:id="rId7"/>
     <p:sldId id="264" r:id="rId8"/>
     <p:sldId id="265" r:id="rId9"/>
+    <p:sldId id="266" r:id="rId10"/>
   </p:sldIdLst>
   <p:sldSz cx="12192000" cy="6858000"/>
   <p:notesSz cx="6858000" cy="9144000"/>
@@ -10349,6 +10350,615 @@
 </p:sld>
 </file>
 
+<file path=ppt/slides/slide9.xml><?xml version="1.0" encoding="utf-8"?>
+<p:sld xmlns:a="http://schemas.openxmlformats.org/drawingml/2006/main" xmlns:r="http://schemas.openxmlformats.org/officeDocument/2006/relationships" xmlns:p="http://schemas.openxmlformats.org/presentationml/2006/main">
+  <p:cSld>
+    <p:spTree>
+      <p:nvGrpSpPr>
+        <p:cNvPr id="1" name=""/>
+        <p:cNvGrpSpPr/>
+        <p:nvPr/>
+      </p:nvGrpSpPr>
+      <p:grpSpPr>
+        <a:xfrm>
+          <a:off x="0" y="0"/>
+          <a:ext cx="0" cy="0"/>
+          <a:chOff x="0" y="0"/>
+          <a:chExt cx="0" cy="0"/>
+        </a:xfrm>
+      </p:grpSpPr>
+      <p:pic>
+        <p:nvPicPr>
+          <p:cNvPr id="3" name="Picture 2">
+            <a:extLst>
+              <a:ext uri="{FF2B5EF4-FFF2-40B4-BE49-F238E27FC236}">
+                <a16:creationId xmlns:a16="http://schemas.microsoft.com/office/drawing/2014/main" id="{DB5B5F0B-02C2-A7B9-326F-EBC56B8CA915}"/>
+              </a:ext>
+            </a:extLst>
+          </p:cNvPr>
+          <p:cNvPicPr>
+            <a:picLocks noChangeAspect="1"/>
+          </p:cNvPicPr>
+          <p:nvPr/>
+        </p:nvPicPr>
+        <p:blipFill>
+          <a:blip r:embed="rId2"/>
+          <a:stretch>
+            <a:fillRect/>
+          </a:stretch>
+        </p:blipFill>
+        <p:spPr>
+          <a:xfrm>
+            <a:off x="6929120" y="1474960"/>
+            <a:ext cx="368300" cy="355600"/>
+          </a:xfrm>
+          <a:prstGeom prst="rect">
+            <a:avLst/>
+          </a:prstGeom>
+        </p:spPr>
+      </p:pic>
+      <p:pic>
+        <p:nvPicPr>
+          <p:cNvPr id="5" name="Picture 4">
+            <a:extLst>
+              <a:ext uri="{FF2B5EF4-FFF2-40B4-BE49-F238E27FC236}">
+                <a16:creationId xmlns:a16="http://schemas.microsoft.com/office/drawing/2014/main" id="{069BFA5D-7B50-AED8-8439-47F6BAF4E358}"/>
+              </a:ext>
+            </a:extLst>
+          </p:cNvPr>
+          <p:cNvPicPr>
+            <a:picLocks noChangeAspect="1"/>
+          </p:cNvPicPr>
+          <p:nvPr/>
+        </p:nvPicPr>
+        <p:blipFill>
+          <a:blip r:embed="rId3"/>
+          <a:stretch>
+            <a:fillRect/>
+          </a:stretch>
+        </p:blipFill>
+        <p:spPr>
+          <a:xfrm>
+            <a:off x="7516000" y="1474960"/>
+            <a:ext cx="279400" cy="355600"/>
+          </a:xfrm>
+          <a:prstGeom prst="rect">
+            <a:avLst/>
+          </a:prstGeom>
+        </p:spPr>
+      </p:pic>
+      <p:pic>
+        <p:nvPicPr>
+          <p:cNvPr id="7" name="Picture 6">
+            <a:extLst>
+              <a:ext uri="{FF2B5EF4-FFF2-40B4-BE49-F238E27FC236}">
+                <a16:creationId xmlns:a16="http://schemas.microsoft.com/office/drawing/2014/main" id="{4CD8291B-86D7-E41F-73AC-FC9FF95B0521}"/>
+              </a:ext>
+            </a:extLst>
+          </p:cNvPr>
+          <p:cNvPicPr>
+            <a:picLocks noChangeAspect="1"/>
+          </p:cNvPicPr>
+          <p:nvPr/>
+        </p:nvPicPr>
+        <p:blipFill>
+          <a:blip r:embed="rId4"/>
+          <a:stretch>
+            <a:fillRect/>
+          </a:stretch>
+        </p:blipFill>
+        <p:spPr>
+          <a:xfrm>
+            <a:off x="8013980" y="1487660"/>
+            <a:ext cx="254000" cy="330200"/>
+          </a:xfrm>
+          <a:prstGeom prst="rect">
+            <a:avLst/>
+          </a:prstGeom>
+        </p:spPr>
+      </p:pic>
+      <p:pic>
+        <p:nvPicPr>
+          <p:cNvPr id="9" name="Picture 8">
+            <a:extLst>
+              <a:ext uri="{FF2B5EF4-FFF2-40B4-BE49-F238E27FC236}">
+                <a16:creationId xmlns:a16="http://schemas.microsoft.com/office/drawing/2014/main" id="{1C18E917-2D0A-8A28-BD62-F5B1DB4B8CA3}"/>
+              </a:ext>
+            </a:extLst>
+          </p:cNvPr>
+          <p:cNvPicPr>
+            <a:picLocks noChangeAspect="1"/>
+          </p:cNvPicPr>
+          <p:nvPr/>
+        </p:nvPicPr>
+        <p:blipFill>
+          <a:blip r:embed="rId5"/>
+          <a:stretch>
+            <a:fillRect/>
+          </a:stretch>
+        </p:blipFill>
+        <p:spPr>
+          <a:xfrm>
+            <a:off x="8486560" y="1500360"/>
+            <a:ext cx="355600" cy="304800"/>
+          </a:xfrm>
+          <a:prstGeom prst="rect">
+            <a:avLst/>
+          </a:prstGeom>
+        </p:spPr>
+      </p:pic>
+      <p:pic>
+        <p:nvPicPr>
+          <p:cNvPr id="11" name="Picture 10">
+            <a:extLst>
+              <a:ext uri="{FF2B5EF4-FFF2-40B4-BE49-F238E27FC236}">
+                <a16:creationId xmlns:a16="http://schemas.microsoft.com/office/drawing/2014/main" id="{3B34155D-F51A-4EAA-114C-839AE60B6D14}"/>
+              </a:ext>
+            </a:extLst>
+          </p:cNvPr>
+          <p:cNvPicPr>
+            <a:picLocks noChangeAspect="1"/>
+          </p:cNvPicPr>
+          <p:nvPr/>
+        </p:nvPicPr>
+        <p:blipFill>
+          <a:blip r:embed="rId6"/>
+          <a:stretch>
+            <a:fillRect/>
+          </a:stretch>
+        </p:blipFill>
+        <p:spPr>
+          <a:xfrm>
+            <a:off x="9060740" y="1481310"/>
+            <a:ext cx="368300" cy="342900"/>
+          </a:xfrm>
+          <a:prstGeom prst="rect">
+            <a:avLst/>
+          </a:prstGeom>
+        </p:spPr>
+      </p:pic>
+      <p:sp>
+        <p:nvSpPr>
+          <p:cNvPr id="14" name="TextBox 13">
+            <a:extLst>
+              <a:ext uri="{FF2B5EF4-FFF2-40B4-BE49-F238E27FC236}">
+                <a16:creationId xmlns:a16="http://schemas.microsoft.com/office/drawing/2014/main" id="{C5FED602-29EA-6F42-4257-7D3971D4F651}"/>
+              </a:ext>
+            </a:extLst>
+          </p:cNvPr>
+          <p:cNvSpPr txBox="1"/>
+          <p:nvPr/>
+        </p:nvSpPr>
+        <p:spPr>
+          <a:xfrm>
+            <a:off x="1131570" y="675486"/>
+            <a:ext cx="4790094" cy="461665"/>
+          </a:xfrm>
+          <a:prstGeom prst="rect">
+            <a:avLst/>
+          </a:prstGeom>
+          <a:noFill/>
+        </p:spPr>
+        <p:txBody>
+          <a:bodyPr wrap="none" rtlCol="0">
+            <a:spAutoFit/>
+          </a:bodyPr>
+          <a:lstStyle/>
+          <a:p>
+            <a:r>
+              <a:rPr lang="en-US" sz="2400" b="1" dirty="0"/>
+              <a:t>Query: Find all zeroes in this corpus.</a:t>
+            </a:r>
+          </a:p>
+        </p:txBody>
+      </p:sp>
+      <p:pic>
+        <p:nvPicPr>
+          <p:cNvPr id="16" name="Picture 15">
+            <a:extLst>
+              <a:ext uri="{FF2B5EF4-FFF2-40B4-BE49-F238E27FC236}">
+                <a16:creationId xmlns:a16="http://schemas.microsoft.com/office/drawing/2014/main" id="{99B3F919-C5A1-68F9-574F-972EBC375253}"/>
+              </a:ext>
+            </a:extLst>
+          </p:cNvPr>
+          <p:cNvPicPr>
+            <a:picLocks noChangeAspect="1"/>
+          </p:cNvPicPr>
+          <p:nvPr/>
+        </p:nvPicPr>
+        <p:blipFill>
+          <a:blip r:embed="rId7"/>
+          <a:stretch>
+            <a:fillRect/>
+          </a:stretch>
+        </p:blipFill>
+        <p:spPr>
+          <a:xfrm>
+            <a:off x="1001255" y="1424486"/>
+            <a:ext cx="5109210" cy="3075544"/>
+          </a:xfrm>
+          <a:prstGeom prst="rect">
+            <a:avLst/>
+          </a:prstGeom>
+        </p:spPr>
+      </p:pic>
+      <p:sp>
+        <p:nvSpPr>
+          <p:cNvPr id="17" name="TextBox 16">
+            <a:extLst>
+              <a:ext uri="{FF2B5EF4-FFF2-40B4-BE49-F238E27FC236}">
+                <a16:creationId xmlns:a16="http://schemas.microsoft.com/office/drawing/2014/main" id="{DE6642E5-726A-F556-2800-E6B6E5444DD4}"/>
+              </a:ext>
+            </a:extLst>
+          </p:cNvPr>
+          <p:cNvSpPr txBox="1"/>
+          <p:nvPr/>
+        </p:nvSpPr>
+        <p:spPr>
+          <a:xfrm>
+            <a:off x="7029450" y="675486"/>
+            <a:ext cx="1837426" cy="461665"/>
+          </a:xfrm>
+          <a:prstGeom prst="rect">
+            <a:avLst/>
+          </a:prstGeom>
+          <a:noFill/>
+        </p:spPr>
+        <p:txBody>
+          <a:bodyPr wrap="none" rtlCol="0">
+            <a:spAutoFit/>
+          </a:bodyPr>
+          <a:lstStyle/>
+          <a:p>
+            <a:r>
+              <a:rPr lang="en-US" sz="2400" b="1" dirty="0"/>
+              <a:t>Query Result</a:t>
+            </a:r>
+          </a:p>
+        </p:txBody>
+      </p:sp>
+      <p:sp>
+        <p:nvSpPr>
+          <p:cNvPr id="18" name="Rectangle 17">
+            <a:extLst>
+              <a:ext uri="{FF2B5EF4-FFF2-40B4-BE49-F238E27FC236}">
+                <a16:creationId xmlns:a16="http://schemas.microsoft.com/office/drawing/2014/main" id="{3A1BADBE-3E4B-4001-D8ED-768ADA1FBEE7}"/>
+              </a:ext>
+            </a:extLst>
+          </p:cNvPr>
+          <p:cNvSpPr/>
+          <p:nvPr/>
+        </p:nvSpPr>
+        <p:spPr>
+          <a:xfrm>
+            <a:off x="6859200" y="1401626"/>
+            <a:ext cx="1465930" cy="461665"/>
+          </a:xfrm>
+          <a:prstGeom prst="rect">
+            <a:avLst/>
+          </a:prstGeom>
+          <a:noFill/>
+          <a:ln w="76200">
+            <a:solidFill>
+              <a:srgbClr val="00B050"/>
+            </a:solidFill>
+            <a:prstDash val="sysDash"/>
+          </a:ln>
+        </p:spPr>
+        <p:style>
+          <a:lnRef idx="2">
+            <a:schemeClr val="accent1">
+              <a:shade val="15000"/>
+            </a:schemeClr>
+          </a:lnRef>
+          <a:fillRef idx="1">
+            <a:schemeClr val="accent1"/>
+          </a:fillRef>
+          <a:effectRef idx="0">
+            <a:schemeClr val="accent1"/>
+          </a:effectRef>
+          <a:fontRef idx="minor">
+            <a:schemeClr val="lt1"/>
+          </a:fontRef>
+        </p:style>
+        <p:txBody>
+          <a:bodyPr rtlCol="0" anchor="ctr"/>
+          <a:lstStyle/>
+          <a:p>
+            <a:pPr algn="ctr"/>
+            <a:endParaRPr lang="en-US"/>
+          </a:p>
+        </p:txBody>
+      </p:sp>
+      <p:sp>
+        <p:nvSpPr>
+          <p:cNvPr id="19" name="Rectangle 18">
+            <a:extLst>
+              <a:ext uri="{FF2B5EF4-FFF2-40B4-BE49-F238E27FC236}">
+                <a16:creationId xmlns:a16="http://schemas.microsoft.com/office/drawing/2014/main" id="{05C00D97-478C-8C11-E1D8-888D17E270BC}"/>
+              </a:ext>
+            </a:extLst>
+          </p:cNvPr>
+          <p:cNvSpPr/>
+          <p:nvPr/>
+        </p:nvSpPr>
+        <p:spPr>
+          <a:xfrm>
+            <a:off x="8486560" y="1394207"/>
+            <a:ext cx="942480" cy="461665"/>
+          </a:xfrm>
+          <a:prstGeom prst="rect">
+            <a:avLst/>
+          </a:prstGeom>
+          <a:noFill/>
+          <a:ln w="76200">
+            <a:solidFill>
+              <a:srgbClr val="FF0000"/>
+            </a:solidFill>
+            <a:prstDash val="sysDash"/>
+          </a:ln>
+        </p:spPr>
+        <p:style>
+          <a:lnRef idx="2">
+            <a:schemeClr val="accent1">
+              <a:shade val="15000"/>
+            </a:schemeClr>
+          </a:lnRef>
+          <a:fillRef idx="1">
+            <a:schemeClr val="accent1"/>
+          </a:fillRef>
+          <a:effectRef idx="0">
+            <a:schemeClr val="accent1"/>
+          </a:effectRef>
+          <a:fontRef idx="minor">
+            <a:schemeClr val="lt1"/>
+          </a:fontRef>
+        </p:style>
+        <p:txBody>
+          <a:bodyPr rtlCol="0" anchor="ctr"/>
+          <a:lstStyle/>
+          <a:p>
+            <a:pPr algn="ctr"/>
+            <a:endParaRPr lang="en-US"/>
+          </a:p>
+        </p:txBody>
+      </p:sp>
+      <p:sp>
+        <p:nvSpPr>
+          <p:cNvPr id="21" name="Rectangle 20">
+            <a:extLst>
+              <a:ext uri="{FF2B5EF4-FFF2-40B4-BE49-F238E27FC236}">
+                <a16:creationId xmlns:a16="http://schemas.microsoft.com/office/drawing/2014/main" id="{A7EAC086-E7DB-AD2B-F33E-1826C51A549C}"/>
+              </a:ext>
+            </a:extLst>
+          </p:cNvPr>
+          <p:cNvSpPr/>
+          <p:nvPr/>
+        </p:nvSpPr>
+        <p:spPr>
+          <a:xfrm>
+            <a:off x="1655230" y="1375647"/>
+            <a:ext cx="367880" cy="461665"/>
+          </a:xfrm>
+          <a:prstGeom prst="rect">
+            <a:avLst/>
+          </a:prstGeom>
+          <a:noFill/>
+          <a:ln w="76200">
+            <a:solidFill>
+              <a:srgbClr val="7030A0"/>
+            </a:solidFill>
+            <a:prstDash val="sysDash"/>
+          </a:ln>
+        </p:spPr>
+        <p:style>
+          <a:lnRef idx="2">
+            <a:schemeClr val="accent1">
+              <a:shade val="15000"/>
+            </a:schemeClr>
+          </a:lnRef>
+          <a:fillRef idx="1">
+            <a:schemeClr val="accent1"/>
+          </a:fillRef>
+          <a:effectRef idx="0">
+            <a:schemeClr val="accent1"/>
+          </a:effectRef>
+          <a:fontRef idx="minor">
+            <a:schemeClr val="lt1"/>
+          </a:fontRef>
+        </p:style>
+        <p:txBody>
+          <a:bodyPr rtlCol="0" anchor="ctr"/>
+          <a:lstStyle/>
+          <a:p>
+            <a:pPr algn="ctr"/>
+            <a:endParaRPr lang="en-US"/>
+          </a:p>
+        </p:txBody>
+      </p:sp>
+      <p:sp>
+        <p:nvSpPr>
+          <p:cNvPr id="22" name="Rectangle 21">
+            <a:extLst>
+              <a:ext uri="{FF2B5EF4-FFF2-40B4-BE49-F238E27FC236}">
+                <a16:creationId xmlns:a16="http://schemas.microsoft.com/office/drawing/2014/main" id="{0054EB40-03F3-D00D-4480-3A99988E2A17}"/>
+              </a:ext>
+            </a:extLst>
+          </p:cNvPr>
+          <p:cNvSpPr/>
+          <p:nvPr/>
+        </p:nvSpPr>
+        <p:spPr>
+          <a:xfrm>
+            <a:off x="2310550" y="1368027"/>
+            <a:ext cx="3785450" cy="461665"/>
+          </a:xfrm>
+          <a:prstGeom prst="rect">
+            <a:avLst/>
+          </a:prstGeom>
+          <a:noFill/>
+          <a:ln w="76200">
+            <a:solidFill>
+              <a:srgbClr val="7030A0"/>
+            </a:solidFill>
+            <a:prstDash val="sysDash"/>
+          </a:ln>
+        </p:spPr>
+        <p:style>
+          <a:lnRef idx="2">
+            <a:schemeClr val="accent1">
+              <a:shade val="15000"/>
+            </a:schemeClr>
+          </a:lnRef>
+          <a:fillRef idx="1">
+            <a:schemeClr val="accent1"/>
+          </a:fillRef>
+          <a:effectRef idx="0">
+            <a:schemeClr val="accent1"/>
+          </a:effectRef>
+          <a:fontRef idx="minor">
+            <a:schemeClr val="lt1"/>
+          </a:fontRef>
+        </p:style>
+        <p:txBody>
+          <a:bodyPr rtlCol="0" anchor="ctr"/>
+          <a:lstStyle/>
+          <a:p>
+            <a:pPr algn="ctr"/>
+            <a:endParaRPr lang="en-US"/>
+          </a:p>
+        </p:txBody>
+      </p:sp>
+      <p:sp>
+        <p:nvSpPr>
+          <p:cNvPr id="23" name="TextBox 22">
+            <a:extLst>
+              <a:ext uri="{FF2B5EF4-FFF2-40B4-BE49-F238E27FC236}">
+                <a16:creationId xmlns:a16="http://schemas.microsoft.com/office/drawing/2014/main" id="{F7D129DA-6229-690D-40A6-96808BD14665}"/>
+              </a:ext>
+            </a:extLst>
+          </p:cNvPr>
+          <p:cNvSpPr txBox="1"/>
+          <p:nvPr/>
+        </p:nvSpPr>
+        <p:spPr>
+          <a:xfrm>
+            <a:off x="7569453" y="2312610"/>
+            <a:ext cx="1685911" cy="400110"/>
+          </a:xfrm>
+          <a:prstGeom prst="rect">
+            <a:avLst/>
+          </a:prstGeom>
+          <a:noFill/>
+        </p:spPr>
+        <p:txBody>
+          <a:bodyPr wrap="none" rtlCol="0">
+            <a:spAutoFit/>
+          </a:bodyPr>
+          <a:lstStyle/>
+          <a:p>
+            <a:r>
+              <a:rPr lang="en-US" sz="2000" dirty="0">
+                <a:solidFill>
+                  <a:srgbClr val="00B050"/>
+                </a:solidFill>
+              </a:rPr>
+              <a:t>True positives.</a:t>
+            </a:r>
+          </a:p>
+        </p:txBody>
+      </p:sp>
+      <p:sp>
+        <p:nvSpPr>
+          <p:cNvPr id="24" name="TextBox 23">
+            <a:extLst>
+              <a:ext uri="{FF2B5EF4-FFF2-40B4-BE49-F238E27FC236}">
+                <a16:creationId xmlns:a16="http://schemas.microsoft.com/office/drawing/2014/main" id="{837522B6-F0AA-A672-B77B-10BEF05927C5}"/>
+              </a:ext>
+            </a:extLst>
+          </p:cNvPr>
+          <p:cNvSpPr txBox="1"/>
+          <p:nvPr/>
+        </p:nvSpPr>
+        <p:spPr>
+          <a:xfrm>
+            <a:off x="7596123" y="2659320"/>
+            <a:ext cx="1747851" cy="400110"/>
+          </a:xfrm>
+          <a:prstGeom prst="rect">
+            <a:avLst/>
+          </a:prstGeom>
+          <a:noFill/>
+        </p:spPr>
+        <p:txBody>
+          <a:bodyPr wrap="none" rtlCol="0">
+            <a:spAutoFit/>
+          </a:bodyPr>
+          <a:lstStyle/>
+          <a:p>
+            <a:r>
+              <a:rPr lang="en-US" sz="2000" dirty="0">
+                <a:solidFill>
+                  <a:srgbClr val="FF0000"/>
+                </a:solidFill>
+              </a:rPr>
+              <a:t>False positives.</a:t>
+            </a:r>
+          </a:p>
+        </p:txBody>
+      </p:sp>
+      <p:sp>
+        <p:nvSpPr>
+          <p:cNvPr id="25" name="TextBox 24">
+            <a:extLst>
+              <a:ext uri="{FF2B5EF4-FFF2-40B4-BE49-F238E27FC236}">
+                <a16:creationId xmlns:a16="http://schemas.microsoft.com/office/drawing/2014/main" id="{FAD74A35-9C6D-73F3-85AF-29BDAFF68E46}"/>
+              </a:ext>
+            </a:extLst>
+          </p:cNvPr>
+          <p:cNvSpPr txBox="1"/>
+          <p:nvPr/>
+        </p:nvSpPr>
+        <p:spPr>
+          <a:xfrm>
+            <a:off x="7611363" y="3028890"/>
+            <a:ext cx="1817677" cy="400110"/>
+          </a:xfrm>
+          <a:prstGeom prst="rect">
+            <a:avLst/>
+          </a:prstGeom>
+          <a:noFill/>
+        </p:spPr>
+        <p:txBody>
+          <a:bodyPr wrap="none" rtlCol="0">
+            <a:spAutoFit/>
+          </a:bodyPr>
+          <a:lstStyle/>
+          <a:p>
+            <a:r>
+              <a:rPr lang="en-US" sz="2000" dirty="0">
+                <a:solidFill>
+                  <a:srgbClr val="7030A0"/>
+                </a:solidFill>
+              </a:rPr>
+              <a:t>False negatives.</a:t>
+            </a:r>
+          </a:p>
+        </p:txBody>
+      </p:sp>
+    </p:spTree>
+    <p:extLst>
+      <p:ext uri="{BB962C8B-B14F-4D97-AF65-F5344CB8AC3E}">
+        <p14:creationId xmlns:p14="http://schemas.microsoft.com/office/powerpoint/2010/main" val="3963716236"/>
+      </p:ext>
+    </p:extLst>
+  </p:cSld>
+  <p:clrMapOvr>
+    <a:masterClrMapping/>
+  </p:clrMapOvr>
+</p:sld>
+</file>
+
 <file path=ppt/theme/theme1.xml><?xml version="1.0" encoding="utf-8"?>
 <a:theme xmlns:a="http://schemas.openxmlformats.org/drawingml/2006/main" name="Office Theme">
   <a:themeElements>

--- a/docs/figures.pptx
+++ b/docs/figures.pptx
@@ -8401,6 +8401,85 @@
               <a:rPr lang="en-US" sz="2400" b="1" dirty="0"/>
               <a:t>Harder Classification Problem</a:t>
             </a:r>
+          </a:p>
+        </p:txBody>
+      </p:sp>
+      <p:sp>
+        <p:nvSpPr>
+          <p:cNvPr id="24" name="Freeform 23">
+            <a:extLst>
+              <a:ext uri="{FF2B5EF4-FFF2-40B4-BE49-F238E27FC236}">
+                <a16:creationId xmlns:a16="http://schemas.microsoft.com/office/drawing/2014/main" id="{D3DF8AB2-4302-BAFC-0F79-743AED539DB7}"/>
+              </a:ext>
+            </a:extLst>
+          </p:cNvPr>
+          <p:cNvSpPr/>
+          <p:nvPr/>
+        </p:nvSpPr>
+        <p:spPr>
+          <a:xfrm>
+            <a:off x="3943350" y="4366260"/>
+            <a:ext cx="1200150" cy="948690"/>
+          </a:xfrm>
+          <a:custGeom>
+            <a:avLst/>
+            <a:gdLst>
+              <a:gd name="connsiteX0" fmla="*/ 1200150 w 1200150"/>
+              <a:gd name="connsiteY0" fmla="*/ 0 h 948690"/>
+              <a:gd name="connsiteX1" fmla="*/ 0 w 1200150"/>
+              <a:gd name="connsiteY1" fmla="*/ 948690 h 948690"/>
+            </a:gdLst>
+            <a:ahLst/>
+            <a:cxnLst>
+              <a:cxn ang="0">
+                <a:pos x="connsiteX0" y="connsiteY0"/>
+              </a:cxn>
+              <a:cxn ang="0">
+                <a:pos x="connsiteX1" y="connsiteY1"/>
+              </a:cxn>
+            </a:cxnLst>
+            <a:rect l="l" t="t" r="r" b="b"/>
+            <a:pathLst>
+              <a:path w="1200150" h="948690">
+                <a:moveTo>
+                  <a:pt x="1200150" y="0"/>
+                </a:moveTo>
+                <a:lnTo>
+                  <a:pt x="0" y="948690"/>
+                </a:lnTo>
+              </a:path>
+            </a:pathLst>
+          </a:custGeom>
+          <a:noFill/>
+          <a:ln w="38100">
+            <a:solidFill>
+              <a:schemeClr val="accent1"/>
+            </a:solidFill>
+            <a:prstDash val="dash"/>
+          </a:ln>
+        </p:spPr>
+        <p:style>
+          <a:lnRef idx="2">
+            <a:schemeClr val="accent1">
+              <a:shade val="15000"/>
+            </a:schemeClr>
+          </a:lnRef>
+          <a:fillRef idx="1">
+            <a:schemeClr val="accent1"/>
+          </a:fillRef>
+          <a:effectRef idx="0">
+            <a:schemeClr val="accent1"/>
+          </a:effectRef>
+          <a:fontRef idx="minor">
+            <a:schemeClr val="lt1"/>
+          </a:fontRef>
+        </p:style>
+        <p:txBody>
+          <a:bodyPr rtlCol="0" anchor="ctr"/>
+          <a:lstStyle/>
+          <a:p>
+            <a:pPr algn="ctr"/>
+            <a:endParaRPr lang="en-US"/>
           </a:p>
         </p:txBody>
       </p:sp>

--- a/docs/figures.pptx
+++ b/docs/figures.pptx
@@ -5,7 +5,7 @@
     <p:sldMasterId id="2147483648" r:id="rId1"/>
   </p:sldMasterIdLst>
   <p:notesMasterIdLst>
-    <p:notesMasterId r:id="rId11"/>
+    <p:notesMasterId r:id="rId12"/>
   </p:notesMasterIdLst>
   <p:sldIdLst>
     <p:sldId id="256" r:id="rId2"/>
@@ -16,7 +16,8 @@
     <p:sldId id="263" r:id="rId7"/>
     <p:sldId id="264" r:id="rId8"/>
     <p:sldId id="265" r:id="rId9"/>
-    <p:sldId id="266" r:id="rId10"/>
+    <p:sldId id="267" r:id="rId10"/>
+    <p:sldId id="266" r:id="rId11"/>
   </p:sldIdLst>
   <p:sldSz cx="12192000" cy="6858000"/>
   <p:notesSz cx="6858000" cy="9144000"/>
@@ -3825,6 +3826,615 @@
     <p:extLst>
       <p:ext uri="{BB962C8B-B14F-4D97-AF65-F5344CB8AC3E}">
         <p14:creationId xmlns:p14="http://schemas.microsoft.com/office/powerpoint/2010/main" val="525543837"/>
+      </p:ext>
+    </p:extLst>
+  </p:cSld>
+  <p:clrMapOvr>
+    <a:masterClrMapping/>
+  </p:clrMapOvr>
+</p:sld>
+</file>
+
+<file path=ppt/slides/slide10.xml><?xml version="1.0" encoding="utf-8"?>
+<p:sld xmlns:a="http://schemas.openxmlformats.org/drawingml/2006/main" xmlns:r="http://schemas.openxmlformats.org/officeDocument/2006/relationships" xmlns:p="http://schemas.openxmlformats.org/presentationml/2006/main">
+  <p:cSld>
+    <p:spTree>
+      <p:nvGrpSpPr>
+        <p:cNvPr id="1" name=""/>
+        <p:cNvGrpSpPr/>
+        <p:nvPr/>
+      </p:nvGrpSpPr>
+      <p:grpSpPr>
+        <a:xfrm>
+          <a:off x="0" y="0"/>
+          <a:ext cx="0" cy="0"/>
+          <a:chOff x="0" y="0"/>
+          <a:chExt cx="0" cy="0"/>
+        </a:xfrm>
+      </p:grpSpPr>
+      <p:pic>
+        <p:nvPicPr>
+          <p:cNvPr id="3" name="Picture 2">
+            <a:extLst>
+              <a:ext uri="{FF2B5EF4-FFF2-40B4-BE49-F238E27FC236}">
+                <a16:creationId xmlns:a16="http://schemas.microsoft.com/office/drawing/2014/main" id="{DB5B5F0B-02C2-A7B9-326F-EBC56B8CA915}"/>
+              </a:ext>
+            </a:extLst>
+          </p:cNvPr>
+          <p:cNvPicPr>
+            <a:picLocks noChangeAspect="1"/>
+          </p:cNvPicPr>
+          <p:nvPr/>
+        </p:nvPicPr>
+        <p:blipFill>
+          <a:blip r:embed="rId2"/>
+          <a:stretch>
+            <a:fillRect/>
+          </a:stretch>
+        </p:blipFill>
+        <p:spPr>
+          <a:xfrm>
+            <a:off x="6929120" y="1474960"/>
+            <a:ext cx="368300" cy="355600"/>
+          </a:xfrm>
+          <a:prstGeom prst="rect">
+            <a:avLst/>
+          </a:prstGeom>
+        </p:spPr>
+      </p:pic>
+      <p:pic>
+        <p:nvPicPr>
+          <p:cNvPr id="5" name="Picture 4">
+            <a:extLst>
+              <a:ext uri="{FF2B5EF4-FFF2-40B4-BE49-F238E27FC236}">
+                <a16:creationId xmlns:a16="http://schemas.microsoft.com/office/drawing/2014/main" id="{069BFA5D-7B50-AED8-8439-47F6BAF4E358}"/>
+              </a:ext>
+            </a:extLst>
+          </p:cNvPr>
+          <p:cNvPicPr>
+            <a:picLocks noChangeAspect="1"/>
+          </p:cNvPicPr>
+          <p:nvPr/>
+        </p:nvPicPr>
+        <p:blipFill>
+          <a:blip r:embed="rId3"/>
+          <a:stretch>
+            <a:fillRect/>
+          </a:stretch>
+        </p:blipFill>
+        <p:spPr>
+          <a:xfrm>
+            <a:off x="7516000" y="1474960"/>
+            <a:ext cx="279400" cy="355600"/>
+          </a:xfrm>
+          <a:prstGeom prst="rect">
+            <a:avLst/>
+          </a:prstGeom>
+        </p:spPr>
+      </p:pic>
+      <p:pic>
+        <p:nvPicPr>
+          <p:cNvPr id="7" name="Picture 6">
+            <a:extLst>
+              <a:ext uri="{FF2B5EF4-FFF2-40B4-BE49-F238E27FC236}">
+                <a16:creationId xmlns:a16="http://schemas.microsoft.com/office/drawing/2014/main" id="{4CD8291B-86D7-E41F-73AC-FC9FF95B0521}"/>
+              </a:ext>
+            </a:extLst>
+          </p:cNvPr>
+          <p:cNvPicPr>
+            <a:picLocks noChangeAspect="1"/>
+          </p:cNvPicPr>
+          <p:nvPr/>
+        </p:nvPicPr>
+        <p:blipFill>
+          <a:blip r:embed="rId4"/>
+          <a:stretch>
+            <a:fillRect/>
+          </a:stretch>
+        </p:blipFill>
+        <p:spPr>
+          <a:xfrm>
+            <a:off x="8013980" y="1487660"/>
+            <a:ext cx="254000" cy="330200"/>
+          </a:xfrm>
+          <a:prstGeom prst="rect">
+            <a:avLst/>
+          </a:prstGeom>
+        </p:spPr>
+      </p:pic>
+      <p:pic>
+        <p:nvPicPr>
+          <p:cNvPr id="9" name="Picture 8">
+            <a:extLst>
+              <a:ext uri="{FF2B5EF4-FFF2-40B4-BE49-F238E27FC236}">
+                <a16:creationId xmlns:a16="http://schemas.microsoft.com/office/drawing/2014/main" id="{1C18E917-2D0A-8A28-BD62-F5B1DB4B8CA3}"/>
+              </a:ext>
+            </a:extLst>
+          </p:cNvPr>
+          <p:cNvPicPr>
+            <a:picLocks noChangeAspect="1"/>
+          </p:cNvPicPr>
+          <p:nvPr/>
+        </p:nvPicPr>
+        <p:blipFill>
+          <a:blip r:embed="rId5"/>
+          <a:stretch>
+            <a:fillRect/>
+          </a:stretch>
+        </p:blipFill>
+        <p:spPr>
+          <a:xfrm>
+            <a:off x="8486560" y="1500360"/>
+            <a:ext cx="355600" cy="304800"/>
+          </a:xfrm>
+          <a:prstGeom prst="rect">
+            <a:avLst/>
+          </a:prstGeom>
+        </p:spPr>
+      </p:pic>
+      <p:pic>
+        <p:nvPicPr>
+          <p:cNvPr id="11" name="Picture 10">
+            <a:extLst>
+              <a:ext uri="{FF2B5EF4-FFF2-40B4-BE49-F238E27FC236}">
+                <a16:creationId xmlns:a16="http://schemas.microsoft.com/office/drawing/2014/main" id="{3B34155D-F51A-4EAA-114C-839AE60B6D14}"/>
+              </a:ext>
+            </a:extLst>
+          </p:cNvPr>
+          <p:cNvPicPr>
+            <a:picLocks noChangeAspect="1"/>
+          </p:cNvPicPr>
+          <p:nvPr/>
+        </p:nvPicPr>
+        <p:blipFill>
+          <a:blip r:embed="rId6"/>
+          <a:stretch>
+            <a:fillRect/>
+          </a:stretch>
+        </p:blipFill>
+        <p:spPr>
+          <a:xfrm>
+            <a:off x="9060740" y="1481310"/>
+            <a:ext cx="368300" cy="342900"/>
+          </a:xfrm>
+          <a:prstGeom prst="rect">
+            <a:avLst/>
+          </a:prstGeom>
+        </p:spPr>
+      </p:pic>
+      <p:sp>
+        <p:nvSpPr>
+          <p:cNvPr id="14" name="TextBox 13">
+            <a:extLst>
+              <a:ext uri="{FF2B5EF4-FFF2-40B4-BE49-F238E27FC236}">
+                <a16:creationId xmlns:a16="http://schemas.microsoft.com/office/drawing/2014/main" id="{C5FED602-29EA-6F42-4257-7D3971D4F651}"/>
+              </a:ext>
+            </a:extLst>
+          </p:cNvPr>
+          <p:cNvSpPr txBox="1"/>
+          <p:nvPr/>
+        </p:nvSpPr>
+        <p:spPr>
+          <a:xfrm>
+            <a:off x="1131570" y="675486"/>
+            <a:ext cx="4790094" cy="461665"/>
+          </a:xfrm>
+          <a:prstGeom prst="rect">
+            <a:avLst/>
+          </a:prstGeom>
+          <a:noFill/>
+        </p:spPr>
+        <p:txBody>
+          <a:bodyPr wrap="none" rtlCol="0">
+            <a:spAutoFit/>
+          </a:bodyPr>
+          <a:lstStyle/>
+          <a:p>
+            <a:r>
+              <a:rPr lang="en-US" sz="2400" b="1" dirty="0"/>
+              <a:t>Query: Find all zeroes in this corpus.</a:t>
+            </a:r>
+          </a:p>
+        </p:txBody>
+      </p:sp>
+      <p:pic>
+        <p:nvPicPr>
+          <p:cNvPr id="16" name="Picture 15">
+            <a:extLst>
+              <a:ext uri="{FF2B5EF4-FFF2-40B4-BE49-F238E27FC236}">
+                <a16:creationId xmlns:a16="http://schemas.microsoft.com/office/drawing/2014/main" id="{99B3F919-C5A1-68F9-574F-972EBC375253}"/>
+              </a:ext>
+            </a:extLst>
+          </p:cNvPr>
+          <p:cNvPicPr>
+            <a:picLocks noChangeAspect="1"/>
+          </p:cNvPicPr>
+          <p:nvPr/>
+        </p:nvPicPr>
+        <p:blipFill>
+          <a:blip r:embed="rId7"/>
+          <a:stretch>
+            <a:fillRect/>
+          </a:stretch>
+        </p:blipFill>
+        <p:spPr>
+          <a:xfrm>
+            <a:off x="1001255" y="1424486"/>
+            <a:ext cx="5109210" cy="3075544"/>
+          </a:xfrm>
+          <a:prstGeom prst="rect">
+            <a:avLst/>
+          </a:prstGeom>
+        </p:spPr>
+      </p:pic>
+      <p:sp>
+        <p:nvSpPr>
+          <p:cNvPr id="17" name="TextBox 16">
+            <a:extLst>
+              <a:ext uri="{FF2B5EF4-FFF2-40B4-BE49-F238E27FC236}">
+                <a16:creationId xmlns:a16="http://schemas.microsoft.com/office/drawing/2014/main" id="{DE6642E5-726A-F556-2800-E6B6E5444DD4}"/>
+              </a:ext>
+            </a:extLst>
+          </p:cNvPr>
+          <p:cNvSpPr txBox="1"/>
+          <p:nvPr/>
+        </p:nvSpPr>
+        <p:spPr>
+          <a:xfrm>
+            <a:off x="7029450" y="675486"/>
+            <a:ext cx="1837426" cy="461665"/>
+          </a:xfrm>
+          <a:prstGeom prst="rect">
+            <a:avLst/>
+          </a:prstGeom>
+          <a:noFill/>
+        </p:spPr>
+        <p:txBody>
+          <a:bodyPr wrap="none" rtlCol="0">
+            <a:spAutoFit/>
+          </a:bodyPr>
+          <a:lstStyle/>
+          <a:p>
+            <a:r>
+              <a:rPr lang="en-US" sz="2400" b="1" dirty="0"/>
+              <a:t>Query Result</a:t>
+            </a:r>
+          </a:p>
+        </p:txBody>
+      </p:sp>
+      <p:sp>
+        <p:nvSpPr>
+          <p:cNvPr id="18" name="Rectangle 17">
+            <a:extLst>
+              <a:ext uri="{FF2B5EF4-FFF2-40B4-BE49-F238E27FC236}">
+                <a16:creationId xmlns:a16="http://schemas.microsoft.com/office/drawing/2014/main" id="{3A1BADBE-3E4B-4001-D8ED-768ADA1FBEE7}"/>
+              </a:ext>
+            </a:extLst>
+          </p:cNvPr>
+          <p:cNvSpPr/>
+          <p:nvPr/>
+        </p:nvSpPr>
+        <p:spPr>
+          <a:xfrm>
+            <a:off x="6859200" y="1401626"/>
+            <a:ext cx="1465930" cy="461665"/>
+          </a:xfrm>
+          <a:prstGeom prst="rect">
+            <a:avLst/>
+          </a:prstGeom>
+          <a:noFill/>
+          <a:ln w="76200">
+            <a:solidFill>
+              <a:srgbClr val="00B050"/>
+            </a:solidFill>
+            <a:prstDash val="sysDash"/>
+          </a:ln>
+        </p:spPr>
+        <p:style>
+          <a:lnRef idx="2">
+            <a:schemeClr val="accent1">
+              <a:shade val="15000"/>
+            </a:schemeClr>
+          </a:lnRef>
+          <a:fillRef idx="1">
+            <a:schemeClr val="accent1"/>
+          </a:fillRef>
+          <a:effectRef idx="0">
+            <a:schemeClr val="accent1"/>
+          </a:effectRef>
+          <a:fontRef idx="minor">
+            <a:schemeClr val="lt1"/>
+          </a:fontRef>
+        </p:style>
+        <p:txBody>
+          <a:bodyPr rtlCol="0" anchor="ctr"/>
+          <a:lstStyle/>
+          <a:p>
+            <a:pPr algn="ctr"/>
+            <a:endParaRPr lang="en-US"/>
+          </a:p>
+        </p:txBody>
+      </p:sp>
+      <p:sp>
+        <p:nvSpPr>
+          <p:cNvPr id="19" name="Rectangle 18">
+            <a:extLst>
+              <a:ext uri="{FF2B5EF4-FFF2-40B4-BE49-F238E27FC236}">
+                <a16:creationId xmlns:a16="http://schemas.microsoft.com/office/drawing/2014/main" id="{05C00D97-478C-8C11-E1D8-888D17E270BC}"/>
+              </a:ext>
+            </a:extLst>
+          </p:cNvPr>
+          <p:cNvSpPr/>
+          <p:nvPr/>
+        </p:nvSpPr>
+        <p:spPr>
+          <a:xfrm>
+            <a:off x="8486560" y="1394207"/>
+            <a:ext cx="942480" cy="461665"/>
+          </a:xfrm>
+          <a:prstGeom prst="rect">
+            <a:avLst/>
+          </a:prstGeom>
+          <a:noFill/>
+          <a:ln w="76200">
+            <a:solidFill>
+              <a:srgbClr val="FF0000"/>
+            </a:solidFill>
+            <a:prstDash val="sysDash"/>
+          </a:ln>
+        </p:spPr>
+        <p:style>
+          <a:lnRef idx="2">
+            <a:schemeClr val="accent1">
+              <a:shade val="15000"/>
+            </a:schemeClr>
+          </a:lnRef>
+          <a:fillRef idx="1">
+            <a:schemeClr val="accent1"/>
+          </a:fillRef>
+          <a:effectRef idx="0">
+            <a:schemeClr val="accent1"/>
+          </a:effectRef>
+          <a:fontRef idx="minor">
+            <a:schemeClr val="lt1"/>
+          </a:fontRef>
+        </p:style>
+        <p:txBody>
+          <a:bodyPr rtlCol="0" anchor="ctr"/>
+          <a:lstStyle/>
+          <a:p>
+            <a:pPr algn="ctr"/>
+            <a:endParaRPr lang="en-US"/>
+          </a:p>
+        </p:txBody>
+      </p:sp>
+      <p:sp>
+        <p:nvSpPr>
+          <p:cNvPr id="21" name="Rectangle 20">
+            <a:extLst>
+              <a:ext uri="{FF2B5EF4-FFF2-40B4-BE49-F238E27FC236}">
+                <a16:creationId xmlns:a16="http://schemas.microsoft.com/office/drawing/2014/main" id="{A7EAC086-E7DB-AD2B-F33E-1826C51A549C}"/>
+              </a:ext>
+            </a:extLst>
+          </p:cNvPr>
+          <p:cNvSpPr/>
+          <p:nvPr/>
+        </p:nvSpPr>
+        <p:spPr>
+          <a:xfrm>
+            <a:off x="1655230" y="1375647"/>
+            <a:ext cx="367880" cy="461665"/>
+          </a:xfrm>
+          <a:prstGeom prst="rect">
+            <a:avLst/>
+          </a:prstGeom>
+          <a:noFill/>
+          <a:ln w="76200">
+            <a:solidFill>
+              <a:srgbClr val="7030A0"/>
+            </a:solidFill>
+            <a:prstDash val="sysDash"/>
+          </a:ln>
+        </p:spPr>
+        <p:style>
+          <a:lnRef idx="2">
+            <a:schemeClr val="accent1">
+              <a:shade val="15000"/>
+            </a:schemeClr>
+          </a:lnRef>
+          <a:fillRef idx="1">
+            <a:schemeClr val="accent1"/>
+          </a:fillRef>
+          <a:effectRef idx="0">
+            <a:schemeClr val="accent1"/>
+          </a:effectRef>
+          <a:fontRef idx="minor">
+            <a:schemeClr val="lt1"/>
+          </a:fontRef>
+        </p:style>
+        <p:txBody>
+          <a:bodyPr rtlCol="0" anchor="ctr"/>
+          <a:lstStyle/>
+          <a:p>
+            <a:pPr algn="ctr"/>
+            <a:endParaRPr lang="en-US"/>
+          </a:p>
+        </p:txBody>
+      </p:sp>
+      <p:sp>
+        <p:nvSpPr>
+          <p:cNvPr id="22" name="Rectangle 21">
+            <a:extLst>
+              <a:ext uri="{FF2B5EF4-FFF2-40B4-BE49-F238E27FC236}">
+                <a16:creationId xmlns:a16="http://schemas.microsoft.com/office/drawing/2014/main" id="{0054EB40-03F3-D00D-4480-3A99988E2A17}"/>
+              </a:ext>
+            </a:extLst>
+          </p:cNvPr>
+          <p:cNvSpPr/>
+          <p:nvPr/>
+        </p:nvSpPr>
+        <p:spPr>
+          <a:xfrm>
+            <a:off x="2310550" y="1368027"/>
+            <a:ext cx="3785450" cy="461665"/>
+          </a:xfrm>
+          <a:prstGeom prst="rect">
+            <a:avLst/>
+          </a:prstGeom>
+          <a:noFill/>
+          <a:ln w="76200">
+            <a:solidFill>
+              <a:srgbClr val="7030A0"/>
+            </a:solidFill>
+            <a:prstDash val="sysDash"/>
+          </a:ln>
+        </p:spPr>
+        <p:style>
+          <a:lnRef idx="2">
+            <a:schemeClr val="accent1">
+              <a:shade val="15000"/>
+            </a:schemeClr>
+          </a:lnRef>
+          <a:fillRef idx="1">
+            <a:schemeClr val="accent1"/>
+          </a:fillRef>
+          <a:effectRef idx="0">
+            <a:schemeClr val="accent1"/>
+          </a:effectRef>
+          <a:fontRef idx="minor">
+            <a:schemeClr val="lt1"/>
+          </a:fontRef>
+        </p:style>
+        <p:txBody>
+          <a:bodyPr rtlCol="0" anchor="ctr"/>
+          <a:lstStyle/>
+          <a:p>
+            <a:pPr algn="ctr"/>
+            <a:endParaRPr lang="en-US"/>
+          </a:p>
+        </p:txBody>
+      </p:sp>
+      <p:sp>
+        <p:nvSpPr>
+          <p:cNvPr id="23" name="TextBox 22">
+            <a:extLst>
+              <a:ext uri="{FF2B5EF4-FFF2-40B4-BE49-F238E27FC236}">
+                <a16:creationId xmlns:a16="http://schemas.microsoft.com/office/drawing/2014/main" id="{F7D129DA-6229-690D-40A6-96808BD14665}"/>
+              </a:ext>
+            </a:extLst>
+          </p:cNvPr>
+          <p:cNvSpPr txBox="1"/>
+          <p:nvPr/>
+        </p:nvSpPr>
+        <p:spPr>
+          <a:xfrm>
+            <a:off x="7569453" y="2312610"/>
+            <a:ext cx="1685911" cy="400110"/>
+          </a:xfrm>
+          <a:prstGeom prst="rect">
+            <a:avLst/>
+          </a:prstGeom>
+          <a:noFill/>
+        </p:spPr>
+        <p:txBody>
+          <a:bodyPr wrap="none" rtlCol="0">
+            <a:spAutoFit/>
+          </a:bodyPr>
+          <a:lstStyle/>
+          <a:p>
+            <a:r>
+              <a:rPr lang="en-US" sz="2000" dirty="0">
+                <a:solidFill>
+                  <a:srgbClr val="00B050"/>
+                </a:solidFill>
+              </a:rPr>
+              <a:t>True positives.</a:t>
+            </a:r>
+          </a:p>
+        </p:txBody>
+      </p:sp>
+      <p:sp>
+        <p:nvSpPr>
+          <p:cNvPr id="24" name="TextBox 23">
+            <a:extLst>
+              <a:ext uri="{FF2B5EF4-FFF2-40B4-BE49-F238E27FC236}">
+                <a16:creationId xmlns:a16="http://schemas.microsoft.com/office/drawing/2014/main" id="{837522B6-F0AA-A672-B77B-10BEF05927C5}"/>
+              </a:ext>
+            </a:extLst>
+          </p:cNvPr>
+          <p:cNvSpPr txBox="1"/>
+          <p:nvPr/>
+        </p:nvSpPr>
+        <p:spPr>
+          <a:xfrm>
+            <a:off x="7596123" y="2659320"/>
+            <a:ext cx="1747851" cy="400110"/>
+          </a:xfrm>
+          <a:prstGeom prst="rect">
+            <a:avLst/>
+          </a:prstGeom>
+          <a:noFill/>
+        </p:spPr>
+        <p:txBody>
+          <a:bodyPr wrap="none" rtlCol="0">
+            <a:spAutoFit/>
+          </a:bodyPr>
+          <a:lstStyle/>
+          <a:p>
+            <a:r>
+              <a:rPr lang="en-US" sz="2000" dirty="0">
+                <a:solidFill>
+                  <a:srgbClr val="FF0000"/>
+                </a:solidFill>
+              </a:rPr>
+              <a:t>False positives.</a:t>
+            </a:r>
+          </a:p>
+        </p:txBody>
+      </p:sp>
+      <p:sp>
+        <p:nvSpPr>
+          <p:cNvPr id="25" name="TextBox 24">
+            <a:extLst>
+              <a:ext uri="{FF2B5EF4-FFF2-40B4-BE49-F238E27FC236}">
+                <a16:creationId xmlns:a16="http://schemas.microsoft.com/office/drawing/2014/main" id="{FAD74A35-9C6D-73F3-85AF-29BDAFF68E46}"/>
+              </a:ext>
+            </a:extLst>
+          </p:cNvPr>
+          <p:cNvSpPr txBox="1"/>
+          <p:nvPr/>
+        </p:nvSpPr>
+        <p:spPr>
+          <a:xfrm>
+            <a:off x="7611363" y="3028890"/>
+            <a:ext cx="1817677" cy="400110"/>
+          </a:xfrm>
+          <a:prstGeom prst="rect">
+            <a:avLst/>
+          </a:prstGeom>
+          <a:noFill/>
+        </p:spPr>
+        <p:txBody>
+          <a:bodyPr wrap="none" rtlCol="0">
+            <a:spAutoFit/>
+          </a:bodyPr>
+          <a:lstStyle/>
+          <a:p>
+            <a:r>
+              <a:rPr lang="en-US" sz="2000" dirty="0">
+                <a:solidFill>
+                  <a:srgbClr val="7030A0"/>
+                </a:solidFill>
+              </a:rPr>
+              <a:t>False negatives.</a:t>
+            </a:r>
+          </a:p>
+        </p:txBody>
+      </p:sp>
+    </p:spTree>
+    <p:extLst>
+      <p:ext uri="{BB962C8B-B14F-4D97-AF65-F5344CB8AC3E}">
+        <p14:creationId xmlns:p14="http://schemas.microsoft.com/office/powerpoint/2010/main" val="3963716236"/>
       </p:ext>
     </p:extLst>
   </p:cSld>
@@ -10446,282 +11056,31 @@
           <a:chExt cx="0" cy="0"/>
         </a:xfrm>
       </p:grpSpPr>
-      <p:pic>
-        <p:nvPicPr>
-          <p:cNvPr id="3" name="Picture 2">
-            <a:extLst>
-              <a:ext uri="{FF2B5EF4-FFF2-40B4-BE49-F238E27FC236}">
-                <a16:creationId xmlns:a16="http://schemas.microsoft.com/office/drawing/2014/main" id="{DB5B5F0B-02C2-A7B9-326F-EBC56B8CA915}"/>
-              </a:ext>
-            </a:extLst>
-          </p:cNvPr>
-          <p:cNvPicPr>
-            <a:picLocks noChangeAspect="1"/>
-          </p:cNvPicPr>
-          <p:nvPr/>
-        </p:nvPicPr>
-        <p:blipFill>
-          <a:blip r:embed="rId2"/>
-          <a:stretch>
-            <a:fillRect/>
-          </a:stretch>
-        </p:blipFill>
-        <p:spPr>
-          <a:xfrm>
-            <a:off x="6929120" y="1474960"/>
-            <a:ext cx="368300" cy="355600"/>
-          </a:xfrm>
-          <a:prstGeom prst="rect">
-            <a:avLst/>
-          </a:prstGeom>
-        </p:spPr>
-      </p:pic>
-      <p:pic>
-        <p:nvPicPr>
-          <p:cNvPr id="5" name="Picture 4">
-            <a:extLst>
-              <a:ext uri="{FF2B5EF4-FFF2-40B4-BE49-F238E27FC236}">
-                <a16:creationId xmlns:a16="http://schemas.microsoft.com/office/drawing/2014/main" id="{069BFA5D-7B50-AED8-8439-47F6BAF4E358}"/>
-              </a:ext>
-            </a:extLst>
-          </p:cNvPr>
-          <p:cNvPicPr>
-            <a:picLocks noChangeAspect="1"/>
-          </p:cNvPicPr>
-          <p:nvPr/>
-        </p:nvPicPr>
-        <p:blipFill>
-          <a:blip r:embed="rId3"/>
-          <a:stretch>
-            <a:fillRect/>
-          </a:stretch>
-        </p:blipFill>
-        <p:spPr>
-          <a:xfrm>
-            <a:off x="7516000" y="1474960"/>
-            <a:ext cx="279400" cy="355600"/>
-          </a:xfrm>
-          <a:prstGeom prst="rect">
-            <a:avLst/>
-          </a:prstGeom>
-        </p:spPr>
-      </p:pic>
-      <p:pic>
-        <p:nvPicPr>
-          <p:cNvPr id="7" name="Picture 6">
-            <a:extLst>
-              <a:ext uri="{FF2B5EF4-FFF2-40B4-BE49-F238E27FC236}">
-                <a16:creationId xmlns:a16="http://schemas.microsoft.com/office/drawing/2014/main" id="{4CD8291B-86D7-E41F-73AC-FC9FF95B0521}"/>
-              </a:ext>
-            </a:extLst>
-          </p:cNvPr>
-          <p:cNvPicPr>
-            <a:picLocks noChangeAspect="1"/>
-          </p:cNvPicPr>
-          <p:nvPr/>
-        </p:nvPicPr>
-        <p:blipFill>
-          <a:blip r:embed="rId4"/>
-          <a:stretch>
-            <a:fillRect/>
-          </a:stretch>
-        </p:blipFill>
-        <p:spPr>
-          <a:xfrm>
-            <a:off x="8013980" y="1487660"/>
-            <a:ext cx="254000" cy="330200"/>
-          </a:xfrm>
-          <a:prstGeom prst="rect">
-            <a:avLst/>
-          </a:prstGeom>
-        </p:spPr>
-      </p:pic>
-      <p:pic>
-        <p:nvPicPr>
-          <p:cNvPr id="9" name="Picture 8">
-            <a:extLst>
-              <a:ext uri="{FF2B5EF4-FFF2-40B4-BE49-F238E27FC236}">
-                <a16:creationId xmlns:a16="http://schemas.microsoft.com/office/drawing/2014/main" id="{1C18E917-2D0A-8A28-BD62-F5B1DB4B8CA3}"/>
-              </a:ext>
-            </a:extLst>
-          </p:cNvPr>
-          <p:cNvPicPr>
-            <a:picLocks noChangeAspect="1"/>
-          </p:cNvPicPr>
-          <p:nvPr/>
-        </p:nvPicPr>
-        <p:blipFill>
-          <a:blip r:embed="rId5"/>
-          <a:stretch>
-            <a:fillRect/>
-          </a:stretch>
-        </p:blipFill>
-        <p:spPr>
-          <a:xfrm>
-            <a:off x="8486560" y="1500360"/>
-            <a:ext cx="355600" cy="304800"/>
-          </a:xfrm>
-          <a:prstGeom prst="rect">
-            <a:avLst/>
-          </a:prstGeom>
-        </p:spPr>
-      </p:pic>
-      <p:pic>
-        <p:nvPicPr>
-          <p:cNvPr id="11" name="Picture 10">
-            <a:extLst>
-              <a:ext uri="{FF2B5EF4-FFF2-40B4-BE49-F238E27FC236}">
-                <a16:creationId xmlns:a16="http://schemas.microsoft.com/office/drawing/2014/main" id="{3B34155D-F51A-4EAA-114C-839AE60B6D14}"/>
-              </a:ext>
-            </a:extLst>
-          </p:cNvPr>
-          <p:cNvPicPr>
-            <a:picLocks noChangeAspect="1"/>
-          </p:cNvPicPr>
-          <p:nvPr/>
-        </p:nvPicPr>
-        <p:blipFill>
-          <a:blip r:embed="rId6"/>
-          <a:stretch>
-            <a:fillRect/>
-          </a:stretch>
-        </p:blipFill>
-        <p:spPr>
-          <a:xfrm>
-            <a:off x="9060740" y="1481310"/>
-            <a:ext cx="368300" cy="342900"/>
-          </a:xfrm>
-          <a:prstGeom prst="rect">
-            <a:avLst/>
-          </a:prstGeom>
-        </p:spPr>
-      </p:pic>
-      <p:sp>
-        <p:nvSpPr>
-          <p:cNvPr id="14" name="TextBox 13">
-            <a:extLst>
-              <a:ext uri="{FF2B5EF4-FFF2-40B4-BE49-F238E27FC236}">
-                <a16:creationId xmlns:a16="http://schemas.microsoft.com/office/drawing/2014/main" id="{C5FED602-29EA-6F42-4257-7D3971D4F651}"/>
-              </a:ext>
-            </a:extLst>
-          </p:cNvPr>
-          <p:cNvSpPr txBox="1"/>
-          <p:nvPr/>
-        </p:nvSpPr>
-        <p:spPr>
-          <a:xfrm>
-            <a:off x="1131570" y="675486"/>
-            <a:ext cx="4790094" cy="461665"/>
-          </a:xfrm>
-          <a:prstGeom prst="rect">
+      <p:sp>
+        <p:nvSpPr>
+          <p:cNvPr id="2" name="Oval 1">
+            <a:extLst>
+              <a:ext uri="{FF2B5EF4-FFF2-40B4-BE49-F238E27FC236}">
+                <a16:creationId xmlns:a16="http://schemas.microsoft.com/office/drawing/2014/main" id="{5975852A-7B44-18BF-A87E-A2705FAE7AFF}"/>
+              </a:ext>
+            </a:extLst>
+          </p:cNvPr>
+          <p:cNvSpPr/>
+          <p:nvPr/>
+        </p:nvSpPr>
+        <p:spPr>
+          <a:xfrm>
+            <a:off x="6835140" y="2377440"/>
+            <a:ext cx="308610" cy="308610"/>
+          </a:xfrm>
+          <a:prstGeom prst="ellipse">
             <a:avLst/>
           </a:prstGeom>
           <a:noFill/>
-        </p:spPr>
-        <p:txBody>
-          <a:bodyPr wrap="none" rtlCol="0">
-            <a:spAutoFit/>
-          </a:bodyPr>
-          <a:lstStyle/>
-          <a:p>
-            <a:r>
-              <a:rPr lang="en-US" sz="2400" b="1" dirty="0"/>
-              <a:t>Query: Find all zeroes in this corpus.</a:t>
-            </a:r>
-          </a:p>
-        </p:txBody>
-      </p:sp>
-      <p:pic>
-        <p:nvPicPr>
-          <p:cNvPr id="16" name="Picture 15">
-            <a:extLst>
-              <a:ext uri="{FF2B5EF4-FFF2-40B4-BE49-F238E27FC236}">
-                <a16:creationId xmlns:a16="http://schemas.microsoft.com/office/drawing/2014/main" id="{99B3F919-C5A1-68F9-574F-972EBC375253}"/>
-              </a:ext>
-            </a:extLst>
-          </p:cNvPr>
-          <p:cNvPicPr>
-            <a:picLocks noChangeAspect="1"/>
-          </p:cNvPicPr>
-          <p:nvPr/>
-        </p:nvPicPr>
-        <p:blipFill>
-          <a:blip r:embed="rId7"/>
-          <a:stretch>
-            <a:fillRect/>
-          </a:stretch>
-        </p:blipFill>
-        <p:spPr>
-          <a:xfrm>
-            <a:off x="1001255" y="1424486"/>
-            <a:ext cx="5109210" cy="3075544"/>
-          </a:xfrm>
-          <a:prstGeom prst="rect">
-            <a:avLst/>
-          </a:prstGeom>
-        </p:spPr>
-      </p:pic>
-      <p:sp>
-        <p:nvSpPr>
-          <p:cNvPr id="17" name="TextBox 16">
-            <a:extLst>
-              <a:ext uri="{FF2B5EF4-FFF2-40B4-BE49-F238E27FC236}">
-                <a16:creationId xmlns:a16="http://schemas.microsoft.com/office/drawing/2014/main" id="{DE6642E5-726A-F556-2800-E6B6E5444DD4}"/>
-              </a:ext>
-            </a:extLst>
-          </p:cNvPr>
-          <p:cNvSpPr txBox="1"/>
-          <p:nvPr/>
-        </p:nvSpPr>
-        <p:spPr>
-          <a:xfrm>
-            <a:off x="7029450" y="675486"/>
-            <a:ext cx="1837426" cy="461665"/>
-          </a:xfrm>
-          <a:prstGeom prst="rect">
-            <a:avLst/>
-          </a:prstGeom>
-          <a:noFill/>
-        </p:spPr>
-        <p:txBody>
-          <a:bodyPr wrap="none" rtlCol="0">
-            <a:spAutoFit/>
-          </a:bodyPr>
-          <a:lstStyle/>
-          <a:p>
-            <a:r>
-              <a:rPr lang="en-US" sz="2400" b="1" dirty="0"/>
-              <a:t>Query Result</a:t>
-            </a:r>
-          </a:p>
-        </p:txBody>
-      </p:sp>
-      <p:sp>
-        <p:nvSpPr>
-          <p:cNvPr id="18" name="Rectangle 17">
-            <a:extLst>
-              <a:ext uri="{FF2B5EF4-FFF2-40B4-BE49-F238E27FC236}">
-                <a16:creationId xmlns:a16="http://schemas.microsoft.com/office/drawing/2014/main" id="{3A1BADBE-3E4B-4001-D8ED-768ADA1FBEE7}"/>
-              </a:ext>
-            </a:extLst>
-          </p:cNvPr>
-          <p:cNvSpPr/>
-          <p:nvPr/>
-        </p:nvSpPr>
-        <p:spPr>
-          <a:xfrm>
-            <a:off x="6859200" y="1401626"/>
-            <a:ext cx="1465930" cy="461665"/>
-          </a:xfrm>
-          <a:prstGeom prst="rect">
-            <a:avLst/>
-          </a:prstGeom>
-          <a:noFill/>
-          <a:ln w="76200">
+          <a:ln w="28575">
             <a:solidFill>
-              <a:srgbClr val="00B050"/>
+              <a:schemeClr val="tx1"/>
             </a:solidFill>
-            <a:prstDash val="sysDash"/>
           </a:ln>
         </p:spPr>
         <p:style>
@@ -10751,10 +11110,10 @@
       </p:sp>
       <p:sp>
         <p:nvSpPr>
-          <p:cNvPr id="19" name="Rectangle 18">
-            <a:extLst>
-              <a:ext uri="{FF2B5EF4-FFF2-40B4-BE49-F238E27FC236}">
-                <a16:creationId xmlns:a16="http://schemas.microsoft.com/office/drawing/2014/main" id="{05C00D97-478C-8C11-E1D8-888D17E270BC}"/>
+          <p:cNvPr id="3" name="Oval 2">
+            <a:extLst>
+              <a:ext uri="{FF2B5EF4-FFF2-40B4-BE49-F238E27FC236}">
+                <a16:creationId xmlns:a16="http://schemas.microsoft.com/office/drawing/2014/main" id="{60BF8008-EAF5-C934-47C1-B0C3D799B5BF}"/>
               </a:ext>
             </a:extLst>
           </p:cNvPr>
@@ -10763,18 +11122,17 @@
         </p:nvSpPr>
         <p:spPr>
           <a:xfrm>
-            <a:off x="8486560" y="1394207"/>
-            <a:ext cx="942480" cy="461665"/>
-          </a:xfrm>
-          <a:prstGeom prst="rect">
+            <a:off x="6804660" y="3421380"/>
+            <a:ext cx="308610" cy="308610"/>
+          </a:xfrm>
+          <a:prstGeom prst="ellipse">
             <a:avLst/>
           </a:prstGeom>
           <a:noFill/>
-          <a:ln w="76200">
+          <a:ln w="28575">
             <a:solidFill>
-              <a:srgbClr val="FF0000"/>
+              <a:schemeClr val="tx1"/>
             </a:solidFill>
-            <a:prstDash val="sysDash"/>
           </a:ln>
         </p:spPr>
         <p:style>
@@ -10802,12 +11160,1004 @@
           </a:p>
         </p:txBody>
       </p:sp>
-      <p:sp>
-        <p:nvSpPr>
-          <p:cNvPr id="21" name="Rectangle 20">
-            <a:extLst>
-              <a:ext uri="{FF2B5EF4-FFF2-40B4-BE49-F238E27FC236}">
-                <a16:creationId xmlns:a16="http://schemas.microsoft.com/office/drawing/2014/main" id="{A7EAC086-E7DB-AD2B-F33E-1826C51A549C}"/>
+      <p:pic>
+        <p:nvPicPr>
+          <p:cNvPr id="5" name="Picture 4">
+            <a:extLst>
+              <a:ext uri="{FF2B5EF4-FFF2-40B4-BE49-F238E27FC236}">
+                <a16:creationId xmlns:a16="http://schemas.microsoft.com/office/drawing/2014/main" id="{605E04BC-9A44-8EEC-49E8-28957FDE15B3}"/>
+              </a:ext>
+            </a:extLst>
+          </p:cNvPr>
+          <p:cNvPicPr>
+            <a:picLocks noChangeAspect="1"/>
+          </p:cNvPicPr>
+          <p:nvPr/>
+        </p:nvPicPr>
+        <p:blipFill>
+          <a:blip r:embed="rId2"/>
+          <a:stretch>
+            <a:fillRect/>
+          </a:stretch>
+        </p:blipFill>
+        <p:spPr>
+          <a:xfrm>
+            <a:off x="1663700" y="2541270"/>
+            <a:ext cx="1188720" cy="1188720"/>
+          </a:xfrm>
+          <a:prstGeom prst="rect">
+            <a:avLst/>
+          </a:prstGeom>
+        </p:spPr>
+      </p:pic>
+      <p:grpSp>
+        <p:nvGrpSpPr>
+          <p:cNvPr id="23" name="Group 22">
+            <a:extLst>
+              <a:ext uri="{FF2B5EF4-FFF2-40B4-BE49-F238E27FC236}">
+                <a16:creationId xmlns:a16="http://schemas.microsoft.com/office/drawing/2014/main" id="{150B8C9B-6F16-8E07-1C76-6E20E5704257}"/>
+              </a:ext>
+            </a:extLst>
+          </p:cNvPr>
+          <p:cNvGrpSpPr/>
+          <p:nvPr/>
+        </p:nvGrpSpPr>
+        <p:grpSpPr>
+          <a:xfrm>
+            <a:off x="3997960" y="1869757"/>
+            <a:ext cx="182880" cy="2531745"/>
+            <a:chOff x="6446520" y="1297305"/>
+            <a:chExt cx="182880" cy="2531745"/>
+          </a:xfrm>
+        </p:grpSpPr>
+        <p:sp>
+          <p:nvSpPr>
+            <p:cNvPr id="7" name="Rectangle 6">
+              <a:extLst>
+                <a:ext uri="{FF2B5EF4-FFF2-40B4-BE49-F238E27FC236}">
+                  <a16:creationId xmlns:a16="http://schemas.microsoft.com/office/drawing/2014/main" id="{C9B175C1-2DAC-D89B-8CAE-6D7C91EFBD0B}"/>
+                </a:ext>
+              </a:extLst>
+            </p:cNvPr>
+            <p:cNvSpPr/>
+            <p:nvPr/>
+          </p:nvSpPr>
+          <p:spPr>
+            <a:xfrm>
+              <a:off x="6446520" y="1297305"/>
+              <a:ext cx="182880" cy="2531745"/>
+            </a:xfrm>
+            <a:prstGeom prst="rect">
+              <a:avLst/>
+            </a:prstGeom>
+            <a:solidFill>
+              <a:schemeClr val="bg1">
+                <a:lumMod val="85000"/>
+              </a:schemeClr>
+            </a:solidFill>
+          </p:spPr>
+          <p:style>
+            <a:lnRef idx="2">
+              <a:schemeClr val="accent1">
+                <a:shade val="15000"/>
+              </a:schemeClr>
+            </a:lnRef>
+            <a:fillRef idx="1">
+              <a:schemeClr val="accent1"/>
+            </a:fillRef>
+            <a:effectRef idx="0">
+              <a:schemeClr val="accent1"/>
+            </a:effectRef>
+            <a:fontRef idx="minor">
+              <a:schemeClr val="lt1"/>
+            </a:fontRef>
+          </p:style>
+          <p:txBody>
+            <a:bodyPr rtlCol="0" anchor="ctr"/>
+            <a:lstStyle/>
+            <a:p>
+              <a:pPr algn="ctr"/>
+              <a:endParaRPr lang="en-US"/>
+            </a:p>
+          </p:txBody>
+        </p:sp>
+        <p:sp>
+          <p:nvSpPr>
+            <p:cNvPr id="6" name="Oval 5">
+              <a:extLst>
+                <a:ext uri="{FF2B5EF4-FFF2-40B4-BE49-F238E27FC236}">
+                  <a16:creationId xmlns:a16="http://schemas.microsoft.com/office/drawing/2014/main" id="{723EA454-A051-8B6C-3A46-AD41F87E4856}"/>
+                </a:ext>
+              </a:extLst>
+            </p:cNvPr>
+            <p:cNvSpPr>
+              <a:spLocks noChangeAspect="1"/>
+            </p:cNvSpPr>
+            <p:nvPr/>
+          </p:nvSpPr>
+          <p:spPr>
+            <a:xfrm>
+              <a:off x="6488431" y="1402080"/>
+              <a:ext cx="90768" cy="91440"/>
+            </a:xfrm>
+            <a:prstGeom prst="ellipse">
+              <a:avLst/>
+            </a:prstGeom>
+            <a:solidFill>
+              <a:schemeClr val="tx1"/>
+            </a:solidFill>
+            <a:ln w="28575">
+              <a:solidFill>
+                <a:schemeClr val="tx1"/>
+              </a:solidFill>
+            </a:ln>
+          </p:spPr>
+          <p:style>
+            <a:lnRef idx="2">
+              <a:schemeClr val="accent1">
+                <a:shade val="15000"/>
+              </a:schemeClr>
+            </a:lnRef>
+            <a:fillRef idx="1">
+              <a:schemeClr val="accent1"/>
+            </a:fillRef>
+            <a:effectRef idx="0">
+              <a:schemeClr val="accent1"/>
+            </a:effectRef>
+            <a:fontRef idx="minor">
+              <a:schemeClr val="lt1"/>
+            </a:fontRef>
+          </p:style>
+          <p:txBody>
+            <a:bodyPr rtlCol="0" anchor="ctr"/>
+            <a:lstStyle/>
+            <a:p>
+              <a:pPr algn="ctr"/>
+              <a:endParaRPr lang="en-US"/>
+            </a:p>
+          </p:txBody>
+        </p:sp>
+        <p:sp>
+          <p:nvSpPr>
+            <p:cNvPr id="8" name="Oval 7">
+              <a:extLst>
+                <a:ext uri="{FF2B5EF4-FFF2-40B4-BE49-F238E27FC236}">
+                  <a16:creationId xmlns:a16="http://schemas.microsoft.com/office/drawing/2014/main" id="{D3AE10F5-CC90-E81D-4752-1E0D63B67676}"/>
+                </a:ext>
+              </a:extLst>
+            </p:cNvPr>
+            <p:cNvSpPr>
+              <a:spLocks noChangeAspect="1"/>
+            </p:cNvSpPr>
+            <p:nvPr/>
+          </p:nvSpPr>
+          <p:spPr>
+            <a:xfrm>
+              <a:off x="6488431" y="1554480"/>
+              <a:ext cx="90768" cy="91440"/>
+            </a:xfrm>
+            <a:prstGeom prst="ellipse">
+              <a:avLst/>
+            </a:prstGeom>
+            <a:solidFill>
+              <a:schemeClr val="tx1"/>
+            </a:solidFill>
+            <a:ln w="28575">
+              <a:solidFill>
+                <a:schemeClr val="tx1"/>
+              </a:solidFill>
+            </a:ln>
+          </p:spPr>
+          <p:style>
+            <a:lnRef idx="2">
+              <a:schemeClr val="accent1">
+                <a:shade val="15000"/>
+              </a:schemeClr>
+            </a:lnRef>
+            <a:fillRef idx="1">
+              <a:schemeClr val="accent1"/>
+            </a:fillRef>
+            <a:effectRef idx="0">
+              <a:schemeClr val="accent1"/>
+            </a:effectRef>
+            <a:fontRef idx="minor">
+              <a:schemeClr val="lt1"/>
+            </a:fontRef>
+          </p:style>
+          <p:txBody>
+            <a:bodyPr rtlCol="0" anchor="ctr"/>
+            <a:lstStyle/>
+            <a:p>
+              <a:pPr algn="ctr"/>
+              <a:endParaRPr lang="en-US"/>
+            </a:p>
+          </p:txBody>
+        </p:sp>
+        <p:sp>
+          <p:nvSpPr>
+            <p:cNvPr id="9" name="Oval 8">
+              <a:extLst>
+                <a:ext uri="{FF2B5EF4-FFF2-40B4-BE49-F238E27FC236}">
+                  <a16:creationId xmlns:a16="http://schemas.microsoft.com/office/drawing/2014/main" id="{36FC4015-7AD6-6992-6E41-6AFBAAA1B9F3}"/>
+                </a:ext>
+              </a:extLst>
+            </p:cNvPr>
+            <p:cNvSpPr>
+              <a:spLocks noChangeAspect="1"/>
+            </p:cNvSpPr>
+            <p:nvPr/>
+          </p:nvSpPr>
+          <p:spPr>
+            <a:xfrm>
+              <a:off x="6488431" y="1706880"/>
+              <a:ext cx="90768" cy="91440"/>
+            </a:xfrm>
+            <a:prstGeom prst="ellipse">
+              <a:avLst/>
+            </a:prstGeom>
+            <a:solidFill>
+              <a:schemeClr val="tx1"/>
+            </a:solidFill>
+            <a:ln w="28575">
+              <a:solidFill>
+                <a:schemeClr val="tx1"/>
+              </a:solidFill>
+            </a:ln>
+          </p:spPr>
+          <p:style>
+            <a:lnRef idx="2">
+              <a:schemeClr val="accent1">
+                <a:shade val="15000"/>
+              </a:schemeClr>
+            </a:lnRef>
+            <a:fillRef idx="1">
+              <a:schemeClr val="accent1"/>
+            </a:fillRef>
+            <a:effectRef idx="0">
+              <a:schemeClr val="accent1"/>
+            </a:effectRef>
+            <a:fontRef idx="minor">
+              <a:schemeClr val="lt1"/>
+            </a:fontRef>
+          </p:style>
+          <p:txBody>
+            <a:bodyPr rtlCol="0" anchor="ctr"/>
+            <a:lstStyle/>
+            <a:p>
+              <a:pPr algn="ctr"/>
+              <a:endParaRPr lang="en-US"/>
+            </a:p>
+          </p:txBody>
+        </p:sp>
+        <p:sp>
+          <p:nvSpPr>
+            <p:cNvPr id="10" name="Oval 9">
+              <a:extLst>
+                <a:ext uri="{FF2B5EF4-FFF2-40B4-BE49-F238E27FC236}">
+                  <a16:creationId xmlns:a16="http://schemas.microsoft.com/office/drawing/2014/main" id="{0EA71428-BB59-E68A-0E24-575ABF5C0911}"/>
+                </a:ext>
+              </a:extLst>
+            </p:cNvPr>
+            <p:cNvSpPr>
+              <a:spLocks noChangeAspect="1"/>
+            </p:cNvSpPr>
+            <p:nvPr/>
+          </p:nvSpPr>
+          <p:spPr>
+            <a:xfrm>
+              <a:off x="6488431" y="1859280"/>
+              <a:ext cx="90768" cy="91440"/>
+            </a:xfrm>
+            <a:prstGeom prst="ellipse">
+              <a:avLst/>
+            </a:prstGeom>
+            <a:solidFill>
+              <a:schemeClr val="tx1"/>
+            </a:solidFill>
+            <a:ln w="28575">
+              <a:solidFill>
+                <a:schemeClr val="tx1"/>
+              </a:solidFill>
+            </a:ln>
+          </p:spPr>
+          <p:style>
+            <a:lnRef idx="2">
+              <a:schemeClr val="accent1">
+                <a:shade val="15000"/>
+              </a:schemeClr>
+            </a:lnRef>
+            <a:fillRef idx="1">
+              <a:schemeClr val="accent1"/>
+            </a:fillRef>
+            <a:effectRef idx="0">
+              <a:schemeClr val="accent1"/>
+            </a:effectRef>
+            <a:fontRef idx="minor">
+              <a:schemeClr val="lt1"/>
+            </a:fontRef>
+          </p:style>
+          <p:txBody>
+            <a:bodyPr rtlCol="0" anchor="ctr"/>
+            <a:lstStyle/>
+            <a:p>
+              <a:pPr algn="ctr"/>
+              <a:endParaRPr lang="en-US"/>
+            </a:p>
+          </p:txBody>
+        </p:sp>
+        <p:sp>
+          <p:nvSpPr>
+            <p:cNvPr id="11" name="Oval 10">
+              <a:extLst>
+                <a:ext uri="{FF2B5EF4-FFF2-40B4-BE49-F238E27FC236}">
+                  <a16:creationId xmlns:a16="http://schemas.microsoft.com/office/drawing/2014/main" id="{DE1E33EB-E864-55D1-6CF5-4CE0AE244EE8}"/>
+                </a:ext>
+              </a:extLst>
+            </p:cNvPr>
+            <p:cNvSpPr>
+              <a:spLocks noChangeAspect="1"/>
+            </p:cNvSpPr>
+            <p:nvPr/>
+          </p:nvSpPr>
+          <p:spPr>
+            <a:xfrm>
+              <a:off x="6488431" y="2011680"/>
+              <a:ext cx="90768" cy="91440"/>
+            </a:xfrm>
+            <a:prstGeom prst="ellipse">
+              <a:avLst/>
+            </a:prstGeom>
+            <a:solidFill>
+              <a:schemeClr val="tx1"/>
+            </a:solidFill>
+            <a:ln w="28575">
+              <a:solidFill>
+                <a:schemeClr val="tx1"/>
+              </a:solidFill>
+            </a:ln>
+          </p:spPr>
+          <p:style>
+            <a:lnRef idx="2">
+              <a:schemeClr val="accent1">
+                <a:shade val="15000"/>
+              </a:schemeClr>
+            </a:lnRef>
+            <a:fillRef idx="1">
+              <a:schemeClr val="accent1"/>
+            </a:fillRef>
+            <a:effectRef idx="0">
+              <a:schemeClr val="accent1"/>
+            </a:effectRef>
+            <a:fontRef idx="minor">
+              <a:schemeClr val="lt1"/>
+            </a:fontRef>
+          </p:style>
+          <p:txBody>
+            <a:bodyPr rtlCol="0" anchor="ctr"/>
+            <a:lstStyle/>
+            <a:p>
+              <a:pPr algn="ctr"/>
+              <a:endParaRPr lang="en-US"/>
+            </a:p>
+          </p:txBody>
+        </p:sp>
+        <p:sp>
+          <p:nvSpPr>
+            <p:cNvPr id="12" name="Oval 11">
+              <a:extLst>
+                <a:ext uri="{FF2B5EF4-FFF2-40B4-BE49-F238E27FC236}">
+                  <a16:creationId xmlns:a16="http://schemas.microsoft.com/office/drawing/2014/main" id="{B45657D8-F9DE-1C8F-EF68-C930D8EAE302}"/>
+                </a:ext>
+              </a:extLst>
+            </p:cNvPr>
+            <p:cNvSpPr>
+              <a:spLocks noChangeAspect="1"/>
+            </p:cNvSpPr>
+            <p:nvPr/>
+          </p:nvSpPr>
+          <p:spPr>
+            <a:xfrm>
+              <a:off x="6488431" y="2164080"/>
+              <a:ext cx="90768" cy="91440"/>
+            </a:xfrm>
+            <a:prstGeom prst="ellipse">
+              <a:avLst/>
+            </a:prstGeom>
+            <a:solidFill>
+              <a:schemeClr val="bg1"/>
+            </a:solidFill>
+            <a:ln w="28575">
+              <a:noFill/>
+            </a:ln>
+          </p:spPr>
+          <p:style>
+            <a:lnRef idx="2">
+              <a:schemeClr val="accent1">
+                <a:shade val="15000"/>
+              </a:schemeClr>
+            </a:lnRef>
+            <a:fillRef idx="1">
+              <a:schemeClr val="accent1"/>
+            </a:fillRef>
+            <a:effectRef idx="0">
+              <a:schemeClr val="accent1"/>
+            </a:effectRef>
+            <a:fontRef idx="minor">
+              <a:schemeClr val="lt1"/>
+            </a:fontRef>
+          </p:style>
+          <p:txBody>
+            <a:bodyPr rtlCol="0" anchor="ctr"/>
+            <a:lstStyle/>
+            <a:p>
+              <a:pPr algn="ctr"/>
+              <a:endParaRPr lang="en-US"/>
+            </a:p>
+          </p:txBody>
+        </p:sp>
+        <p:sp>
+          <p:nvSpPr>
+            <p:cNvPr id="13" name="Oval 12">
+              <a:extLst>
+                <a:ext uri="{FF2B5EF4-FFF2-40B4-BE49-F238E27FC236}">
+                  <a16:creationId xmlns:a16="http://schemas.microsoft.com/office/drawing/2014/main" id="{8EFC04E2-54A6-6F06-449B-721378762F33}"/>
+                </a:ext>
+              </a:extLst>
+            </p:cNvPr>
+            <p:cNvSpPr>
+              <a:spLocks noChangeAspect="1"/>
+            </p:cNvSpPr>
+            <p:nvPr/>
+          </p:nvSpPr>
+          <p:spPr>
+            <a:xfrm>
+              <a:off x="6488431" y="2316480"/>
+              <a:ext cx="90768" cy="91440"/>
+            </a:xfrm>
+            <a:prstGeom prst="ellipse">
+              <a:avLst/>
+            </a:prstGeom>
+            <a:solidFill>
+              <a:schemeClr val="bg1"/>
+            </a:solidFill>
+            <a:ln w="28575">
+              <a:noFill/>
+            </a:ln>
+          </p:spPr>
+          <p:style>
+            <a:lnRef idx="2">
+              <a:schemeClr val="accent1">
+                <a:shade val="15000"/>
+              </a:schemeClr>
+            </a:lnRef>
+            <a:fillRef idx="1">
+              <a:schemeClr val="accent1"/>
+            </a:fillRef>
+            <a:effectRef idx="0">
+              <a:schemeClr val="accent1"/>
+            </a:effectRef>
+            <a:fontRef idx="minor">
+              <a:schemeClr val="lt1"/>
+            </a:fontRef>
+          </p:style>
+          <p:txBody>
+            <a:bodyPr rtlCol="0" anchor="ctr"/>
+            <a:lstStyle/>
+            <a:p>
+              <a:pPr algn="ctr"/>
+              <a:endParaRPr lang="en-US"/>
+            </a:p>
+          </p:txBody>
+        </p:sp>
+        <p:sp>
+          <p:nvSpPr>
+            <p:cNvPr id="14" name="Oval 13">
+              <a:extLst>
+                <a:ext uri="{FF2B5EF4-FFF2-40B4-BE49-F238E27FC236}">
+                  <a16:creationId xmlns:a16="http://schemas.microsoft.com/office/drawing/2014/main" id="{430E5CDA-EAE4-D919-8184-EC6039394052}"/>
+                </a:ext>
+              </a:extLst>
+            </p:cNvPr>
+            <p:cNvSpPr>
+              <a:spLocks noChangeAspect="1"/>
+            </p:cNvSpPr>
+            <p:nvPr/>
+          </p:nvSpPr>
+          <p:spPr>
+            <a:xfrm>
+              <a:off x="6488431" y="2468880"/>
+              <a:ext cx="90768" cy="91440"/>
+            </a:xfrm>
+            <a:prstGeom prst="ellipse">
+              <a:avLst/>
+            </a:prstGeom>
+            <a:solidFill>
+              <a:schemeClr val="bg1"/>
+            </a:solidFill>
+            <a:ln w="28575">
+              <a:noFill/>
+            </a:ln>
+          </p:spPr>
+          <p:style>
+            <a:lnRef idx="2">
+              <a:schemeClr val="accent1">
+                <a:shade val="15000"/>
+              </a:schemeClr>
+            </a:lnRef>
+            <a:fillRef idx="1">
+              <a:schemeClr val="accent1"/>
+            </a:fillRef>
+            <a:effectRef idx="0">
+              <a:schemeClr val="accent1"/>
+            </a:effectRef>
+            <a:fontRef idx="minor">
+              <a:schemeClr val="lt1"/>
+            </a:fontRef>
+          </p:style>
+          <p:txBody>
+            <a:bodyPr rtlCol="0" anchor="ctr"/>
+            <a:lstStyle/>
+            <a:p>
+              <a:pPr algn="ctr"/>
+              <a:endParaRPr lang="en-US"/>
+            </a:p>
+          </p:txBody>
+        </p:sp>
+        <p:sp>
+          <p:nvSpPr>
+            <p:cNvPr id="15" name="Oval 14">
+              <a:extLst>
+                <a:ext uri="{FF2B5EF4-FFF2-40B4-BE49-F238E27FC236}">
+                  <a16:creationId xmlns:a16="http://schemas.microsoft.com/office/drawing/2014/main" id="{4C458690-CE19-7803-2E61-CDCA208387B0}"/>
+                </a:ext>
+              </a:extLst>
+            </p:cNvPr>
+            <p:cNvSpPr>
+              <a:spLocks noChangeAspect="1"/>
+            </p:cNvSpPr>
+            <p:nvPr/>
+          </p:nvSpPr>
+          <p:spPr>
+            <a:xfrm>
+              <a:off x="6488431" y="2621280"/>
+              <a:ext cx="90768" cy="91440"/>
+            </a:xfrm>
+            <a:prstGeom prst="ellipse">
+              <a:avLst/>
+            </a:prstGeom>
+            <a:solidFill>
+              <a:schemeClr val="tx1"/>
+            </a:solidFill>
+            <a:ln w="28575">
+              <a:solidFill>
+                <a:schemeClr val="tx1"/>
+              </a:solidFill>
+            </a:ln>
+          </p:spPr>
+          <p:style>
+            <a:lnRef idx="2">
+              <a:schemeClr val="accent1">
+                <a:shade val="15000"/>
+              </a:schemeClr>
+            </a:lnRef>
+            <a:fillRef idx="1">
+              <a:schemeClr val="accent1"/>
+            </a:fillRef>
+            <a:effectRef idx="0">
+              <a:schemeClr val="accent1"/>
+            </a:effectRef>
+            <a:fontRef idx="minor">
+              <a:schemeClr val="lt1"/>
+            </a:fontRef>
+          </p:style>
+          <p:txBody>
+            <a:bodyPr rtlCol="0" anchor="ctr"/>
+            <a:lstStyle/>
+            <a:p>
+              <a:pPr algn="ctr"/>
+              <a:endParaRPr lang="en-US"/>
+            </a:p>
+          </p:txBody>
+        </p:sp>
+        <p:sp>
+          <p:nvSpPr>
+            <p:cNvPr id="16" name="Oval 15">
+              <a:extLst>
+                <a:ext uri="{FF2B5EF4-FFF2-40B4-BE49-F238E27FC236}">
+                  <a16:creationId xmlns:a16="http://schemas.microsoft.com/office/drawing/2014/main" id="{3AE780B2-419B-433D-E537-94DDE17DC9E8}"/>
+                </a:ext>
+              </a:extLst>
+            </p:cNvPr>
+            <p:cNvSpPr>
+              <a:spLocks noChangeAspect="1"/>
+            </p:cNvSpPr>
+            <p:nvPr/>
+          </p:nvSpPr>
+          <p:spPr>
+            <a:xfrm>
+              <a:off x="6488431" y="2773680"/>
+              <a:ext cx="90768" cy="91440"/>
+            </a:xfrm>
+            <a:prstGeom prst="ellipse">
+              <a:avLst/>
+            </a:prstGeom>
+            <a:solidFill>
+              <a:schemeClr val="tx1"/>
+            </a:solidFill>
+            <a:ln w="28575">
+              <a:solidFill>
+                <a:schemeClr val="tx1"/>
+              </a:solidFill>
+            </a:ln>
+          </p:spPr>
+          <p:style>
+            <a:lnRef idx="2">
+              <a:schemeClr val="accent1">
+                <a:shade val="15000"/>
+              </a:schemeClr>
+            </a:lnRef>
+            <a:fillRef idx="1">
+              <a:schemeClr val="accent1"/>
+            </a:fillRef>
+            <a:effectRef idx="0">
+              <a:schemeClr val="accent1"/>
+            </a:effectRef>
+            <a:fontRef idx="minor">
+              <a:schemeClr val="lt1"/>
+            </a:fontRef>
+          </p:style>
+          <p:txBody>
+            <a:bodyPr rtlCol="0" anchor="ctr"/>
+            <a:lstStyle/>
+            <a:p>
+              <a:pPr algn="ctr"/>
+              <a:endParaRPr lang="en-US"/>
+            </a:p>
+          </p:txBody>
+        </p:sp>
+        <p:sp>
+          <p:nvSpPr>
+            <p:cNvPr id="17" name="Oval 16">
+              <a:extLst>
+                <a:ext uri="{FF2B5EF4-FFF2-40B4-BE49-F238E27FC236}">
+                  <a16:creationId xmlns:a16="http://schemas.microsoft.com/office/drawing/2014/main" id="{313534EA-E546-FB78-26E8-5945E824F10E}"/>
+                </a:ext>
+              </a:extLst>
+            </p:cNvPr>
+            <p:cNvSpPr>
+              <a:spLocks noChangeAspect="1"/>
+            </p:cNvSpPr>
+            <p:nvPr/>
+          </p:nvSpPr>
+          <p:spPr>
+            <a:xfrm>
+              <a:off x="6488431" y="2926080"/>
+              <a:ext cx="90768" cy="91440"/>
+            </a:xfrm>
+            <a:prstGeom prst="ellipse">
+              <a:avLst/>
+            </a:prstGeom>
+            <a:solidFill>
+              <a:schemeClr val="tx1"/>
+            </a:solidFill>
+            <a:ln w="28575">
+              <a:solidFill>
+                <a:schemeClr val="tx1"/>
+              </a:solidFill>
+            </a:ln>
+          </p:spPr>
+          <p:style>
+            <a:lnRef idx="2">
+              <a:schemeClr val="accent1">
+                <a:shade val="15000"/>
+              </a:schemeClr>
+            </a:lnRef>
+            <a:fillRef idx="1">
+              <a:schemeClr val="accent1"/>
+            </a:fillRef>
+            <a:effectRef idx="0">
+              <a:schemeClr val="accent1"/>
+            </a:effectRef>
+            <a:fontRef idx="minor">
+              <a:schemeClr val="lt1"/>
+            </a:fontRef>
+          </p:style>
+          <p:txBody>
+            <a:bodyPr rtlCol="0" anchor="ctr"/>
+            <a:lstStyle/>
+            <a:p>
+              <a:pPr algn="ctr"/>
+              <a:endParaRPr lang="en-US"/>
+            </a:p>
+          </p:txBody>
+        </p:sp>
+        <p:sp>
+          <p:nvSpPr>
+            <p:cNvPr id="18" name="Oval 17">
+              <a:extLst>
+                <a:ext uri="{FF2B5EF4-FFF2-40B4-BE49-F238E27FC236}">
+                  <a16:creationId xmlns:a16="http://schemas.microsoft.com/office/drawing/2014/main" id="{8CED32B1-BD7F-F932-FDB1-0765742A341E}"/>
+                </a:ext>
+              </a:extLst>
+            </p:cNvPr>
+            <p:cNvSpPr>
+              <a:spLocks noChangeAspect="1"/>
+            </p:cNvSpPr>
+            <p:nvPr/>
+          </p:nvSpPr>
+          <p:spPr>
+            <a:xfrm>
+              <a:off x="6488431" y="3078480"/>
+              <a:ext cx="90768" cy="91440"/>
+            </a:xfrm>
+            <a:prstGeom prst="ellipse">
+              <a:avLst/>
+            </a:prstGeom>
+            <a:solidFill>
+              <a:schemeClr val="tx1"/>
+            </a:solidFill>
+            <a:ln w="28575">
+              <a:solidFill>
+                <a:schemeClr val="tx1"/>
+              </a:solidFill>
+            </a:ln>
+          </p:spPr>
+          <p:style>
+            <a:lnRef idx="2">
+              <a:schemeClr val="accent1">
+                <a:shade val="15000"/>
+              </a:schemeClr>
+            </a:lnRef>
+            <a:fillRef idx="1">
+              <a:schemeClr val="accent1"/>
+            </a:fillRef>
+            <a:effectRef idx="0">
+              <a:schemeClr val="accent1"/>
+            </a:effectRef>
+            <a:fontRef idx="minor">
+              <a:schemeClr val="lt1"/>
+            </a:fontRef>
+          </p:style>
+          <p:txBody>
+            <a:bodyPr rtlCol="0" anchor="ctr"/>
+            <a:lstStyle/>
+            <a:p>
+              <a:pPr algn="ctr"/>
+              <a:endParaRPr lang="en-US"/>
+            </a:p>
+          </p:txBody>
+        </p:sp>
+        <p:sp>
+          <p:nvSpPr>
+            <p:cNvPr id="19" name="Oval 18">
+              <a:extLst>
+                <a:ext uri="{FF2B5EF4-FFF2-40B4-BE49-F238E27FC236}">
+                  <a16:creationId xmlns:a16="http://schemas.microsoft.com/office/drawing/2014/main" id="{DCE92869-6740-FE9A-4048-92DA8F5B4074}"/>
+                </a:ext>
+              </a:extLst>
+            </p:cNvPr>
+            <p:cNvSpPr>
+              <a:spLocks noChangeAspect="1"/>
+            </p:cNvSpPr>
+            <p:nvPr/>
+          </p:nvSpPr>
+          <p:spPr>
+            <a:xfrm>
+              <a:off x="6488431" y="3230880"/>
+              <a:ext cx="90768" cy="91440"/>
+            </a:xfrm>
+            <a:prstGeom prst="ellipse">
+              <a:avLst/>
+            </a:prstGeom>
+            <a:solidFill>
+              <a:schemeClr val="tx1"/>
+            </a:solidFill>
+            <a:ln w="28575">
+              <a:solidFill>
+                <a:schemeClr val="tx1"/>
+              </a:solidFill>
+            </a:ln>
+          </p:spPr>
+          <p:style>
+            <a:lnRef idx="2">
+              <a:schemeClr val="accent1">
+                <a:shade val="15000"/>
+              </a:schemeClr>
+            </a:lnRef>
+            <a:fillRef idx="1">
+              <a:schemeClr val="accent1"/>
+            </a:fillRef>
+            <a:effectRef idx="0">
+              <a:schemeClr val="accent1"/>
+            </a:effectRef>
+            <a:fontRef idx="minor">
+              <a:schemeClr val="lt1"/>
+            </a:fontRef>
+          </p:style>
+          <p:txBody>
+            <a:bodyPr rtlCol="0" anchor="ctr"/>
+            <a:lstStyle/>
+            <a:p>
+              <a:pPr algn="ctr"/>
+              <a:endParaRPr lang="en-US"/>
+            </a:p>
+          </p:txBody>
+        </p:sp>
+        <p:sp>
+          <p:nvSpPr>
+            <p:cNvPr id="20" name="Oval 19">
+              <a:extLst>
+                <a:ext uri="{FF2B5EF4-FFF2-40B4-BE49-F238E27FC236}">
+                  <a16:creationId xmlns:a16="http://schemas.microsoft.com/office/drawing/2014/main" id="{51B2FBF7-DC7E-201E-3275-3946964A6165}"/>
+                </a:ext>
+              </a:extLst>
+            </p:cNvPr>
+            <p:cNvSpPr>
+              <a:spLocks noChangeAspect="1"/>
+            </p:cNvSpPr>
+            <p:nvPr/>
+          </p:nvSpPr>
+          <p:spPr>
+            <a:xfrm>
+              <a:off x="6488431" y="3383280"/>
+              <a:ext cx="90768" cy="91440"/>
+            </a:xfrm>
+            <a:prstGeom prst="ellipse">
+              <a:avLst/>
+            </a:prstGeom>
+            <a:solidFill>
+              <a:schemeClr val="tx1"/>
+            </a:solidFill>
+            <a:ln w="28575">
+              <a:solidFill>
+                <a:schemeClr val="tx1"/>
+              </a:solidFill>
+            </a:ln>
+          </p:spPr>
+          <p:style>
+            <a:lnRef idx="2">
+              <a:schemeClr val="accent1">
+                <a:shade val="15000"/>
+              </a:schemeClr>
+            </a:lnRef>
+            <a:fillRef idx="1">
+              <a:schemeClr val="accent1"/>
+            </a:fillRef>
+            <a:effectRef idx="0">
+              <a:schemeClr val="accent1"/>
+            </a:effectRef>
+            <a:fontRef idx="minor">
+              <a:schemeClr val="lt1"/>
+            </a:fontRef>
+          </p:style>
+          <p:txBody>
+            <a:bodyPr rtlCol="0" anchor="ctr"/>
+            <a:lstStyle/>
+            <a:p>
+              <a:pPr algn="ctr"/>
+              <a:endParaRPr lang="en-US"/>
+            </a:p>
+          </p:txBody>
+        </p:sp>
+        <p:sp>
+          <p:nvSpPr>
+            <p:cNvPr id="21" name="Oval 20">
+              <a:extLst>
+                <a:ext uri="{FF2B5EF4-FFF2-40B4-BE49-F238E27FC236}">
+                  <a16:creationId xmlns:a16="http://schemas.microsoft.com/office/drawing/2014/main" id="{09B6AEB6-F20C-D43C-7A10-0BE5E4B24720}"/>
+                </a:ext>
+              </a:extLst>
+            </p:cNvPr>
+            <p:cNvSpPr>
+              <a:spLocks noChangeAspect="1"/>
+            </p:cNvSpPr>
+            <p:nvPr/>
+          </p:nvSpPr>
+          <p:spPr>
+            <a:xfrm>
+              <a:off x="6488431" y="3535680"/>
+              <a:ext cx="90768" cy="91440"/>
+            </a:xfrm>
+            <a:prstGeom prst="ellipse">
+              <a:avLst/>
+            </a:prstGeom>
+            <a:solidFill>
+              <a:schemeClr val="tx1"/>
+            </a:solidFill>
+            <a:ln w="28575">
+              <a:solidFill>
+                <a:schemeClr val="tx1"/>
+              </a:solidFill>
+            </a:ln>
+          </p:spPr>
+          <p:style>
+            <a:lnRef idx="2">
+              <a:schemeClr val="accent1">
+                <a:shade val="15000"/>
+              </a:schemeClr>
+            </a:lnRef>
+            <a:fillRef idx="1">
+              <a:schemeClr val="accent1"/>
+            </a:fillRef>
+            <a:effectRef idx="0">
+              <a:schemeClr val="accent1"/>
+            </a:effectRef>
+            <a:fontRef idx="minor">
+              <a:schemeClr val="lt1"/>
+            </a:fontRef>
+          </p:style>
+          <p:txBody>
+            <a:bodyPr rtlCol="0" anchor="ctr"/>
+            <a:lstStyle/>
+            <a:p>
+              <a:pPr algn="ctr"/>
+              <a:endParaRPr lang="en-US"/>
+            </a:p>
+          </p:txBody>
+        </p:sp>
+        <p:sp>
+          <p:nvSpPr>
+            <p:cNvPr id="22" name="Oval 21">
+              <a:extLst>
+                <a:ext uri="{FF2B5EF4-FFF2-40B4-BE49-F238E27FC236}">
+                  <a16:creationId xmlns:a16="http://schemas.microsoft.com/office/drawing/2014/main" id="{103E80BD-6FA1-53C9-D652-55ABFF6F10F5}"/>
+                </a:ext>
+              </a:extLst>
+            </p:cNvPr>
+            <p:cNvSpPr>
+              <a:spLocks noChangeAspect="1"/>
+            </p:cNvSpPr>
+            <p:nvPr/>
+          </p:nvSpPr>
+          <p:spPr>
+            <a:xfrm>
+              <a:off x="6488431" y="3688080"/>
+              <a:ext cx="90768" cy="91440"/>
+            </a:xfrm>
+            <a:prstGeom prst="ellipse">
+              <a:avLst/>
+            </a:prstGeom>
+            <a:solidFill>
+              <a:schemeClr val="tx1"/>
+            </a:solidFill>
+            <a:ln w="28575">
+              <a:solidFill>
+                <a:schemeClr val="tx1"/>
+              </a:solidFill>
+            </a:ln>
+          </p:spPr>
+          <p:style>
+            <a:lnRef idx="2">
+              <a:schemeClr val="accent1">
+                <a:shade val="15000"/>
+              </a:schemeClr>
+            </a:lnRef>
+            <a:fillRef idx="1">
+              <a:schemeClr val="accent1"/>
+            </a:fillRef>
+            <a:effectRef idx="0">
+              <a:schemeClr val="accent1"/>
+            </a:effectRef>
+            <a:fontRef idx="minor">
+              <a:schemeClr val="lt1"/>
+            </a:fontRef>
+          </p:style>
+          <p:txBody>
+            <a:bodyPr rtlCol="0" anchor="ctr"/>
+            <a:lstStyle/>
+            <a:p>
+              <a:pPr algn="ctr"/>
+              <a:endParaRPr lang="en-US"/>
+            </a:p>
+          </p:txBody>
+        </p:sp>
+      </p:grpSp>
+      <p:sp>
+        <p:nvSpPr>
+          <p:cNvPr id="24" name="Notched Right Arrow 23">
+            <a:extLst>
+              <a:ext uri="{FF2B5EF4-FFF2-40B4-BE49-F238E27FC236}">
+                <a16:creationId xmlns:a16="http://schemas.microsoft.com/office/drawing/2014/main" id="{49258B7B-F144-AD65-3D01-DC8152ADB1E9}"/>
               </a:ext>
             </a:extLst>
           </p:cNvPr>
@@ -10816,19 +12166,12 @@
         </p:nvSpPr>
         <p:spPr>
           <a:xfrm>
-            <a:off x="1655230" y="1375647"/>
-            <a:ext cx="367880" cy="461665"/>
-          </a:xfrm>
-          <a:prstGeom prst="rect">
-            <a:avLst/>
-          </a:prstGeom>
-          <a:noFill/>
-          <a:ln w="76200">
-            <a:solidFill>
-              <a:srgbClr val="7030A0"/>
-            </a:solidFill>
-            <a:prstDash val="sysDash"/>
-          </a:ln>
+            <a:off x="2983230" y="2980372"/>
+            <a:ext cx="834390" cy="213360"/>
+          </a:xfrm>
+          <a:prstGeom prst="notchedRightArrow">
+            <a:avLst/>
+          </a:prstGeom>
         </p:spPr>
         <p:style>
           <a:lnRef idx="2">
@@ -10857,10 +12200,51 @@
       </p:sp>
       <p:sp>
         <p:nvSpPr>
-          <p:cNvPr id="22" name="Rectangle 21">
-            <a:extLst>
-              <a:ext uri="{FF2B5EF4-FFF2-40B4-BE49-F238E27FC236}">
-                <a16:creationId xmlns:a16="http://schemas.microsoft.com/office/drawing/2014/main" id="{0054EB40-03F3-D00D-4480-3A99988E2A17}"/>
+          <p:cNvPr id="25" name="TextBox 24">
+            <a:extLst>
+              <a:ext uri="{FF2B5EF4-FFF2-40B4-BE49-F238E27FC236}">
+                <a16:creationId xmlns:a16="http://schemas.microsoft.com/office/drawing/2014/main" id="{8DBD0AC2-A63A-08A9-C65F-45F219A28156}"/>
+              </a:ext>
+            </a:extLst>
+          </p:cNvPr>
+          <p:cNvSpPr txBox="1"/>
+          <p:nvPr/>
+        </p:nvSpPr>
+        <p:spPr>
+          <a:xfrm>
+            <a:off x="3017520" y="2312670"/>
+            <a:ext cx="801951" cy="646331"/>
+          </a:xfrm>
+          <a:prstGeom prst="rect">
+            <a:avLst/>
+          </a:prstGeom>
+          <a:noFill/>
+        </p:spPr>
+        <p:txBody>
+          <a:bodyPr wrap="none" rtlCol="0">
+            <a:spAutoFit/>
+          </a:bodyPr>
+          <a:lstStyle/>
+          <a:p>
+            <a:r>
+              <a:rPr lang="en-US" dirty="0"/>
+              <a:t>flatten</a:t>
+            </a:r>
+          </a:p>
+          <a:p>
+            <a:r>
+              <a:rPr lang="en-US" dirty="0"/>
+              <a:t>image</a:t>
+            </a:r>
+          </a:p>
+        </p:txBody>
+      </p:sp>
+      <p:sp>
+        <p:nvSpPr>
+          <p:cNvPr id="26" name="Notched Right Arrow 25">
+            <a:extLst>
+              <a:ext uri="{FF2B5EF4-FFF2-40B4-BE49-F238E27FC236}">
+                <a16:creationId xmlns:a16="http://schemas.microsoft.com/office/drawing/2014/main" id="{3770EB3A-06E4-5AFD-198A-BA84F62555D6}"/>
               </a:ext>
             </a:extLst>
           </p:cNvPr>
@@ -10869,19 +12253,12 @@
         </p:nvSpPr>
         <p:spPr>
           <a:xfrm>
-            <a:off x="2310550" y="1368027"/>
-            <a:ext cx="3785450" cy="461665"/>
-          </a:xfrm>
-          <a:prstGeom prst="rect">
-            <a:avLst/>
-          </a:prstGeom>
-          <a:noFill/>
-          <a:ln w="76200">
-            <a:solidFill>
-              <a:srgbClr val="7030A0"/>
-            </a:solidFill>
-            <a:prstDash val="sysDash"/>
-          </a:ln>
+            <a:off x="4361180" y="3041332"/>
+            <a:ext cx="656590" cy="243840"/>
+          </a:xfrm>
+          <a:prstGeom prst="notchedRightArrow">
+            <a:avLst/>
+          </a:prstGeom>
         </p:spPr>
         <p:style>
           <a:lnRef idx="2">
@@ -10910,10 +12287,10 @@
       </p:sp>
       <p:sp>
         <p:nvSpPr>
-          <p:cNvPr id="23" name="TextBox 22">
-            <a:extLst>
-              <a:ext uri="{FF2B5EF4-FFF2-40B4-BE49-F238E27FC236}">
-                <a16:creationId xmlns:a16="http://schemas.microsoft.com/office/drawing/2014/main" id="{F7D129DA-6229-690D-40A6-96808BD14665}"/>
+          <p:cNvPr id="27" name="TextBox 26">
+            <a:extLst>
+              <a:ext uri="{FF2B5EF4-FFF2-40B4-BE49-F238E27FC236}">
+                <a16:creationId xmlns:a16="http://schemas.microsoft.com/office/drawing/2014/main" id="{C6DFF79C-95B6-E540-043D-ABED4CBFF733}"/>
               </a:ext>
             </a:extLst>
           </p:cNvPr>
@@ -10922,8 +12299,8 @@
         </p:nvSpPr>
         <p:spPr>
           <a:xfrm>
-            <a:off x="7569453" y="2312610"/>
-            <a:ext cx="1685911" cy="400110"/>
+            <a:off x="6572250" y="3884294"/>
+            <a:ext cx="957313" cy="369332"/>
           </a:xfrm>
           <a:prstGeom prst="rect">
             <a:avLst/>
@@ -10937,22 +12314,122 @@
           <a:lstStyle/>
           <a:p>
             <a:r>
-              <a:rPr lang="en-US" sz="2000" dirty="0">
-                <a:solidFill>
-                  <a:srgbClr val="00B050"/>
-                </a:solidFill>
-              </a:rPr>
-              <a:t>True positives.</a:t>
+              <a:rPr lang="en-US" dirty="0"/>
+              <a:t>hidden1</a:t>
             </a:r>
           </a:p>
         </p:txBody>
       </p:sp>
       <p:sp>
         <p:nvSpPr>
-          <p:cNvPr id="24" name="TextBox 23">
-            <a:extLst>
-              <a:ext uri="{FF2B5EF4-FFF2-40B4-BE49-F238E27FC236}">
-                <a16:creationId xmlns:a16="http://schemas.microsoft.com/office/drawing/2014/main" id="{837522B6-F0AA-A672-B77B-10BEF05927C5}"/>
+          <p:cNvPr id="28" name="Oval 27">
+            <a:extLst>
+              <a:ext uri="{FF2B5EF4-FFF2-40B4-BE49-F238E27FC236}">
+                <a16:creationId xmlns:a16="http://schemas.microsoft.com/office/drawing/2014/main" id="{DE8AA83E-AECD-A35D-3FEE-DFDF5B3B8A0B}"/>
+              </a:ext>
+            </a:extLst>
+          </p:cNvPr>
+          <p:cNvSpPr/>
+          <p:nvPr/>
+        </p:nvSpPr>
+        <p:spPr>
+          <a:xfrm>
+            <a:off x="8210550" y="2404110"/>
+            <a:ext cx="308610" cy="308610"/>
+          </a:xfrm>
+          <a:prstGeom prst="ellipse">
+            <a:avLst/>
+          </a:prstGeom>
+          <a:noFill/>
+          <a:ln w="28575">
+            <a:solidFill>
+              <a:schemeClr val="tx1"/>
+            </a:solidFill>
+          </a:ln>
+        </p:spPr>
+        <p:style>
+          <a:lnRef idx="2">
+            <a:schemeClr val="accent1">
+              <a:shade val="15000"/>
+            </a:schemeClr>
+          </a:lnRef>
+          <a:fillRef idx="1">
+            <a:schemeClr val="accent1"/>
+          </a:fillRef>
+          <a:effectRef idx="0">
+            <a:schemeClr val="accent1"/>
+          </a:effectRef>
+          <a:fontRef idx="minor">
+            <a:schemeClr val="lt1"/>
+          </a:fontRef>
+        </p:style>
+        <p:txBody>
+          <a:bodyPr rtlCol="0" anchor="ctr"/>
+          <a:lstStyle/>
+          <a:p>
+            <a:pPr algn="ctr"/>
+            <a:endParaRPr lang="en-US"/>
+          </a:p>
+        </p:txBody>
+      </p:sp>
+      <p:sp>
+        <p:nvSpPr>
+          <p:cNvPr id="29" name="Oval 28">
+            <a:extLst>
+              <a:ext uri="{FF2B5EF4-FFF2-40B4-BE49-F238E27FC236}">
+                <a16:creationId xmlns:a16="http://schemas.microsoft.com/office/drawing/2014/main" id="{DA1F0A88-1BB6-3397-F39D-0D15C3F17729}"/>
+              </a:ext>
+            </a:extLst>
+          </p:cNvPr>
+          <p:cNvSpPr/>
+          <p:nvPr/>
+        </p:nvSpPr>
+        <p:spPr>
+          <a:xfrm>
+            <a:off x="8180070" y="3448050"/>
+            <a:ext cx="308610" cy="308610"/>
+          </a:xfrm>
+          <a:prstGeom prst="ellipse">
+            <a:avLst/>
+          </a:prstGeom>
+          <a:noFill/>
+          <a:ln w="28575">
+            <a:solidFill>
+              <a:schemeClr val="tx1"/>
+            </a:solidFill>
+          </a:ln>
+        </p:spPr>
+        <p:style>
+          <a:lnRef idx="2">
+            <a:schemeClr val="accent1">
+              <a:shade val="15000"/>
+            </a:schemeClr>
+          </a:lnRef>
+          <a:fillRef idx="1">
+            <a:schemeClr val="accent1"/>
+          </a:fillRef>
+          <a:effectRef idx="0">
+            <a:schemeClr val="accent1"/>
+          </a:effectRef>
+          <a:fontRef idx="minor">
+            <a:schemeClr val="lt1"/>
+          </a:fontRef>
+        </p:style>
+        <p:txBody>
+          <a:bodyPr rtlCol="0" anchor="ctr"/>
+          <a:lstStyle/>
+          <a:p>
+            <a:pPr algn="ctr"/>
+            <a:endParaRPr lang="en-US"/>
+          </a:p>
+        </p:txBody>
+      </p:sp>
+      <p:sp>
+        <p:nvSpPr>
+          <p:cNvPr id="30" name="TextBox 29">
+            <a:extLst>
+              <a:ext uri="{FF2B5EF4-FFF2-40B4-BE49-F238E27FC236}">
+                <a16:creationId xmlns:a16="http://schemas.microsoft.com/office/drawing/2014/main" id="{A327395E-4B3A-1C85-99A4-2CE5EA2311F5}"/>
               </a:ext>
             </a:extLst>
           </p:cNvPr>
@@ -10961,8 +12438,8 @@
         </p:nvSpPr>
         <p:spPr>
           <a:xfrm>
-            <a:off x="7596123" y="2659320"/>
-            <a:ext cx="1747851" cy="400110"/>
+            <a:off x="7947660" y="3910964"/>
+            <a:ext cx="957313" cy="369332"/>
           </a:xfrm>
           <a:prstGeom prst="rect">
             <a:avLst/>
@@ -10976,22 +12453,122 @@
           <a:lstStyle/>
           <a:p>
             <a:r>
-              <a:rPr lang="en-US" sz="2000" dirty="0">
-                <a:solidFill>
-                  <a:srgbClr val="FF0000"/>
-                </a:solidFill>
-              </a:rPr>
-              <a:t>False positives.</a:t>
+              <a:rPr lang="en-US" dirty="0"/>
+              <a:t>hidden2</a:t>
             </a:r>
           </a:p>
         </p:txBody>
       </p:sp>
       <p:sp>
         <p:nvSpPr>
-          <p:cNvPr id="25" name="TextBox 24">
-            <a:extLst>
-              <a:ext uri="{FF2B5EF4-FFF2-40B4-BE49-F238E27FC236}">
-                <a16:creationId xmlns:a16="http://schemas.microsoft.com/office/drawing/2014/main" id="{FAD74A35-9C6D-73F3-85AF-29BDAFF68E46}"/>
+          <p:cNvPr id="31" name="Oval 30">
+            <a:extLst>
+              <a:ext uri="{FF2B5EF4-FFF2-40B4-BE49-F238E27FC236}">
+                <a16:creationId xmlns:a16="http://schemas.microsoft.com/office/drawing/2014/main" id="{489EAE90-C5CD-5487-2702-2873474508E7}"/>
+              </a:ext>
+            </a:extLst>
+          </p:cNvPr>
+          <p:cNvSpPr/>
+          <p:nvPr/>
+        </p:nvSpPr>
+        <p:spPr>
+          <a:xfrm>
+            <a:off x="5661660" y="2415540"/>
+            <a:ext cx="308610" cy="308610"/>
+          </a:xfrm>
+          <a:prstGeom prst="ellipse">
+            <a:avLst/>
+          </a:prstGeom>
+          <a:noFill/>
+          <a:ln w="28575">
+            <a:solidFill>
+              <a:schemeClr val="tx1"/>
+            </a:solidFill>
+          </a:ln>
+        </p:spPr>
+        <p:style>
+          <a:lnRef idx="2">
+            <a:schemeClr val="accent1">
+              <a:shade val="15000"/>
+            </a:schemeClr>
+          </a:lnRef>
+          <a:fillRef idx="1">
+            <a:schemeClr val="accent1"/>
+          </a:fillRef>
+          <a:effectRef idx="0">
+            <a:schemeClr val="accent1"/>
+          </a:effectRef>
+          <a:fontRef idx="minor">
+            <a:schemeClr val="lt1"/>
+          </a:fontRef>
+        </p:style>
+        <p:txBody>
+          <a:bodyPr rtlCol="0" anchor="ctr"/>
+          <a:lstStyle/>
+          <a:p>
+            <a:pPr algn="ctr"/>
+            <a:endParaRPr lang="en-US"/>
+          </a:p>
+        </p:txBody>
+      </p:sp>
+      <p:sp>
+        <p:nvSpPr>
+          <p:cNvPr id="32" name="Oval 31">
+            <a:extLst>
+              <a:ext uri="{FF2B5EF4-FFF2-40B4-BE49-F238E27FC236}">
+                <a16:creationId xmlns:a16="http://schemas.microsoft.com/office/drawing/2014/main" id="{C7BFB527-927C-1DD9-7CDC-5E158CBCA375}"/>
+              </a:ext>
+            </a:extLst>
+          </p:cNvPr>
+          <p:cNvSpPr/>
+          <p:nvPr/>
+        </p:nvSpPr>
+        <p:spPr>
+          <a:xfrm>
+            <a:off x="5631180" y="3459480"/>
+            <a:ext cx="308610" cy="308610"/>
+          </a:xfrm>
+          <a:prstGeom prst="ellipse">
+            <a:avLst/>
+          </a:prstGeom>
+          <a:noFill/>
+          <a:ln w="28575">
+            <a:solidFill>
+              <a:schemeClr val="tx1"/>
+            </a:solidFill>
+          </a:ln>
+        </p:spPr>
+        <p:style>
+          <a:lnRef idx="2">
+            <a:schemeClr val="accent1">
+              <a:shade val="15000"/>
+            </a:schemeClr>
+          </a:lnRef>
+          <a:fillRef idx="1">
+            <a:schemeClr val="accent1"/>
+          </a:fillRef>
+          <a:effectRef idx="0">
+            <a:schemeClr val="accent1"/>
+          </a:effectRef>
+          <a:fontRef idx="minor">
+            <a:schemeClr val="lt1"/>
+          </a:fontRef>
+        </p:style>
+        <p:txBody>
+          <a:bodyPr rtlCol="0" anchor="ctr"/>
+          <a:lstStyle/>
+          <a:p>
+            <a:pPr algn="ctr"/>
+            <a:endParaRPr lang="en-US"/>
+          </a:p>
+        </p:txBody>
+      </p:sp>
+      <p:sp>
+        <p:nvSpPr>
+          <p:cNvPr id="33" name="TextBox 32">
+            <a:extLst>
+              <a:ext uri="{FF2B5EF4-FFF2-40B4-BE49-F238E27FC236}">
+                <a16:creationId xmlns:a16="http://schemas.microsoft.com/office/drawing/2014/main" id="{20D5BE3D-F4B5-DFBF-271C-E46BB581DB14}"/>
               </a:ext>
             </a:extLst>
           </p:cNvPr>
@@ -10999,9 +12576,9 @@
           <p:nvPr/>
         </p:nvSpPr>
         <p:spPr>
-          <a:xfrm>
-            <a:off x="7611363" y="3028890"/>
-            <a:ext cx="1817677" cy="400110"/>
+          <a:xfrm rot="10800000">
+            <a:off x="5216613" y="2347942"/>
+            <a:ext cx="572593" cy="1569660"/>
           </a:xfrm>
           <a:prstGeom prst="rect">
             <a:avLst/>
@@ -11015,12 +12592,624 @@
           <a:lstStyle/>
           <a:p>
             <a:r>
-              <a:rPr lang="en-US" sz="2000" dirty="0">
-                <a:solidFill>
-                  <a:srgbClr val="7030A0"/>
-                </a:solidFill>
-              </a:rPr>
-              <a:t>False negatives.</a:t>
+              <a:rPr lang="en-US" sz="9600" dirty="0"/>
+              <a:t>}</a:t>
+            </a:r>
+          </a:p>
+        </p:txBody>
+      </p:sp>
+      <p:sp>
+        <p:nvSpPr>
+          <p:cNvPr id="34" name="TextBox 33">
+            <a:extLst>
+              <a:ext uri="{FF2B5EF4-FFF2-40B4-BE49-F238E27FC236}">
+                <a16:creationId xmlns:a16="http://schemas.microsoft.com/office/drawing/2014/main" id="{0F2E7AE5-328F-A0E7-093C-6E46C5CB8E75}"/>
+              </a:ext>
+            </a:extLst>
+          </p:cNvPr>
+          <p:cNvSpPr txBox="1"/>
+          <p:nvPr/>
+        </p:nvSpPr>
+        <p:spPr>
+          <a:xfrm>
+            <a:off x="4908711" y="2629852"/>
+            <a:ext cx="535724" cy="369332"/>
+          </a:xfrm>
+          <a:prstGeom prst="rect">
+            <a:avLst/>
+          </a:prstGeom>
+          <a:noFill/>
+        </p:spPr>
+        <p:txBody>
+          <a:bodyPr wrap="none" rtlCol="0">
+            <a:spAutoFit/>
+          </a:bodyPr>
+          <a:lstStyle/>
+          <a:p>
+            <a:r>
+              <a:rPr lang="en-US" dirty="0"/>
+              <a:t>784</a:t>
+            </a:r>
+          </a:p>
+        </p:txBody>
+      </p:sp>
+      <p:sp>
+        <p:nvSpPr>
+          <p:cNvPr id="35" name="Notched Right Arrow 34">
+            <a:extLst>
+              <a:ext uri="{FF2B5EF4-FFF2-40B4-BE49-F238E27FC236}">
+                <a16:creationId xmlns:a16="http://schemas.microsoft.com/office/drawing/2014/main" id="{740E6244-E43F-8097-D14F-2E7AB32E28C3}"/>
+              </a:ext>
+            </a:extLst>
+          </p:cNvPr>
+          <p:cNvSpPr/>
+          <p:nvPr/>
+        </p:nvSpPr>
+        <p:spPr>
+          <a:xfrm>
+            <a:off x="5983878" y="2939414"/>
+            <a:ext cx="656590" cy="243840"/>
+          </a:xfrm>
+          <a:prstGeom prst="notchedRightArrow">
+            <a:avLst/>
+          </a:prstGeom>
+        </p:spPr>
+        <p:style>
+          <a:lnRef idx="2">
+            <a:schemeClr val="accent1">
+              <a:shade val="15000"/>
+            </a:schemeClr>
+          </a:lnRef>
+          <a:fillRef idx="1">
+            <a:schemeClr val="accent1"/>
+          </a:fillRef>
+          <a:effectRef idx="0">
+            <a:schemeClr val="accent1"/>
+          </a:effectRef>
+          <a:fontRef idx="minor">
+            <a:schemeClr val="lt1"/>
+          </a:fontRef>
+        </p:style>
+        <p:txBody>
+          <a:bodyPr rtlCol="0" anchor="ctr"/>
+          <a:lstStyle/>
+          <a:p>
+            <a:pPr algn="ctr"/>
+            <a:endParaRPr lang="en-US"/>
+          </a:p>
+        </p:txBody>
+      </p:sp>
+      <p:sp>
+        <p:nvSpPr>
+          <p:cNvPr id="36" name="Notched Right Arrow 35">
+            <a:extLst>
+              <a:ext uri="{FF2B5EF4-FFF2-40B4-BE49-F238E27FC236}">
+                <a16:creationId xmlns:a16="http://schemas.microsoft.com/office/drawing/2014/main" id="{55BB1D64-8B68-EFD5-9526-CFB137DE7A2D}"/>
+              </a:ext>
+            </a:extLst>
+          </p:cNvPr>
+          <p:cNvSpPr/>
+          <p:nvPr/>
+        </p:nvSpPr>
+        <p:spPr>
+          <a:xfrm>
+            <a:off x="7334614" y="2905124"/>
+            <a:ext cx="656590" cy="243840"/>
+          </a:xfrm>
+          <a:prstGeom prst="notchedRightArrow">
+            <a:avLst/>
+          </a:prstGeom>
+        </p:spPr>
+        <p:style>
+          <a:lnRef idx="2">
+            <a:schemeClr val="accent1">
+              <a:shade val="15000"/>
+            </a:schemeClr>
+          </a:lnRef>
+          <a:fillRef idx="1">
+            <a:schemeClr val="accent1"/>
+          </a:fillRef>
+          <a:effectRef idx="0">
+            <a:schemeClr val="accent1"/>
+          </a:effectRef>
+          <a:fontRef idx="minor">
+            <a:schemeClr val="lt1"/>
+          </a:fontRef>
+        </p:style>
+        <p:txBody>
+          <a:bodyPr rtlCol="0" anchor="ctr"/>
+          <a:lstStyle/>
+          <a:p>
+            <a:pPr algn="ctr"/>
+            <a:endParaRPr lang="en-US"/>
+          </a:p>
+        </p:txBody>
+      </p:sp>
+      <p:sp>
+        <p:nvSpPr>
+          <p:cNvPr id="37" name="Oval 36">
+            <a:extLst>
+              <a:ext uri="{FF2B5EF4-FFF2-40B4-BE49-F238E27FC236}">
+                <a16:creationId xmlns:a16="http://schemas.microsoft.com/office/drawing/2014/main" id="{B113AA35-0265-DE3E-EC40-BCD433AC9C3A}"/>
+              </a:ext>
+            </a:extLst>
+          </p:cNvPr>
+          <p:cNvSpPr/>
+          <p:nvPr/>
+        </p:nvSpPr>
+        <p:spPr>
+          <a:xfrm>
+            <a:off x="9780270" y="2407920"/>
+            <a:ext cx="308610" cy="308610"/>
+          </a:xfrm>
+          <a:prstGeom prst="ellipse">
+            <a:avLst/>
+          </a:prstGeom>
+          <a:noFill/>
+          <a:ln w="28575">
+            <a:solidFill>
+              <a:schemeClr val="tx1"/>
+            </a:solidFill>
+          </a:ln>
+        </p:spPr>
+        <p:style>
+          <a:lnRef idx="2">
+            <a:schemeClr val="accent1">
+              <a:shade val="15000"/>
+            </a:schemeClr>
+          </a:lnRef>
+          <a:fillRef idx="1">
+            <a:schemeClr val="accent1"/>
+          </a:fillRef>
+          <a:effectRef idx="0">
+            <a:schemeClr val="accent1"/>
+          </a:effectRef>
+          <a:fontRef idx="minor">
+            <a:schemeClr val="lt1"/>
+          </a:fontRef>
+        </p:style>
+        <p:txBody>
+          <a:bodyPr rtlCol="0" anchor="ctr"/>
+          <a:lstStyle/>
+          <a:p>
+            <a:pPr algn="ctr"/>
+            <a:endParaRPr lang="en-US"/>
+          </a:p>
+        </p:txBody>
+      </p:sp>
+      <p:sp>
+        <p:nvSpPr>
+          <p:cNvPr id="38" name="Oval 37">
+            <a:extLst>
+              <a:ext uri="{FF2B5EF4-FFF2-40B4-BE49-F238E27FC236}">
+                <a16:creationId xmlns:a16="http://schemas.microsoft.com/office/drawing/2014/main" id="{93847F6E-FCBB-B72B-E4EF-C39CE6E5CB13}"/>
+              </a:ext>
+            </a:extLst>
+          </p:cNvPr>
+          <p:cNvSpPr/>
+          <p:nvPr/>
+        </p:nvSpPr>
+        <p:spPr>
+          <a:xfrm>
+            <a:off x="9749790" y="3451860"/>
+            <a:ext cx="308610" cy="308610"/>
+          </a:xfrm>
+          <a:prstGeom prst="ellipse">
+            <a:avLst/>
+          </a:prstGeom>
+          <a:noFill/>
+          <a:ln w="28575">
+            <a:solidFill>
+              <a:schemeClr val="tx1"/>
+            </a:solidFill>
+          </a:ln>
+        </p:spPr>
+        <p:style>
+          <a:lnRef idx="2">
+            <a:schemeClr val="accent1">
+              <a:shade val="15000"/>
+            </a:schemeClr>
+          </a:lnRef>
+          <a:fillRef idx="1">
+            <a:schemeClr val="accent1"/>
+          </a:fillRef>
+          <a:effectRef idx="0">
+            <a:schemeClr val="accent1"/>
+          </a:effectRef>
+          <a:fontRef idx="minor">
+            <a:schemeClr val="lt1"/>
+          </a:fontRef>
+        </p:style>
+        <p:txBody>
+          <a:bodyPr rtlCol="0" anchor="ctr"/>
+          <a:lstStyle/>
+          <a:p>
+            <a:pPr algn="ctr"/>
+            <a:endParaRPr lang="en-US"/>
+          </a:p>
+        </p:txBody>
+      </p:sp>
+      <p:sp>
+        <p:nvSpPr>
+          <p:cNvPr id="39" name="TextBox 38">
+            <a:extLst>
+              <a:ext uri="{FF2B5EF4-FFF2-40B4-BE49-F238E27FC236}">
+                <a16:creationId xmlns:a16="http://schemas.microsoft.com/office/drawing/2014/main" id="{9F5ECD4D-774A-2198-79C5-59B92EBF318F}"/>
+              </a:ext>
+            </a:extLst>
+          </p:cNvPr>
+          <p:cNvSpPr txBox="1"/>
+          <p:nvPr/>
+        </p:nvSpPr>
+        <p:spPr>
+          <a:xfrm>
+            <a:off x="6638836" y="1974532"/>
+            <a:ext cx="802464" cy="369332"/>
+          </a:xfrm>
+          <a:prstGeom prst="rect">
+            <a:avLst/>
+          </a:prstGeom>
+          <a:noFill/>
+        </p:spPr>
+        <p:txBody>
+          <a:bodyPr wrap="none" rtlCol="0">
+            <a:spAutoFit/>
+          </a:bodyPr>
+          <a:lstStyle/>
+          <a:p>
+            <a:r>
+              <a:rPr lang="en-US" dirty="0"/>
+              <a:t>(</a:t>
+            </a:r>
+            <a:r>
+              <a:rPr lang="en-US" dirty="0" err="1"/>
+              <a:t>ReLU</a:t>
+            </a:r>
+            <a:r>
+              <a:rPr lang="en-US" dirty="0"/>
+              <a:t>)</a:t>
+            </a:r>
+          </a:p>
+        </p:txBody>
+      </p:sp>
+      <p:sp>
+        <p:nvSpPr>
+          <p:cNvPr id="40" name="TextBox 39">
+            <a:extLst>
+              <a:ext uri="{FF2B5EF4-FFF2-40B4-BE49-F238E27FC236}">
+                <a16:creationId xmlns:a16="http://schemas.microsoft.com/office/drawing/2014/main" id="{EDEA6BD4-A47D-17B2-23E5-05CE16B7F6DD}"/>
+              </a:ext>
+            </a:extLst>
+          </p:cNvPr>
+          <p:cNvSpPr txBox="1"/>
+          <p:nvPr/>
+        </p:nvSpPr>
+        <p:spPr>
+          <a:xfrm>
+            <a:off x="8014246" y="1978342"/>
+            <a:ext cx="802464" cy="369332"/>
+          </a:xfrm>
+          <a:prstGeom prst="rect">
+            <a:avLst/>
+          </a:prstGeom>
+          <a:noFill/>
+        </p:spPr>
+        <p:txBody>
+          <a:bodyPr wrap="none" rtlCol="0">
+            <a:spAutoFit/>
+          </a:bodyPr>
+          <a:lstStyle/>
+          <a:p>
+            <a:r>
+              <a:rPr lang="en-US" dirty="0"/>
+              <a:t>(</a:t>
+            </a:r>
+            <a:r>
+              <a:rPr lang="en-US" dirty="0" err="1"/>
+              <a:t>ReLU</a:t>
+            </a:r>
+            <a:r>
+              <a:rPr lang="en-US" dirty="0"/>
+              <a:t>)</a:t>
+            </a:r>
+          </a:p>
+        </p:txBody>
+      </p:sp>
+      <p:sp>
+        <p:nvSpPr>
+          <p:cNvPr id="41" name="TextBox 40">
+            <a:extLst>
+              <a:ext uri="{FF2B5EF4-FFF2-40B4-BE49-F238E27FC236}">
+                <a16:creationId xmlns:a16="http://schemas.microsoft.com/office/drawing/2014/main" id="{ADAF93A4-3D90-D444-95EE-78D36A296A5F}"/>
+              </a:ext>
+            </a:extLst>
+          </p:cNvPr>
+          <p:cNvSpPr txBox="1"/>
+          <p:nvPr/>
+        </p:nvSpPr>
+        <p:spPr>
+          <a:xfrm>
+            <a:off x="9515386" y="1993582"/>
+            <a:ext cx="1093056" cy="369332"/>
+          </a:xfrm>
+          <a:prstGeom prst="rect">
+            <a:avLst/>
+          </a:prstGeom>
+          <a:noFill/>
+        </p:spPr>
+        <p:txBody>
+          <a:bodyPr wrap="none" rtlCol="0">
+            <a:spAutoFit/>
+          </a:bodyPr>
+          <a:lstStyle/>
+          <a:p>
+            <a:r>
+              <a:rPr lang="en-US" dirty="0"/>
+              <a:t>(</a:t>
+            </a:r>
+            <a:r>
+              <a:rPr lang="en-US" dirty="0" err="1"/>
+              <a:t>Softmax</a:t>
+            </a:r>
+            <a:r>
+              <a:rPr lang="en-US" dirty="0"/>
+              <a:t>)</a:t>
+            </a:r>
+          </a:p>
+        </p:txBody>
+      </p:sp>
+      <p:sp>
+        <p:nvSpPr>
+          <p:cNvPr id="42" name="TextBox 41">
+            <a:extLst>
+              <a:ext uri="{FF2B5EF4-FFF2-40B4-BE49-F238E27FC236}">
+                <a16:creationId xmlns:a16="http://schemas.microsoft.com/office/drawing/2014/main" id="{A462B984-3D4A-2880-587A-783254584AC8}"/>
+              </a:ext>
+            </a:extLst>
+          </p:cNvPr>
+          <p:cNvSpPr txBox="1"/>
+          <p:nvPr/>
+        </p:nvSpPr>
+        <p:spPr>
+          <a:xfrm rot="10800000">
+            <a:off x="9300154" y="2343864"/>
+            <a:ext cx="572593" cy="1569660"/>
+          </a:xfrm>
+          <a:prstGeom prst="rect">
+            <a:avLst/>
+          </a:prstGeom>
+          <a:noFill/>
+        </p:spPr>
+        <p:txBody>
+          <a:bodyPr wrap="none" rtlCol="0">
+            <a:spAutoFit/>
+          </a:bodyPr>
+          <a:lstStyle/>
+          <a:p>
+            <a:r>
+              <a:rPr lang="en-US" sz="9600" dirty="0"/>
+              <a:t>}</a:t>
+            </a:r>
+          </a:p>
+        </p:txBody>
+      </p:sp>
+      <p:sp>
+        <p:nvSpPr>
+          <p:cNvPr id="43" name="TextBox 42">
+            <a:extLst>
+              <a:ext uri="{FF2B5EF4-FFF2-40B4-BE49-F238E27FC236}">
+                <a16:creationId xmlns:a16="http://schemas.microsoft.com/office/drawing/2014/main" id="{0B9B97F9-1986-8C3D-6745-1CCF78CD4F67}"/>
+              </a:ext>
+            </a:extLst>
+          </p:cNvPr>
+          <p:cNvSpPr txBox="1"/>
+          <p:nvPr/>
+        </p:nvSpPr>
+        <p:spPr>
+          <a:xfrm>
+            <a:off x="9163702" y="2580054"/>
+            <a:ext cx="418704" cy="369332"/>
+          </a:xfrm>
+          <a:prstGeom prst="rect">
+            <a:avLst/>
+          </a:prstGeom>
+          <a:noFill/>
+        </p:spPr>
+        <p:txBody>
+          <a:bodyPr wrap="none" rtlCol="0">
+            <a:spAutoFit/>
+          </a:bodyPr>
+          <a:lstStyle/>
+          <a:p>
+            <a:r>
+              <a:rPr lang="en-US" dirty="0"/>
+              <a:t>10</a:t>
+            </a:r>
+          </a:p>
+        </p:txBody>
+      </p:sp>
+      <p:sp>
+        <p:nvSpPr>
+          <p:cNvPr id="44" name="Notched Right Arrow 43">
+            <a:extLst>
+              <a:ext uri="{FF2B5EF4-FFF2-40B4-BE49-F238E27FC236}">
+                <a16:creationId xmlns:a16="http://schemas.microsoft.com/office/drawing/2014/main" id="{95DC816E-9CDC-03BD-1806-36F68EE557FC}"/>
+              </a:ext>
+            </a:extLst>
+          </p:cNvPr>
+          <p:cNvSpPr/>
+          <p:nvPr/>
+        </p:nvSpPr>
+        <p:spPr>
+          <a:xfrm>
+            <a:off x="8630014" y="2920364"/>
+            <a:ext cx="656590" cy="243840"/>
+          </a:xfrm>
+          <a:prstGeom prst="notchedRightArrow">
+            <a:avLst/>
+          </a:prstGeom>
+        </p:spPr>
+        <p:style>
+          <a:lnRef idx="2">
+            <a:schemeClr val="accent1">
+              <a:shade val="15000"/>
+            </a:schemeClr>
+          </a:lnRef>
+          <a:fillRef idx="1">
+            <a:schemeClr val="accent1"/>
+          </a:fillRef>
+          <a:effectRef idx="0">
+            <a:schemeClr val="accent1"/>
+          </a:effectRef>
+          <a:fontRef idx="minor">
+            <a:schemeClr val="lt1"/>
+          </a:fontRef>
+        </p:style>
+        <p:txBody>
+          <a:bodyPr rtlCol="0" anchor="ctr"/>
+          <a:lstStyle/>
+          <a:p>
+            <a:pPr algn="ctr"/>
+            <a:endParaRPr lang="en-US"/>
+          </a:p>
+        </p:txBody>
+      </p:sp>
+      <p:sp>
+        <p:nvSpPr>
+          <p:cNvPr id="45" name="TextBox 44">
+            <a:extLst>
+              <a:ext uri="{FF2B5EF4-FFF2-40B4-BE49-F238E27FC236}">
+                <a16:creationId xmlns:a16="http://schemas.microsoft.com/office/drawing/2014/main" id="{7EAB0ED9-9EA9-3572-BEC0-A555E6185F28}"/>
+              </a:ext>
+            </a:extLst>
+          </p:cNvPr>
+          <p:cNvSpPr txBox="1"/>
+          <p:nvPr/>
+        </p:nvSpPr>
+        <p:spPr>
+          <a:xfrm>
+            <a:off x="9795874" y="2377440"/>
+            <a:ext cx="301686" cy="369332"/>
+          </a:xfrm>
+          <a:prstGeom prst="rect">
+            <a:avLst/>
+          </a:prstGeom>
+          <a:noFill/>
+        </p:spPr>
+        <p:txBody>
+          <a:bodyPr wrap="none" rtlCol="0">
+            <a:spAutoFit/>
+          </a:bodyPr>
+          <a:lstStyle/>
+          <a:p>
+            <a:r>
+              <a:rPr lang="en-US" b="1" dirty="0"/>
+              <a:t>0</a:t>
+            </a:r>
+          </a:p>
+        </p:txBody>
+      </p:sp>
+      <p:sp>
+        <p:nvSpPr>
+          <p:cNvPr id="46" name="TextBox 45">
+            <a:extLst>
+              <a:ext uri="{FF2B5EF4-FFF2-40B4-BE49-F238E27FC236}">
+                <a16:creationId xmlns:a16="http://schemas.microsoft.com/office/drawing/2014/main" id="{F583F525-A048-46CD-3899-2BC55A68E188}"/>
+              </a:ext>
+            </a:extLst>
+          </p:cNvPr>
+          <p:cNvSpPr txBox="1"/>
+          <p:nvPr/>
+        </p:nvSpPr>
+        <p:spPr>
+          <a:xfrm>
+            <a:off x="9765394" y="3409950"/>
+            <a:ext cx="301686" cy="369332"/>
+          </a:xfrm>
+          <a:prstGeom prst="rect">
+            <a:avLst/>
+          </a:prstGeom>
+          <a:noFill/>
+        </p:spPr>
+        <p:txBody>
+          <a:bodyPr wrap="none" rtlCol="0">
+            <a:spAutoFit/>
+          </a:bodyPr>
+          <a:lstStyle/>
+          <a:p>
+            <a:r>
+              <a:rPr lang="en-US" b="1" dirty="0"/>
+              <a:t>9</a:t>
+            </a:r>
+          </a:p>
+        </p:txBody>
+      </p:sp>
+      <p:sp>
+        <p:nvSpPr>
+          <p:cNvPr id="48" name="TextBox 47">
+            <a:extLst>
+              <a:ext uri="{FF2B5EF4-FFF2-40B4-BE49-F238E27FC236}">
+                <a16:creationId xmlns:a16="http://schemas.microsoft.com/office/drawing/2014/main" id="{A52DD277-8099-A215-BEC1-D8DCB3060868}"/>
+              </a:ext>
+            </a:extLst>
+          </p:cNvPr>
+          <p:cNvSpPr txBox="1"/>
+          <p:nvPr/>
+        </p:nvSpPr>
+        <p:spPr>
+          <a:xfrm>
+            <a:off x="5366290" y="3898791"/>
+            <a:ext cx="679994" cy="369332"/>
+          </a:xfrm>
+          <a:prstGeom prst="rect">
+            <a:avLst/>
+          </a:prstGeom>
+          <a:noFill/>
+        </p:spPr>
+        <p:txBody>
+          <a:bodyPr wrap="none" rtlCol="0">
+            <a:spAutoFit/>
+          </a:bodyPr>
+          <a:lstStyle/>
+          <a:p>
+            <a:r>
+              <a:rPr lang="en-US" dirty="0"/>
+              <a:t>input</a:t>
+            </a:r>
+          </a:p>
+        </p:txBody>
+      </p:sp>
+      <p:sp>
+        <p:nvSpPr>
+          <p:cNvPr id="49" name="TextBox 48">
+            <a:extLst>
+              <a:ext uri="{FF2B5EF4-FFF2-40B4-BE49-F238E27FC236}">
+                <a16:creationId xmlns:a16="http://schemas.microsoft.com/office/drawing/2014/main" id="{33B26BDC-5036-C466-FE3E-262A0B085E7C}"/>
+              </a:ext>
+            </a:extLst>
+          </p:cNvPr>
+          <p:cNvSpPr txBox="1"/>
+          <p:nvPr/>
+        </p:nvSpPr>
+        <p:spPr>
+          <a:xfrm>
+            <a:off x="9271133" y="3890902"/>
+            <a:ext cx="825867" cy="369332"/>
+          </a:xfrm>
+          <a:prstGeom prst="rect">
+            <a:avLst/>
+          </a:prstGeom>
+          <a:noFill/>
+        </p:spPr>
+        <p:txBody>
+          <a:bodyPr wrap="none" rtlCol="0">
+            <a:spAutoFit/>
+          </a:bodyPr>
+          <a:lstStyle/>
+          <a:p>
+            <a:r>
+              <a:rPr lang="en-US" dirty="0"/>
+              <a:t>output</a:t>
             </a:r>
           </a:p>
         </p:txBody>
@@ -11028,7 +13217,7 @@
     </p:spTree>
     <p:extLst>
       <p:ext uri="{BB962C8B-B14F-4D97-AF65-F5344CB8AC3E}">
-        <p14:creationId xmlns:p14="http://schemas.microsoft.com/office/powerpoint/2010/main" val="3963716236"/>
+        <p14:creationId xmlns:p14="http://schemas.microsoft.com/office/powerpoint/2010/main" val="2640075613"/>
       </p:ext>
     </p:extLst>
   </p:cSld>

--- a/docs/figures.pptx
+++ b/docs/figures.pptx
@@ -116,6 +116,11 @@
       </a:defRPr>
     </a:lvl9pPr>
   </p:defaultTextStyle>
+  <p:extLst>
+    <p:ext uri="{EFAFB233-063F-42B5-8137-9DF3F51BA10A}">
+      <p15:sldGuideLst xmlns:p15="http://schemas.microsoft.com/office/powerpoint/2012/main"/>
+    </p:ext>
+  </p:extLst>
 </p:presentation>
 </file>
 
@@ -201,7 +206,7 @@
           <a:p>
             <a:fld id="{1E4181FA-15DD-4E46-AB27-FFAC9E7A59E5}" type="datetimeFigureOut">
               <a:rPr lang="en-US" smtClean="0"/>
-              <a:t>4/14/24</a:t>
+              <a:t>4/29/24</a:t>
             </a:fld>
             <a:endParaRPr lang="en-US"/>
           </a:p>
@@ -699,7 +704,7 @@
           <a:p>
             <a:fld id="{D8F70AAB-8264-C948-BB24-F8086346C890}" type="datetimeFigureOut">
               <a:rPr lang="en-US" smtClean="0"/>
-              <a:t>4/9/24</a:t>
+              <a:t>4/29/24</a:t>
             </a:fld>
             <a:endParaRPr lang="en-US"/>
           </a:p>
@@ -897,7 +902,7 @@
           <a:p>
             <a:fld id="{D8F70AAB-8264-C948-BB24-F8086346C890}" type="datetimeFigureOut">
               <a:rPr lang="en-US" smtClean="0"/>
-              <a:t>4/9/24</a:t>
+              <a:t>4/29/24</a:t>
             </a:fld>
             <a:endParaRPr lang="en-US"/>
           </a:p>
@@ -1105,7 +1110,7 @@
           <a:p>
             <a:fld id="{D8F70AAB-8264-C948-BB24-F8086346C890}" type="datetimeFigureOut">
               <a:rPr lang="en-US" smtClean="0"/>
-              <a:t>4/9/24</a:t>
+              <a:t>4/29/24</a:t>
             </a:fld>
             <a:endParaRPr lang="en-US"/>
           </a:p>
@@ -1303,7 +1308,7 @@
           <a:p>
             <a:fld id="{D8F70AAB-8264-C948-BB24-F8086346C890}" type="datetimeFigureOut">
               <a:rPr lang="en-US" smtClean="0"/>
-              <a:t>4/9/24</a:t>
+              <a:t>4/29/24</a:t>
             </a:fld>
             <a:endParaRPr lang="en-US"/>
           </a:p>
@@ -1578,7 +1583,7 @@
           <a:p>
             <a:fld id="{D8F70AAB-8264-C948-BB24-F8086346C890}" type="datetimeFigureOut">
               <a:rPr lang="en-US" smtClean="0"/>
-              <a:t>4/9/24</a:t>
+              <a:t>4/29/24</a:t>
             </a:fld>
             <a:endParaRPr lang="en-US"/>
           </a:p>
@@ -1843,7 +1848,7 @@
           <a:p>
             <a:fld id="{D8F70AAB-8264-C948-BB24-F8086346C890}" type="datetimeFigureOut">
               <a:rPr lang="en-US" smtClean="0"/>
-              <a:t>4/9/24</a:t>
+              <a:t>4/29/24</a:t>
             </a:fld>
             <a:endParaRPr lang="en-US"/>
           </a:p>
@@ -2255,7 +2260,7 @@
           <a:p>
             <a:fld id="{D8F70AAB-8264-C948-BB24-F8086346C890}" type="datetimeFigureOut">
               <a:rPr lang="en-US" smtClean="0"/>
-              <a:t>4/9/24</a:t>
+              <a:t>4/29/24</a:t>
             </a:fld>
             <a:endParaRPr lang="en-US"/>
           </a:p>
@@ -2396,7 +2401,7 @@
           <a:p>
             <a:fld id="{D8F70AAB-8264-C948-BB24-F8086346C890}" type="datetimeFigureOut">
               <a:rPr lang="en-US" smtClean="0"/>
-              <a:t>4/9/24</a:t>
+              <a:t>4/29/24</a:t>
             </a:fld>
             <a:endParaRPr lang="en-US"/>
           </a:p>
@@ -2509,7 +2514,7 @@
           <a:p>
             <a:fld id="{D8F70AAB-8264-C948-BB24-F8086346C890}" type="datetimeFigureOut">
               <a:rPr lang="en-US" smtClean="0"/>
-              <a:t>4/9/24</a:t>
+              <a:t>4/29/24</a:t>
             </a:fld>
             <a:endParaRPr lang="en-US"/>
           </a:p>
@@ -2820,7 +2825,7 @@
           <a:p>
             <a:fld id="{D8F70AAB-8264-C948-BB24-F8086346C890}" type="datetimeFigureOut">
               <a:rPr lang="en-US" smtClean="0"/>
-              <a:t>4/9/24</a:t>
+              <a:t>4/29/24</a:t>
             </a:fld>
             <a:endParaRPr lang="en-US"/>
           </a:p>
@@ -3108,7 +3113,7 @@
           <a:p>
             <a:fld id="{D8F70AAB-8264-C948-BB24-F8086346C890}" type="datetimeFigureOut">
               <a:rPr lang="en-US" smtClean="0"/>
-              <a:t>4/9/24</a:t>
+              <a:t>4/29/24</a:t>
             </a:fld>
             <a:endParaRPr lang="en-US"/>
           </a:p>
@@ -3349,7 +3354,7 @@
           <a:p>
             <a:fld id="{D8F70AAB-8264-C948-BB24-F8086346C890}" type="datetimeFigureOut">
               <a:rPr lang="en-US" smtClean="0"/>
-              <a:t>4/9/24</a:t>
+              <a:t>4/29/24</a:t>
             </a:fld>
             <a:endParaRPr lang="en-US"/>
           </a:p>
@@ -12783,8 +12788,8 @@
             </p:nvSpPr>
             <p:spPr>
               <a:xfrm>
-                <a:off x="3988211" y="4913560"/>
-                <a:ext cx="2661049" cy="276999"/>
+                <a:off x="3241982" y="4682334"/>
+                <a:ext cx="2148152" cy="215444"/>
               </a:xfrm>
               <a:prstGeom prst="rect">
                 <a:avLst/>
@@ -12797,6 +12802,7 @@
               </a:bodyPr>
               <a:lstStyle/>
               <a:p>
+                <a:pPr/>
                 <a14:m>
                   <m:oMathPara xmlns:m="http://schemas.openxmlformats.org/officeDocument/2006/math">
                     <m:oMathParaPr>
@@ -12804,49 +12810,55 @@
                     </m:oMathParaPr>
                     <m:oMath xmlns:m="http://schemas.openxmlformats.org/officeDocument/2006/math">
                       <m:r>
-                        <a:rPr lang="en-US" b="0" i="1" smtClean="0">
+                        <a:rPr lang="en-US" sz="1400" b="0" i="1" smtClean="0">
                           <a:latin typeface="Cambria Math" panose="02040503050406030204" pitchFamily="18" charset="0"/>
                         </a:rPr>
-                        <m:t>𝑝𝑒𝑐𝑖𝑠𝑖𝑜𝑛</m:t>
+                        <m:t>𝑝𝑟</m:t>
                       </m:r>
                       <m:r>
-                        <a:rPr lang="en-US" b="0" i="1" smtClean="0">
+                        <a:rPr lang="en-US" sz="1400" b="0" i="1" smtClean="0">
+                          <a:latin typeface="Cambria Math" panose="02040503050406030204" pitchFamily="18" charset="0"/>
+                        </a:rPr>
+                        <m:t>𝑒𝑐𝑖𝑠𝑖𝑜𝑛</m:t>
+                      </m:r>
+                      <m:r>
+                        <a:rPr lang="en-US" sz="1400" b="0" i="1" smtClean="0">
                           <a:latin typeface="Cambria Math" panose="02040503050406030204" pitchFamily="18" charset="0"/>
                         </a:rPr>
                         <m:t>=</m:t>
                       </m:r>
                       <m:r>
-                        <a:rPr lang="en-US" b="0" i="1" smtClean="0">
+                        <a:rPr lang="en-US" sz="1400" b="0" i="1" smtClean="0">
                           <a:latin typeface="Cambria Math" panose="02040503050406030204" pitchFamily="18" charset="0"/>
                         </a:rPr>
                         <m:t>𝑇𝑃</m:t>
                       </m:r>
                       <m:r>
-                        <a:rPr lang="en-US" b="0" i="1" smtClean="0">
+                        <a:rPr lang="en-US" sz="1400" b="0" i="1" smtClean="0">
                           <a:latin typeface="Cambria Math" panose="02040503050406030204" pitchFamily="18" charset="0"/>
                         </a:rPr>
                         <m:t>/(</m:t>
                       </m:r>
                       <m:r>
-                        <a:rPr lang="en-US" b="0" i="1" smtClean="0">
+                        <a:rPr lang="en-US" sz="1400" b="0" i="1" smtClean="0">
                           <a:latin typeface="Cambria Math" panose="02040503050406030204" pitchFamily="18" charset="0"/>
                         </a:rPr>
                         <m:t>𝑇𝑃</m:t>
                       </m:r>
                       <m:r>
-                        <a:rPr lang="en-US" b="0" i="1" smtClean="0">
+                        <a:rPr lang="en-US" sz="1400" b="0" i="1" smtClean="0">
                           <a:latin typeface="Cambria Math" panose="02040503050406030204" pitchFamily="18" charset="0"/>
                         </a:rPr>
                         <m:t>+</m:t>
                       </m:r>
                       <m:r>
-                        <a:rPr lang="en-US" b="0" i="1" smtClean="0">
+                        <a:rPr lang="en-US" sz="1400" b="0" i="1" smtClean="0">
                           <a:latin typeface="Cambria Math" panose="02040503050406030204" pitchFamily="18" charset="0"/>
                         </a:rPr>
                         <m:t>𝐹𝑃</m:t>
                       </m:r>
                       <m:r>
-                        <a:rPr lang="en-US" b="0" i="1" smtClean="0">
+                        <a:rPr lang="en-US" sz="1400" b="0" i="1" smtClean="0">
                           <a:latin typeface="Cambria Math" panose="02040503050406030204" pitchFamily="18" charset="0"/>
                         </a:rPr>
                         <m:t>)</m:t>
@@ -12854,7 +12866,7 @@
                     </m:oMath>
                   </m:oMathPara>
                 </a14:m>
-                <a:endParaRPr lang="en-US" dirty="0"/>
+                <a:endParaRPr lang="en-US" sz="1400" dirty="0"/>
               </a:p>
             </p:txBody>
           </p:sp>
@@ -12876,8 +12888,8 @@
             </p:nvSpPr>
             <p:spPr>
               <a:xfrm>
-                <a:off x="3988211" y="4913560"/>
-                <a:ext cx="2661049" cy="276999"/>
+                <a:off x="3241982" y="4682334"/>
+                <a:ext cx="2148152" cy="215444"/>
               </a:xfrm>
               <a:prstGeom prst="rect">
                 <a:avLst/>
@@ -12885,7 +12897,7 @@
               <a:blipFill>
                 <a:blip r:embed="rId2"/>
                 <a:stretch>
-                  <a:fillRect l="-2370" r="-2844" b="-34783"/>
+                  <a:fillRect l="-1765" r="-2353" b="-33333"/>
                 </a:stretch>
               </a:blipFill>
             </p:spPr>
@@ -12920,8 +12932,8 @@
             </p:nvSpPr>
             <p:spPr>
               <a:xfrm>
-                <a:off x="3988211" y="4564915"/>
-                <a:ext cx="2528128" cy="276999"/>
+                <a:off x="3241982" y="4438795"/>
+                <a:ext cx="1889492" cy="215444"/>
               </a:xfrm>
               <a:prstGeom prst="rect">
                 <a:avLst/>
@@ -12934,6 +12946,7 @@
               </a:bodyPr>
               <a:lstStyle/>
               <a:p>
+                <a:pPr/>
                 <a14:m>
                   <m:oMathPara xmlns:m="http://schemas.openxmlformats.org/officeDocument/2006/math">
                     <m:oMathParaPr>
@@ -12941,49 +12954,49 @@
                     </m:oMathParaPr>
                     <m:oMath xmlns:m="http://schemas.openxmlformats.org/officeDocument/2006/math">
                       <m:r>
-                        <a:rPr lang="en-US" b="0" i="1" smtClean="0">
+                        <a:rPr lang="en-US" sz="1400" b="0" i="1" smtClean="0">
                           <a:latin typeface="Cambria Math" panose="02040503050406030204" pitchFamily="18" charset="0"/>
                         </a:rPr>
                         <m:t>𝑟𝑒𝑐𝑎𝑙𝑙</m:t>
                       </m:r>
                       <m:r>
-                        <a:rPr lang="en-US" b="0" i="1" smtClean="0">
+                        <a:rPr lang="en-US" sz="1400" b="0" i="1" smtClean="0">
                           <a:latin typeface="Cambria Math" panose="02040503050406030204" pitchFamily="18" charset="0"/>
                         </a:rPr>
                         <m:t>=</m:t>
                       </m:r>
                       <m:r>
-                        <a:rPr lang="en-US" b="0" i="1" smtClean="0">
+                        <a:rPr lang="en-US" sz="1400" b="0" i="1" smtClean="0">
                           <a:latin typeface="Cambria Math" panose="02040503050406030204" pitchFamily="18" charset="0"/>
                         </a:rPr>
                         <m:t>𝑇𝑃</m:t>
                       </m:r>
                       <m:r>
-                        <a:rPr lang="en-US" b="0" i="1" smtClean="0">
+                        <a:rPr lang="en-US" sz="1400" b="0" i="1" smtClean="0">
                           <a:latin typeface="Cambria Math" panose="02040503050406030204" pitchFamily="18" charset="0"/>
                         </a:rPr>
                         <m:t>/(</m:t>
                       </m:r>
                       <m:r>
-                        <a:rPr lang="en-US" b="0" i="1" smtClean="0">
+                        <a:rPr lang="en-US" sz="1400" b="0" i="1" smtClean="0">
                           <a:latin typeface="Cambria Math" panose="02040503050406030204" pitchFamily="18" charset="0"/>
                         </a:rPr>
                         <m:t>𝑇𝑃</m:t>
                       </m:r>
                       <m:r>
-                        <a:rPr lang="en-US" b="0" i="1" smtClean="0">
+                        <a:rPr lang="en-US" sz="1400" b="0" i="1" smtClean="0">
                           <a:latin typeface="Cambria Math" panose="02040503050406030204" pitchFamily="18" charset="0"/>
                         </a:rPr>
                         <m:t>+</m:t>
                       </m:r>
                       <m:r>
-                        <a:rPr lang="en-US" b="0" i="1" smtClean="0">
+                        <a:rPr lang="en-US" sz="1400" b="0" i="1" smtClean="0">
                           <a:latin typeface="Cambria Math" panose="02040503050406030204" pitchFamily="18" charset="0"/>
                         </a:rPr>
                         <m:t>𝐹𝑁</m:t>
                       </m:r>
                       <m:r>
-                        <a:rPr lang="en-US" b="0" i="1" smtClean="0">
+                        <a:rPr lang="en-US" sz="1400" b="0" i="1" smtClean="0">
                           <a:latin typeface="Cambria Math" panose="02040503050406030204" pitchFamily="18" charset="0"/>
                         </a:rPr>
                         <m:t>)</m:t>
@@ -12991,7 +13004,7 @@
                     </m:oMath>
                   </m:oMathPara>
                 </a14:m>
-                <a:endParaRPr lang="en-US" dirty="0"/>
+                <a:endParaRPr lang="en-US" sz="1400" dirty="0"/>
               </a:p>
             </p:txBody>
           </p:sp>
@@ -13013,8 +13026,8 @@
             </p:nvSpPr>
             <p:spPr>
               <a:xfrm>
-                <a:off x="3988211" y="4564915"/>
-                <a:ext cx="2528128" cy="276999"/>
+                <a:off x="3241982" y="4438795"/>
+                <a:ext cx="1889492" cy="215444"/>
               </a:xfrm>
               <a:prstGeom prst="rect">
                 <a:avLst/>
@@ -13022,7 +13035,7 @@
               <a:blipFill>
                 <a:blip r:embed="rId3"/>
                 <a:stretch>
-                  <a:fillRect r="-995" b="-34783"/>
+                  <a:fillRect l="-2000" t="-5556" r="-2667" b="-33333"/>
                 </a:stretch>
               </a:blipFill>
             </p:spPr>
@@ -13057,8 +13070,8 @@
             </p:nvSpPr>
             <p:spPr>
               <a:xfrm>
-                <a:off x="3988211" y="4216270"/>
-                <a:ext cx="4705775" cy="276999"/>
+                <a:off x="3241982" y="4216270"/>
+                <a:ext cx="3655681" cy="215444"/>
               </a:xfrm>
               <a:prstGeom prst="rect">
                 <a:avLst/>
@@ -13071,6 +13084,7 @@
               </a:bodyPr>
               <a:lstStyle/>
               <a:p>
+                <a:pPr/>
                 <a14:m>
                   <m:oMathPara xmlns:m="http://schemas.openxmlformats.org/officeDocument/2006/math">
                     <m:oMathParaPr>
@@ -13078,85 +13092,85 @@
                     </m:oMathParaPr>
                     <m:oMath xmlns:m="http://schemas.openxmlformats.org/officeDocument/2006/math">
                       <m:r>
-                        <a:rPr lang="en-US" b="0" i="1" smtClean="0">
+                        <a:rPr lang="en-US" sz="1400" b="0" i="1" smtClean="0">
                           <a:latin typeface="Cambria Math" panose="02040503050406030204" pitchFamily="18" charset="0"/>
                         </a:rPr>
                         <m:t>𝑎𝑐𝑐𝑢𝑟𝑎𝑐𝑦</m:t>
                       </m:r>
                       <m:r>
-                        <a:rPr lang="en-US" b="0" i="1" smtClean="0">
+                        <a:rPr lang="en-US" sz="1400" b="0" i="1" smtClean="0">
                           <a:latin typeface="Cambria Math" panose="02040503050406030204" pitchFamily="18" charset="0"/>
                         </a:rPr>
                         <m:t>=(</m:t>
                       </m:r>
                       <m:r>
-                        <a:rPr lang="en-US" b="0" i="1" smtClean="0">
+                        <a:rPr lang="en-US" sz="1400" b="0" i="1" smtClean="0">
                           <a:latin typeface="Cambria Math" panose="02040503050406030204" pitchFamily="18" charset="0"/>
                         </a:rPr>
                         <m:t>𝑇𝑃</m:t>
                       </m:r>
                       <m:r>
-                        <a:rPr lang="en-US" b="0" i="1" smtClean="0">
+                        <a:rPr lang="en-US" sz="1400" b="0" i="1" smtClean="0">
                           <a:latin typeface="Cambria Math" panose="02040503050406030204" pitchFamily="18" charset="0"/>
                         </a:rPr>
                         <m:t>+</m:t>
                       </m:r>
                       <m:r>
-                        <a:rPr lang="en-US" b="0" i="1" smtClean="0">
+                        <a:rPr lang="en-US" sz="1400" b="0" i="1" smtClean="0">
                           <a:latin typeface="Cambria Math" panose="02040503050406030204" pitchFamily="18" charset="0"/>
                         </a:rPr>
                         <m:t>𝑇𝑁</m:t>
                       </m:r>
                       <m:r>
-                        <a:rPr lang="en-US" b="0" i="1" smtClean="0">
+                        <a:rPr lang="en-US" sz="1400" b="0" i="1" smtClean="0">
                           <a:latin typeface="Cambria Math" panose="02040503050406030204" pitchFamily="18" charset="0"/>
                         </a:rPr>
                         <m:t>)/(</m:t>
                       </m:r>
                       <m:r>
-                        <a:rPr lang="en-US" b="0" i="1" smtClean="0">
+                        <a:rPr lang="en-US" sz="1400" b="0" i="1" smtClean="0">
                           <a:latin typeface="Cambria Math" panose="02040503050406030204" pitchFamily="18" charset="0"/>
                         </a:rPr>
                         <m:t>𝑇𝑃</m:t>
                       </m:r>
                       <m:r>
-                        <a:rPr lang="en-US" b="0" i="1" smtClean="0">
+                        <a:rPr lang="en-US" sz="1400" b="0" i="1" smtClean="0">
                           <a:latin typeface="Cambria Math" panose="02040503050406030204" pitchFamily="18" charset="0"/>
                         </a:rPr>
                         <m:t>+</m:t>
                       </m:r>
                       <m:r>
-                        <a:rPr lang="en-US" b="0" i="1" smtClean="0">
+                        <a:rPr lang="en-US" sz="1400" b="0" i="1" smtClean="0">
                           <a:latin typeface="Cambria Math" panose="02040503050406030204" pitchFamily="18" charset="0"/>
                         </a:rPr>
                         <m:t>𝐹𝑃</m:t>
                       </m:r>
                       <m:r>
-                        <a:rPr lang="en-US" b="0" i="1" smtClean="0">
+                        <a:rPr lang="en-US" sz="1400" b="0" i="1" smtClean="0">
                           <a:latin typeface="Cambria Math" panose="02040503050406030204" pitchFamily="18" charset="0"/>
                         </a:rPr>
                         <m:t>+</m:t>
                       </m:r>
                       <m:r>
-                        <a:rPr lang="en-US" b="0" i="1" smtClean="0">
+                        <a:rPr lang="en-US" sz="1400" b="0" i="1" smtClean="0">
                           <a:latin typeface="Cambria Math" panose="02040503050406030204" pitchFamily="18" charset="0"/>
                         </a:rPr>
                         <m:t>𝐹𝑁</m:t>
                       </m:r>
                       <m:r>
-                        <a:rPr lang="en-US" b="0" i="1" smtClean="0">
+                        <a:rPr lang="en-US" sz="1400" b="0" i="1" smtClean="0">
                           <a:latin typeface="Cambria Math" panose="02040503050406030204" pitchFamily="18" charset="0"/>
                         </a:rPr>
                         <m:t>+</m:t>
                       </m:r>
                       <m:r>
-                        <a:rPr lang="en-US" b="0" i="1" smtClean="0">
+                        <a:rPr lang="en-US" sz="1400" b="0" i="1" smtClean="0">
                           <a:latin typeface="Cambria Math" panose="02040503050406030204" pitchFamily="18" charset="0"/>
                         </a:rPr>
                         <m:t>𝑇𝑁</m:t>
                       </m:r>
                       <m:r>
-                        <a:rPr lang="en-US" b="0" i="1" smtClean="0">
+                        <a:rPr lang="en-US" sz="1400" b="0" i="1" smtClean="0">
                           <a:latin typeface="Cambria Math" panose="02040503050406030204" pitchFamily="18" charset="0"/>
                         </a:rPr>
                         <m:t>)</m:t>
@@ -13164,7 +13178,7 @@
                     </m:oMath>
                   </m:oMathPara>
                 </a14:m>
-                <a:endParaRPr lang="en-US" dirty="0"/>
+                <a:endParaRPr lang="en-US" sz="1400" dirty="0"/>
               </a:p>
             </p:txBody>
           </p:sp>
@@ -13186,8 +13200,8 @@
             </p:nvSpPr>
             <p:spPr>
               <a:xfrm>
-                <a:off x="3988211" y="4216270"/>
-                <a:ext cx="4705775" cy="276999"/>
+                <a:off x="3241982" y="4216270"/>
+                <a:ext cx="3655681" cy="215444"/>
               </a:xfrm>
               <a:prstGeom prst="rect">
                 <a:avLst/>
@@ -13195,7 +13209,7 @@
               <a:blipFill>
                 <a:blip r:embed="rId4"/>
                 <a:stretch>
-                  <a:fillRect l="-538" t="-4545" r="-1344" b="-36364"/>
+                  <a:fillRect l="-1038" t="-5882" r="-1038" b="-35294"/>
                 </a:stretch>
               </a:blipFill>
             </p:spPr>

--- a/docs/figures.pptx
+++ b/docs/figures.pptx
@@ -12576,8 +12576,8 @@
         </p:nvSpPr>
         <p:spPr>
           <a:xfrm>
-            <a:off x="5029200" y="1017270"/>
-            <a:ext cx="1267719" cy="400110"/>
+            <a:off x="4861036" y="1017270"/>
+            <a:ext cx="1486304" cy="400110"/>
           </a:xfrm>
           <a:prstGeom prst="rect">
             <a:avLst/>
@@ -12592,7 +12592,7 @@
           <a:p>
             <a:r>
               <a:rPr lang="en-US" sz="2000" b="1" dirty="0"/>
-              <a:t>Real Label</a:t>
+              <a:t>Actual Label</a:t>
             </a:r>
           </a:p>
         </p:txBody>
